--- a/CS347 Final Project.pptx
+++ b/CS347 Final Project.pptx
@@ -22,23 +22,24 @@
     <p:sldId id="267" r:id="rId17"/>
     <p:sldId id="268" r:id="rId18"/>
     <p:sldId id="269" r:id="rId19"/>
+    <p:sldId id="270" r:id="rId20"/>
   </p:sldIdLst>
   <p:sldSz cy="5143500" cx="9144000"/>
   <p:notesSz cx="6858000" cy="9144000"/>
   <p:embeddedFontLst>
     <p:embeddedFont>
       <p:font typeface="Playfair Display"/>
-      <p:regular r:id="rId20"/>
-      <p:bold r:id="rId21"/>
-      <p:italic r:id="rId22"/>
-      <p:boldItalic r:id="rId23"/>
+      <p:regular r:id="rId21"/>
+      <p:bold r:id="rId22"/>
+      <p:italic r:id="rId23"/>
+      <p:boldItalic r:id="rId24"/>
     </p:embeddedFont>
     <p:embeddedFont>
       <p:font typeface="Lato"/>
-      <p:regular r:id="rId24"/>
-      <p:bold r:id="rId25"/>
-      <p:italic r:id="rId26"/>
-      <p:boldItalic r:id="rId27"/>
+      <p:regular r:id="rId25"/>
+      <p:bold r:id="rId26"/>
+      <p:italic r:id="rId27"/>
+      <p:boldItalic r:id="rId28"/>
     </p:embeddedFont>
   </p:embeddedFontLst>
   <p:defaultTextStyle>
@@ -934,7 +935,7 @@
   <p:cSld>
     <p:spTree>
       <p:nvGrpSpPr>
-        <p:cNvPr id="124" name="Shape 124"/>
+        <p:cNvPr id="126" name="Shape 126"/>
         <p:cNvGrpSpPr/>
         <p:nvPr/>
       </p:nvGrpSpPr>
@@ -948,7 +949,7 @@
       </p:grpSpPr>
       <p:sp>
         <p:nvSpPr>
-          <p:cNvPr id="125" name="Shape 125"/>
+          <p:cNvPr id="127" name="Shape 127"/>
           <p:cNvSpPr/>
           <p:nvPr>
             <p:ph idx="2" type="sldImg"/>
@@ -992,7 +993,112 @@
       </p:sp>
       <p:sp>
         <p:nvSpPr>
-          <p:cNvPr id="126" name="Shape 126"/>
+          <p:cNvPr id="128" name="Shape 128"/>
+          <p:cNvSpPr txBox="1"/>
+          <p:nvPr>
+            <p:ph idx="1" type="body"/>
+          </p:nvPr>
+        </p:nvSpPr>
+        <p:spPr>
+          <a:xfrm>
+            <a:off x="685800" y="4343400"/>
+            <a:ext cx="5486399" cy="4114800"/>
+          </a:xfrm>
+          <a:prstGeom prst="rect">
+            <a:avLst/>
+          </a:prstGeom>
+        </p:spPr>
+        <p:txBody>
+          <a:bodyPr anchorCtr="0" anchor="t" bIns="91425" lIns="91425" rIns="91425" tIns="91425">
+            <a:noAutofit/>
+          </a:bodyPr>
+          <a:lstStyle/>
+          <a:p>
+            <a:pPr>
+              <a:spcBef>
+                <a:spcPts val="0"/>
+              </a:spcBef>
+              <a:buNone/>
+            </a:pPr>
+            <a:r>
+              <a:t/>
+            </a:r>
+            <a:endParaRPr/>
+          </a:p>
+        </p:txBody>
+      </p:sp>
+    </p:spTree>
+  </p:cSld>
+  <p:clrMapOvr>
+    <a:masterClrMapping/>
+  </p:clrMapOvr>
+</p:notes>
+</file>
+
+<file path=ppt/notesSlides/notesSlide15.xml><?xml version="1.0" encoding="utf-8"?>
+<p:notes xmlns:a="http://schemas.openxmlformats.org/drawingml/2006/main" xmlns:r="http://schemas.openxmlformats.org/officeDocument/2006/relationships" xmlns:mc="http://schemas.openxmlformats.org/markup-compatibility/2006" xmlns:mv="urn:schemas-microsoft-com:mac:vml" xmlns:p="http://schemas.openxmlformats.org/presentationml/2006/main" xmlns:c="http://schemas.openxmlformats.org/drawingml/2006/chart" xmlns:dgm="http://schemas.openxmlformats.org/drawingml/2006/diagram" xmlns:o="urn:schemas-microsoft-com:office:office" xmlns:v="urn:schemas-microsoft-com:vml" xmlns:pvml="urn:schemas-microsoft-com:office:powerpoint" xmlns:com="http://schemas.openxmlformats.org/drawingml/2006/compatibility" xmlns:p14="http://schemas.microsoft.com/office/powerpoint/2010/main" showMasterPhAnim="0" showMasterSp="0">
+  <p:cSld>
+    <p:spTree>
+      <p:nvGrpSpPr>
+        <p:cNvPr id="131" name="Shape 131"/>
+        <p:cNvGrpSpPr/>
+        <p:nvPr/>
+      </p:nvGrpSpPr>
+      <p:grpSpPr>
+        <a:xfrm>
+          <a:off x="0" y="0"/>
+          <a:ext cx="0" cy="0"/>
+          <a:chOff x="0" y="0"/>
+          <a:chExt cx="0" cy="0"/>
+        </a:xfrm>
+      </p:grpSpPr>
+      <p:sp>
+        <p:nvSpPr>
+          <p:cNvPr id="132" name="Shape 132"/>
+          <p:cNvSpPr/>
+          <p:nvPr>
+            <p:ph idx="2" type="sldImg"/>
+          </p:nvPr>
+        </p:nvSpPr>
+        <p:spPr>
+          <a:xfrm>
+            <a:off x="381300" y="685800"/>
+            <a:ext cx="6096000" cy="3429000"/>
+          </a:xfrm>
+          <a:custGeom>
+            <a:pathLst>
+              <a:path extrusionOk="0" h="120000" w="120000">
+                <a:moveTo>
+                  <a:pt x="0" y="0"/>
+                </a:moveTo>
+                <a:lnTo>
+                  <a:pt x="120000" y="0"/>
+                </a:lnTo>
+                <a:lnTo>
+                  <a:pt x="120000" y="120000"/>
+                </a:lnTo>
+                <a:lnTo>
+                  <a:pt x="0" y="120000"/>
+                </a:lnTo>
+                <a:close/>
+              </a:path>
+            </a:pathLst>
+          </a:custGeom>
+          <a:noFill/>
+          <a:ln cap="flat" cmpd="sng" w="9525">
+            <a:solidFill>
+              <a:srgbClr val="000000"/>
+            </a:solidFill>
+            <a:prstDash val="solid"/>
+            <a:round/>
+            <a:headEnd len="med" w="med" type="none"/>
+            <a:tailEnd len="med" w="med" type="none"/>
+          </a:ln>
+        </p:spPr>
+      </p:sp>
+      <p:sp>
+        <p:nvSpPr>
+          <p:cNvPr id="133" name="Shape 133"/>
           <p:cNvSpPr txBox="1"/>
           <p:nvPr>
             <p:ph idx="1" type="body"/>
@@ -6375,6 +6481,134 @@
         </p:nvSpPr>
         <p:spPr>
           <a:xfrm>
+            <a:off x="311700" y="391350"/>
+            <a:ext cx="8520599" cy="626100"/>
+          </a:xfrm>
+          <a:prstGeom prst="rect">
+            <a:avLst/>
+          </a:prstGeom>
+        </p:spPr>
+        <p:txBody>
+          <a:bodyPr anchorCtr="0" anchor="t" bIns="91425" lIns="91425" rIns="91425" tIns="91425">
+            <a:noAutofit/>
+          </a:bodyPr>
+          <a:lstStyle/>
+          <a:p>
+            <a:pPr>
+              <a:spcBef>
+                <a:spcPts val="0"/>
+              </a:spcBef>
+              <a:buNone/>
+            </a:pPr>
+            <a:r>
+              <a:t/>
+            </a:r>
+            <a:endParaRPr/>
+          </a:p>
+        </p:txBody>
+      </p:sp>
+      <p:sp>
+        <p:nvSpPr>
+          <p:cNvPr id="124" name="Shape 124"/>
+          <p:cNvSpPr txBox="1"/>
+          <p:nvPr>
+            <p:ph idx="1" type="body"/>
+          </p:nvPr>
+        </p:nvSpPr>
+        <p:spPr>
+          <a:xfrm>
+            <a:off x="311700" y="1152475"/>
+            <a:ext cx="8520599" cy="3416400"/>
+          </a:xfrm>
+          <a:prstGeom prst="rect">
+            <a:avLst/>
+          </a:prstGeom>
+        </p:spPr>
+        <p:txBody>
+          <a:bodyPr anchorCtr="0" anchor="t" bIns="91425" lIns="91425" rIns="91425" tIns="91425">
+            <a:noAutofit/>
+          </a:bodyPr>
+          <a:lstStyle/>
+          <a:p>
+            <a:pPr>
+              <a:spcBef>
+                <a:spcPts val="0"/>
+              </a:spcBef>
+              <a:buNone/>
+            </a:pPr>
+            <a:r>
+              <a:t/>
+            </a:r>
+            <a:endParaRPr/>
+          </a:p>
+        </p:txBody>
+      </p:sp>
+      <p:pic>
+        <p:nvPicPr>
+          <p:cNvPr id="125" name="Shape 125"/>
+          <p:cNvPicPr preferRelativeResize="0"/>
+          <p:nvPr/>
+        </p:nvPicPr>
+        <p:blipFill>
+          <a:blip r:embed="rId3">
+            <a:alphaModFix/>
+          </a:blip>
+          <a:stretch>
+            <a:fillRect/>
+          </a:stretch>
+        </p:blipFill>
+        <p:spPr>
+          <a:xfrm>
+            <a:off x="363687" y="205724"/>
+            <a:ext cx="8416625" cy="4732049"/>
+          </a:xfrm>
+          <a:prstGeom prst="rect">
+            <a:avLst/>
+          </a:prstGeom>
+          <a:noFill/>
+          <a:ln>
+            <a:noFill/>
+          </a:ln>
+        </p:spPr>
+      </p:pic>
+    </p:spTree>
+  </p:cSld>
+  <p:clrMapOvr>
+    <a:masterClrMapping/>
+  </p:clrMapOvr>
+  <p:transition spd="slow">
+    <p:cut/>
+  </p:transition>
+</p:sld>
+</file>
+
+<file path=ppt/slides/slide15.xml><?xml version="1.0" encoding="utf-8"?>
+<p:sld xmlns:a="http://schemas.openxmlformats.org/drawingml/2006/main" xmlns:r="http://schemas.openxmlformats.org/officeDocument/2006/relationships" xmlns:mc="http://schemas.openxmlformats.org/markup-compatibility/2006" xmlns:mv="urn:schemas-microsoft-com:mac:vml" xmlns:p="http://schemas.openxmlformats.org/presentationml/2006/main" xmlns:c="http://schemas.openxmlformats.org/drawingml/2006/chart" xmlns:dgm="http://schemas.openxmlformats.org/drawingml/2006/diagram" xmlns:o="urn:schemas-microsoft-com:office:office" xmlns:v="urn:schemas-microsoft-com:vml" xmlns:pvml="urn:schemas-microsoft-com:office:powerpoint" xmlns:com="http://schemas.openxmlformats.org/drawingml/2006/compatibility" xmlns:p14="http://schemas.microsoft.com/office/powerpoint/2010/main">
+  <p:cSld>
+    <p:spTree>
+      <p:nvGrpSpPr>
+        <p:cNvPr id="129" name="Shape 129"/>
+        <p:cNvGrpSpPr/>
+        <p:nvPr/>
+      </p:nvGrpSpPr>
+      <p:grpSpPr>
+        <a:xfrm>
+          <a:off x="0" y="0"/>
+          <a:ext cx="0" cy="0"/>
+          <a:chOff x="0" y="0"/>
+          <a:chExt cx="0" cy="0"/>
+        </a:xfrm>
+      </p:grpSpPr>
+      <p:sp>
+        <p:nvSpPr>
+          <p:cNvPr id="130" name="Shape 130"/>
+          <p:cNvSpPr txBox="1"/>
+          <p:nvPr>
+            <p:ph type="title"/>
+          </p:nvPr>
+        </p:nvSpPr>
+        <p:spPr>
+          <a:xfrm>
             <a:off x="267725" y="2169150"/>
             <a:ext cx="8520599" cy="805200"/>
           </a:xfrm>
@@ -6874,6 +7108,285 @@
 </file>
 
 <file path=ppt/theme/theme1.xml><?xml version="1.0" encoding="utf-8"?>
+<a:theme xmlns:a="http://schemas.openxmlformats.org/drawingml/2006/main" xmlns:r="http://schemas.openxmlformats.org/officeDocument/2006/relationships" name="Custom Theme">
+  <a:themeElements>
+    <a:clrScheme name="Default">
+      <a:dk1>
+        <a:srgbClr val="000000"/>
+      </a:dk1>
+      <a:lt1>
+        <a:srgbClr val="FFFFFF"/>
+      </a:lt1>
+      <a:dk2>
+        <a:srgbClr val="158158"/>
+      </a:dk2>
+      <a:lt2>
+        <a:srgbClr val="F3F3F3"/>
+      </a:lt2>
+      <a:accent1>
+        <a:srgbClr val="058DC7"/>
+      </a:accent1>
+      <a:accent2>
+        <a:srgbClr val="50B432"/>
+      </a:accent2>
+      <a:accent3>
+        <a:srgbClr val="ED561B"/>
+      </a:accent3>
+      <a:accent4>
+        <a:srgbClr val="EDEF00"/>
+      </a:accent4>
+      <a:accent5>
+        <a:srgbClr val="24CBE5"/>
+      </a:accent5>
+      <a:accent6>
+        <a:srgbClr val="64E572"/>
+      </a:accent6>
+      <a:hlink>
+        <a:srgbClr val="2200CC"/>
+      </a:hlink>
+      <a:folHlink>
+        <a:srgbClr val="551A8B"/>
+      </a:folHlink>
+    </a:clrScheme>
+    <a:fontScheme name="Office">
+      <a:majorFont>
+        <a:latin typeface="Arial"/>
+        <a:ea typeface=""/>
+        <a:cs typeface=""/>
+        <a:font script="Jpan" typeface="ＭＳ Ｐゴシック"/>
+        <a:font script="Hang" typeface="맑은 고딕"/>
+        <a:font script="Hans" typeface="宋体"/>
+        <a:font script="Hant" typeface="新細明體"/>
+        <a:font script="Arab" typeface="Times New Roman"/>
+        <a:font script="Hebr" typeface="Times New Roman"/>
+        <a:font script="Thai" typeface="Angsana New"/>
+        <a:font script="Ethi" typeface="Nyala"/>
+        <a:font script="Beng" typeface="Vrinda"/>
+        <a:font script="Gujr" typeface="Shruti"/>
+        <a:font script="Khmr" typeface="MoolBoran"/>
+        <a:font script="Knda" typeface="Tunga"/>
+        <a:font script="Guru" typeface="Raavi"/>
+        <a:font script="Cans" typeface="Euphemia"/>
+        <a:font script="Cher" typeface="Plantagenet Cherokee"/>
+        <a:font script="Yiii" typeface="Microsoft Yi Baiti"/>
+        <a:font script="Tibt" typeface="Microsoft Himalaya"/>
+        <a:font script="Thaa" typeface="MV Boli"/>
+        <a:font script="Deva" typeface="Mangal"/>
+        <a:font script="Telu" typeface="Gautami"/>
+        <a:font script="Taml" typeface="Latha"/>
+        <a:font script="Syrc" typeface="Estrangelo Edessa"/>
+        <a:font script="Orya" typeface="Kalinga"/>
+        <a:font script="Mlym" typeface="Kartika"/>
+        <a:font script="Laoo" typeface="DokChampa"/>
+        <a:font script="Sinh" typeface="Iskoola Pota"/>
+        <a:font script="Mong" typeface="Mongolian Baiti"/>
+        <a:font script="Viet" typeface="Times New Roman"/>
+        <a:font script="Uigh" typeface="Microsoft Uighur"/>
+        <a:font script="Geor" typeface="Sylfaen"/>
+      </a:majorFont>
+      <a:minorFont>
+        <a:latin typeface="Arial"/>
+        <a:ea typeface=""/>
+        <a:cs typeface=""/>
+        <a:font script="Jpan" typeface="ＭＳ Ｐゴシック"/>
+        <a:font script="Hang" typeface="맑은 고딕"/>
+        <a:font script="Hans" typeface="宋体"/>
+        <a:font script="Hant" typeface="新細明體"/>
+        <a:font script="Arab" typeface="Arial"/>
+        <a:font script="Hebr" typeface="Arial"/>
+        <a:font script="Thai" typeface="Cordia New"/>
+        <a:font script="Ethi" typeface="Nyala"/>
+        <a:font script="Beng" typeface="Vrinda"/>
+        <a:font script="Gujr" typeface="Shruti"/>
+        <a:font script="Khmr" typeface="DaunPenh"/>
+        <a:font script="Knda" typeface="Tunga"/>
+        <a:font script="Guru" typeface="Raavi"/>
+        <a:font script="Cans" typeface="Euphemia"/>
+        <a:font script="Cher" typeface="Plantagenet Cherokee"/>
+        <a:font script="Yiii" typeface="Microsoft Yi Baiti"/>
+        <a:font script="Tibt" typeface="Microsoft Himalaya"/>
+        <a:font script="Thaa" typeface="MV Boli"/>
+        <a:font script="Deva" typeface="Mangal"/>
+        <a:font script="Telu" typeface="Gautami"/>
+        <a:font script="Taml" typeface="Latha"/>
+        <a:font script="Syrc" typeface="Estrangelo Edessa"/>
+        <a:font script="Orya" typeface="Kalinga"/>
+        <a:font script="Mlym" typeface="Kartika"/>
+        <a:font script="Laoo" typeface="DokChampa"/>
+        <a:font script="Sinh" typeface="Iskoola Pota"/>
+        <a:font script="Mong" typeface="Mongolian Baiti"/>
+        <a:font script="Viet" typeface="Arial"/>
+        <a:font script="Uigh" typeface="Microsoft Uighur"/>
+        <a:font script="Geor" typeface="Sylfaen"/>
+      </a:minorFont>
+    </a:fontScheme>
+    <a:fmtScheme name="Office">
+      <a:fillStyleLst>
+        <a:solidFill>
+          <a:schemeClr val="phClr"/>
+        </a:solidFill>
+        <a:gradFill rotWithShape="1">
+          <a:gsLst>
+            <a:gs pos="0">
+              <a:schemeClr val="phClr">
+                <a:tint val="50000"/>
+                <a:satMod val="300000"/>
+              </a:schemeClr>
+            </a:gs>
+            <a:gs pos="35000">
+              <a:schemeClr val="phClr">
+                <a:tint val="37000"/>
+                <a:satMod val="300000"/>
+              </a:schemeClr>
+            </a:gs>
+            <a:gs pos="100000">
+              <a:schemeClr val="phClr">
+                <a:tint val="15000"/>
+                <a:satMod val="350000"/>
+              </a:schemeClr>
+            </a:gs>
+          </a:gsLst>
+          <a:lin ang="16200000" scaled="1"/>
+        </a:gradFill>
+        <a:gradFill rotWithShape="1">
+          <a:gsLst>
+            <a:gs pos="0">
+              <a:schemeClr val="phClr">
+                <a:tint val="100000"/>
+                <a:shade val="100000"/>
+                <a:satMod val="130000"/>
+              </a:schemeClr>
+            </a:gs>
+            <a:gs pos="100000">
+              <a:schemeClr val="phClr">
+                <a:tint val="50000"/>
+                <a:shade val="100000"/>
+                <a:satMod val="350000"/>
+              </a:schemeClr>
+            </a:gs>
+          </a:gsLst>
+          <a:lin ang="16200000" scaled="0"/>
+        </a:gradFill>
+      </a:fillStyleLst>
+      <a:lnStyleLst>
+        <a:ln w="9525" cap="flat" cmpd="sng" algn="ctr">
+          <a:solidFill>
+            <a:schemeClr val="phClr">
+              <a:shade val="95000"/>
+              <a:satMod val="105000"/>
+            </a:schemeClr>
+          </a:solidFill>
+          <a:prstDash val="solid"/>
+        </a:ln>
+        <a:ln w="25400" cap="flat" cmpd="sng" algn="ctr">
+          <a:solidFill>
+            <a:schemeClr val="phClr"/>
+          </a:solidFill>
+          <a:prstDash val="solid"/>
+        </a:ln>
+        <a:ln w="38100" cap="flat" cmpd="sng" algn="ctr">
+          <a:solidFill>
+            <a:schemeClr val="phClr"/>
+          </a:solidFill>
+          <a:prstDash val="solid"/>
+        </a:ln>
+      </a:lnStyleLst>
+      <a:effectStyleLst>
+        <a:effectStyle>
+          <a:effectLst>
+            <a:outerShdw blurRad="40000" dist="20000" dir="5400000" rotWithShape="0">
+              <a:srgbClr val="000000">
+                <a:alpha val="38000"/>
+              </a:srgbClr>
+            </a:outerShdw>
+          </a:effectLst>
+        </a:effectStyle>
+        <a:effectStyle>
+          <a:effectLst>
+            <a:outerShdw blurRad="40000" dist="23000" dir="5400000" rotWithShape="0">
+              <a:srgbClr val="000000">
+                <a:alpha val="35000"/>
+              </a:srgbClr>
+            </a:outerShdw>
+          </a:effectLst>
+        </a:effectStyle>
+        <a:effectStyle>
+          <a:effectLst>
+            <a:outerShdw blurRad="40000" dist="23000" dir="5400000" rotWithShape="0">
+              <a:srgbClr val="000000">
+                <a:alpha val="35000"/>
+              </a:srgbClr>
+            </a:outerShdw>
+          </a:effectLst>
+          <a:scene3d>
+            <a:camera prst="orthographicFront">
+              <a:rot lat="0" lon="0" rev="0"/>
+            </a:camera>
+            <a:lightRig rig="threePt" dir="t">
+              <a:rot lat="0" lon="0" rev="1200000"/>
+            </a:lightRig>
+          </a:scene3d>
+          <a:sp3d>
+            <a:bevelT w="63500" h="25400"/>
+          </a:sp3d>
+        </a:effectStyle>
+      </a:effectStyleLst>
+      <a:bgFillStyleLst>
+        <a:solidFill>
+          <a:schemeClr val="phClr"/>
+        </a:solidFill>
+        <a:gradFill rotWithShape="1">
+          <a:gsLst>
+            <a:gs pos="0">
+              <a:schemeClr val="phClr">
+                <a:tint val="40000"/>
+                <a:satMod val="350000"/>
+              </a:schemeClr>
+            </a:gs>
+            <a:gs pos="40000">
+              <a:schemeClr val="phClr">
+                <a:tint val="45000"/>
+                <a:shade val="99000"/>
+                <a:satMod val="350000"/>
+              </a:schemeClr>
+            </a:gs>
+            <a:gs pos="100000">
+              <a:schemeClr val="phClr">
+                <a:shade val="20000"/>
+                <a:satMod val="255000"/>
+              </a:schemeClr>
+            </a:gs>
+          </a:gsLst>
+          <a:path path="circle">
+            <a:fillToRect l="50000" t="-80000" r="50000" b="180000"/>
+          </a:path>
+        </a:gradFill>
+        <a:gradFill rotWithShape="1">
+          <a:gsLst>
+            <a:gs pos="0">
+              <a:schemeClr val="phClr">
+                <a:tint val="80000"/>
+                <a:satMod val="300000"/>
+              </a:schemeClr>
+            </a:gs>
+            <a:gs pos="100000">
+              <a:schemeClr val="phClr">
+                <a:shade val="30000"/>
+                <a:satMod val="200000"/>
+              </a:schemeClr>
+            </a:gs>
+          </a:gsLst>
+          <a:path path="circle">
+            <a:fillToRect l="50000" t="50000" r="50000" b="50000"/>
+          </a:path>
+        </a:gradFill>
+      </a:bgFillStyleLst>
+    </a:fmtScheme>
+  </a:themeElements>
+</a:theme>
+</file>
+
+<file path=ppt/theme/theme2.xml><?xml version="1.0" encoding="utf-8"?>
 <a:theme xmlns:a="http://schemas.openxmlformats.org/drawingml/2006/main" xmlns:r="http://schemas.openxmlformats.org/officeDocument/2006/relationships" name="coral">
   <a:themeElements>
     <a:clrScheme name="Coral">
@@ -7150,283 +7663,4 @@
     </a:fmtScheme>
   </a:themeElements>
 </a:theme>
-</file>
-
-<file path=ppt/theme/theme2.xml><?xml version="1.0" encoding="utf-8"?>
-<a:theme xmlns:a="http://schemas.openxmlformats.org/drawingml/2006/main" xmlns:r="http://schemas.openxmlformats.org/officeDocument/2006/relationships" name="Custom Theme">
-  <a:themeElements>
-    <a:clrScheme name="Default">
-      <a:dk1>
-        <a:srgbClr val="000000"/>
-      </a:dk1>
-      <a:lt1>
-        <a:srgbClr val="FFFFFF"/>
-      </a:lt1>
-      <a:dk2>
-        <a:srgbClr val="158158"/>
-      </a:dk2>
-      <a:lt2>
-        <a:srgbClr val="F3F3F3"/>
-      </a:lt2>
-      <a:accent1>
-        <a:srgbClr val="058DC7"/>
-      </a:accent1>
-      <a:accent2>
-        <a:srgbClr val="50B432"/>
-      </a:accent2>
-      <a:accent3>
-        <a:srgbClr val="ED561B"/>
-      </a:accent3>
-      <a:accent4>
-        <a:srgbClr val="EDEF00"/>
-      </a:accent4>
-      <a:accent5>
-        <a:srgbClr val="24CBE5"/>
-      </a:accent5>
-      <a:accent6>
-        <a:srgbClr val="64E572"/>
-      </a:accent6>
-      <a:hlink>
-        <a:srgbClr val="2200CC"/>
-      </a:hlink>
-      <a:folHlink>
-        <a:srgbClr val="551A8B"/>
-      </a:folHlink>
-    </a:clrScheme>
-    <a:fontScheme name="Office">
-      <a:majorFont>
-        <a:latin typeface="Arial"/>
-        <a:ea typeface=""/>
-        <a:cs typeface=""/>
-        <a:font script="Jpan" typeface="ＭＳ Ｐゴシック"/>
-        <a:font script="Hang" typeface="맑은 고딕"/>
-        <a:font script="Hans" typeface="宋体"/>
-        <a:font script="Hant" typeface="新細明體"/>
-        <a:font script="Arab" typeface="Times New Roman"/>
-        <a:font script="Hebr" typeface="Times New Roman"/>
-        <a:font script="Thai" typeface="Angsana New"/>
-        <a:font script="Ethi" typeface="Nyala"/>
-        <a:font script="Beng" typeface="Vrinda"/>
-        <a:font script="Gujr" typeface="Shruti"/>
-        <a:font script="Khmr" typeface="MoolBoran"/>
-        <a:font script="Knda" typeface="Tunga"/>
-        <a:font script="Guru" typeface="Raavi"/>
-        <a:font script="Cans" typeface="Euphemia"/>
-        <a:font script="Cher" typeface="Plantagenet Cherokee"/>
-        <a:font script="Yiii" typeface="Microsoft Yi Baiti"/>
-        <a:font script="Tibt" typeface="Microsoft Himalaya"/>
-        <a:font script="Thaa" typeface="MV Boli"/>
-        <a:font script="Deva" typeface="Mangal"/>
-        <a:font script="Telu" typeface="Gautami"/>
-        <a:font script="Taml" typeface="Latha"/>
-        <a:font script="Syrc" typeface="Estrangelo Edessa"/>
-        <a:font script="Orya" typeface="Kalinga"/>
-        <a:font script="Mlym" typeface="Kartika"/>
-        <a:font script="Laoo" typeface="DokChampa"/>
-        <a:font script="Sinh" typeface="Iskoola Pota"/>
-        <a:font script="Mong" typeface="Mongolian Baiti"/>
-        <a:font script="Viet" typeface="Times New Roman"/>
-        <a:font script="Uigh" typeface="Microsoft Uighur"/>
-        <a:font script="Geor" typeface="Sylfaen"/>
-      </a:majorFont>
-      <a:minorFont>
-        <a:latin typeface="Arial"/>
-        <a:ea typeface=""/>
-        <a:cs typeface=""/>
-        <a:font script="Jpan" typeface="ＭＳ Ｐゴシック"/>
-        <a:font script="Hang" typeface="맑은 고딕"/>
-        <a:font script="Hans" typeface="宋体"/>
-        <a:font script="Hant" typeface="新細明體"/>
-        <a:font script="Arab" typeface="Arial"/>
-        <a:font script="Hebr" typeface="Arial"/>
-        <a:font script="Thai" typeface="Cordia New"/>
-        <a:font script="Ethi" typeface="Nyala"/>
-        <a:font script="Beng" typeface="Vrinda"/>
-        <a:font script="Gujr" typeface="Shruti"/>
-        <a:font script="Khmr" typeface="DaunPenh"/>
-        <a:font script="Knda" typeface="Tunga"/>
-        <a:font script="Guru" typeface="Raavi"/>
-        <a:font script="Cans" typeface="Euphemia"/>
-        <a:font script="Cher" typeface="Plantagenet Cherokee"/>
-        <a:font script="Yiii" typeface="Microsoft Yi Baiti"/>
-        <a:font script="Tibt" typeface="Microsoft Himalaya"/>
-        <a:font script="Thaa" typeface="MV Boli"/>
-        <a:font script="Deva" typeface="Mangal"/>
-        <a:font script="Telu" typeface="Gautami"/>
-        <a:font script="Taml" typeface="Latha"/>
-        <a:font script="Syrc" typeface="Estrangelo Edessa"/>
-        <a:font script="Orya" typeface="Kalinga"/>
-        <a:font script="Mlym" typeface="Kartika"/>
-        <a:font script="Laoo" typeface="DokChampa"/>
-        <a:font script="Sinh" typeface="Iskoola Pota"/>
-        <a:font script="Mong" typeface="Mongolian Baiti"/>
-        <a:font script="Viet" typeface="Arial"/>
-        <a:font script="Uigh" typeface="Microsoft Uighur"/>
-        <a:font script="Geor" typeface="Sylfaen"/>
-      </a:minorFont>
-    </a:fontScheme>
-    <a:fmtScheme name="Office">
-      <a:fillStyleLst>
-        <a:solidFill>
-          <a:schemeClr val="phClr"/>
-        </a:solidFill>
-        <a:gradFill rotWithShape="1">
-          <a:gsLst>
-            <a:gs pos="0">
-              <a:schemeClr val="phClr">
-                <a:tint val="50000"/>
-                <a:satMod val="300000"/>
-              </a:schemeClr>
-            </a:gs>
-            <a:gs pos="35000">
-              <a:schemeClr val="phClr">
-                <a:tint val="37000"/>
-                <a:satMod val="300000"/>
-              </a:schemeClr>
-            </a:gs>
-            <a:gs pos="100000">
-              <a:schemeClr val="phClr">
-                <a:tint val="15000"/>
-                <a:satMod val="350000"/>
-              </a:schemeClr>
-            </a:gs>
-          </a:gsLst>
-          <a:lin ang="16200000" scaled="1"/>
-        </a:gradFill>
-        <a:gradFill rotWithShape="1">
-          <a:gsLst>
-            <a:gs pos="0">
-              <a:schemeClr val="phClr">
-                <a:tint val="100000"/>
-                <a:shade val="100000"/>
-                <a:satMod val="130000"/>
-              </a:schemeClr>
-            </a:gs>
-            <a:gs pos="100000">
-              <a:schemeClr val="phClr">
-                <a:tint val="50000"/>
-                <a:shade val="100000"/>
-                <a:satMod val="350000"/>
-              </a:schemeClr>
-            </a:gs>
-          </a:gsLst>
-          <a:lin ang="16200000" scaled="0"/>
-        </a:gradFill>
-      </a:fillStyleLst>
-      <a:lnStyleLst>
-        <a:ln w="9525" cap="flat" cmpd="sng" algn="ctr">
-          <a:solidFill>
-            <a:schemeClr val="phClr">
-              <a:shade val="95000"/>
-              <a:satMod val="105000"/>
-            </a:schemeClr>
-          </a:solidFill>
-          <a:prstDash val="solid"/>
-        </a:ln>
-        <a:ln w="25400" cap="flat" cmpd="sng" algn="ctr">
-          <a:solidFill>
-            <a:schemeClr val="phClr"/>
-          </a:solidFill>
-          <a:prstDash val="solid"/>
-        </a:ln>
-        <a:ln w="38100" cap="flat" cmpd="sng" algn="ctr">
-          <a:solidFill>
-            <a:schemeClr val="phClr"/>
-          </a:solidFill>
-          <a:prstDash val="solid"/>
-        </a:ln>
-      </a:lnStyleLst>
-      <a:effectStyleLst>
-        <a:effectStyle>
-          <a:effectLst>
-            <a:outerShdw blurRad="40000" dist="20000" dir="5400000" rotWithShape="0">
-              <a:srgbClr val="000000">
-                <a:alpha val="38000"/>
-              </a:srgbClr>
-            </a:outerShdw>
-          </a:effectLst>
-        </a:effectStyle>
-        <a:effectStyle>
-          <a:effectLst>
-            <a:outerShdw blurRad="40000" dist="23000" dir="5400000" rotWithShape="0">
-              <a:srgbClr val="000000">
-                <a:alpha val="35000"/>
-              </a:srgbClr>
-            </a:outerShdw>
-          </a:effectLst>
-        </a:effectStyle>
-        <a:effectStyle>
-          <a:effectLst>
-            <a:outerShdw blurRad="40000" dist="23000" dir="5400000" rotWithShape="0">
-              <a:srgbClr val="000000">
-                <a:alpha val="35000"/>
-              </a:srgbClr>
-            </a:outerShdw>
-          </a:effectLst>
-          <a:scene3d>
-            <a:camera prst="orthographicFront">
-              <a:rot lat="0" lon="0" rev="0"/>
-            </a:camera>
-            <a:lightRig rig="threePt" dir="t">
-              <a:rot lat="0" lon="0" rev="1200000"/>
-            </a:lightRig>
-          </a:scene3d>
-          <a:sp3d>
-            <a:bevelT w="63500" h="25400"/>
-          </a:sp3d>
-        </a:effectStyle>
-      </a:effectStyleLst>
-      <a:bgFillStyleLst>
-        <a:solidFill>
-          <a:schemeClr val="phClr"/>
-        </a:solidFill>
-        <a:gradFill rotWithShape="1">
-          <a:gsLst>
-            <a:gs pos="0">
-              <a:schemeClr val="phClr">
-                <a:tint val="40000"/>
-                <a:satMod val="350000"/>
-              </a:schemeClr>
-            </a:gs>
-            <a:gs pos="40000">
-              <a:schemeClr val="phClr">
-                <a:tint val="45000"/>
-                <a:shade val="99000"/>
-                <a:satMod val="350000"/>
-              </a:schemeClr>
-            </a:gs>
-            <a:gs pos="100000">
-              <a:schemeClr val="phClr">
-                <a:shade val="20000"/>
-                <a:satMod val="255000"/>
-              </a:schemeClr>
-            </a:gs>
-          </a:gsLst>
-          <a:path path="circle">
-            <a:fillToRect l="50000" t="-80000" r="50000" b="180000"/>
-          </a:path>
-        </a:gradFill>
-        <a:gradFill rotWithShape="1">
-          <a:gsLst>
-            <a:gs pos="0">
-              <a:schemeClr val="phClr">
-                <a:tint val="80000"/>
-                <a:satMod val="300000"/>
-              </a:schemeClr>
-            </a:gs>
-            <a:gs pos="100000">
-              <a:schemeClr val="phClr">
-                <a:shade val="30000"/>
-                <a:satMod val="200000"/>
-              </a:schemeClr>
-            </a:gs>
-          </a:gsLst>
-          <a:path path="circle">
-            <a:fillToRect l="50000" t="50000" r="50000" b="50000"/>
-          </a:path>
-        </a:gradFill>
-      </a:bgFillStyleLst>
-    </a:fmtScheme>
-  </a:themeElements>
-</a:theme>
 </file>
--- a/CS347 Final Project.pptx
+++ b/CS347 Final Project.pptx
@@ -23,23 +23,24 @@
     <p:sldId id="268" r:id="rId18"/>
     <p:sldId id="269" r:id="rId19"/>
     <p:sldId id="270" r:id="rId20"/>
+    <p:sldId id="271" r:id="rId21"/>
   </p:sldIdLst>
   <p:sldSz cy="5143500" cx="9144000"/>
   <p:notesSz cx="6858000" cy="9144000"/>
   <p:embeddedFontLst>
     <p:embeddedFont>
       <p:font typeface="Playfair Display"/>
-      <p:regular r:id="rId21"/>
-      <p:bold r:id="rId22"/>
-      <p:italic r:id="rId23"/>
-      <p:boldItalic r:id="rId24"/>
+      <p:regular r:id="rId22"/>
+      <p:bold r:id="rId23"/>
+      <p:italic r:id="rId24"/>
+      <p:boldItalic r:id="rId25"/>
     </p:embeddedFont>
     <p:embeddedFont>
       <p:font typeface="Lato"/>
-      <p:regular r:id="rId25"/>
-      <p:bold r:id="rId26"/>
-      <p:italic r:id="rId27"/>
-      <p:boldItalic r:id="rId28"/>
+      <p:regular r:id="rId26"/>
+      <p:bold r:id="rId27"/>
+      <p:italic r:id="rId28"/>
+      <p:boldItalic r:id="rId29"/>
     </p:embeddedFont>
   </p:embeddedFontLst>
   <p:defaultTextStyle>
@@ -620,7 +621,7 @@
   <p:cSld>
     <p:spTree>
       <p:nvGrpSpPr>
-        <p:cNvPr id="108" name="Shape 108"/>
+        <p:cNvPr id="107" name="Shape 107"/>
         <p:cNvGrpSpPr/>
         <p:nvPr/>
       </p:nvGrpSpPr>
@@ -634,7 +635,7 @@
       </p:grpSpPr>
       <p:sp>
         <p:nvSpPr>
-          <p:cNvPr id="109" name="Shape 109"/>
+          <p:cNvPr id="108" name="Shape 108"/>
           <p:cNvSpPr/>
           <p:nvPr>
             <p:ph idx="2" type="sldImg"/>
@@ -678,7 +679,7 @@
       </p:sp>
       <p:sp>
         <p:nvSpPr>
-          <p:cNvPr id="110" name="Shape 110"/>
+          <p:cNvPr id="109" name="Shape 109"/>
           <p:cNvSpPr txBox="1"/>
           <p:nvPr>
             <p:ph idx="1" type="body"/>
@@ -725,7 +726,7 @@
   <p:cSld>
     <p:spTree>
       <p:nvGrpSpPr>
-        <p:cNvPr id="114" name="Shape 114"/>
+        <p:cNvPr id="113" name="Shape 113"/>
         <p:cNvGrpSpPr/>
         <p:nvPr/>
       </p:nvGrpSpPr>
@@ -739,7 +740,7 @@
       </p:grpSpPr>
       <p:sp>
         <p:nvSpPr>
-          <p:cNvPr id="115" name="Shape 115"/>
+          <p:cNvPr id="114" name="Shape 114"/>
           <p:cNvSpPr/>
           <p:nvPr>
             <p:ph idx="2" type="sldImg"/>
@@ -783,7 +784,7 @@
       </p:sp>
       <p:sp>
         <p:nvSpPr>
-          <p:cNvPr id="116" name="Shape 116"/>
+          <p:cNvPr id="115" name="Shape 115"/>
           <p:cNvSpPr txBox="1"/>
           <p:nvPr>
             <p:ph idx="1" type="body"/>
@@ -935,7 +936,7 @@
   <p:cSld>
     <p:spTree>
       <p:nvGrpSpPr>
-        <p:cNvPr id="126" name="Shape 126"/>
+        <p:cNvPr id="124" name="Shape 124"/>
         <p:cNvGrpSpPr/>
         <p:nvPr/>
       </p:nvGrpSpPr>
@@ -949,7 +950,7 @@
       </p:grpSpPr>
       <p:sp>
         <p:nvSpPr>
-          <p:cNvPr id="127" name="Shape 127"/>
+          <p:cNvPr id="125" name="Shape 125"/>
           <p:cNvSpPr/>
           <p:nvPr>
             <p:ph idx="2" type="sldImg"/>
@@ -993,7 +994,7 @@
       </p:sp>
       <p:sp>
         <p:nvSpPr>
-          <p:cNvPr id="128" name="Shape 128"/>
+          <p:cNvPr id="126" name="Shape 126"/>
           <p:cNvSpPr txBox="1"/>
           <p:nvPr>
             <p:ph idx="1" type="body"/>
@@ -1099,6 +1100,111 @@
       <p:sp>
         <p:nvSpPr>
           <p:cNvPr id="133" name="Shape 133"/>
+          <p:cNvSpPr txBox="1"/>
+          <p:nvPr>
+            <p:ph idx="1" type="body"/>
+          </p:nvPr>
+        </p:nvSpPr>
+        <p:spPr>
+          <a:xfrm>
+            <a:off x="685800" y="4343400"/>
+            <a:ext cx="5486399" cy="4114800"/>
+          </a:xfrm>
+          <a:prstGeom prst="rect">
+            <a:avLst/>
+          </a:prstGeom>
+        </p:spPr>
+        <p:txBody>
+          <a:bodyPr anchorCtr="0" anchor="t" bIns="91425" lIns="91425" rIns="91425" tIns="91425">
+            <a:noAutofit/>
+          </a:bodyPr>
+          <a:lstStyle/>
+          <a:p>
+            <a:pPr>
+              <a:spcBef>
+                <a:spcPts val="0"/>
+              </a:spcBef>
+              <a:buNone/>
+            </a:pPr>
+            <a:r>
+              <a:t/>
+            </a:r>
+            <a:endParaRPr/>
+          </a:p>
+        </p:txBody>
+      </p:sp>
+    </p:spTree>
+  </p:cSld>
+  <p:clrMapOvr>
+    <a:masterClrMapping/>
+  </p:clrMapOvr>
+</p:notes>
+</file>
+
+<file path=ppt/notesSlides/notesSlide16.xml><?xml version="1.0" encoding="utf-8"?>
+<p:notes xmlns:a="http://schemas.openxmlformats.org/drawingml/2006/main" xmlns:r="http://schemas.openxmlformats.org/officeDocument/2006/relationships" xmlns:mc="http://schemas.openxmlformats.org/markup-compatibility/2006" xmlns:mv="urn:schemas-microsoft-com:mac:vml" xmlns:p="http://schemas.openxmlformats.org/presentationml/2006/main" xmlns:c="http://schemas.openxmlformats.org/drawingml/2006/chart" xmlns:dgm="http://schemas.openxmlformats.org/drawingml/2006/diagram" xmlns:o="urn:schemas-microsoft-com:office:office" xmlns:v="urn:schemas-microsoft-com:vml" xmlns:pvml="urn:schemas-microsoft-com:office:powerpoint" xmlns:com="http://schemas.openxmlformats.org/drawingml/2006/compatibility" xmlns:p14="http://schemas.microsoft.com/office/powerpoint/2010/main" showMasterPhAnim="0" showMasterSp="0">
+  <p:cSld>
+    <p:spTree>
+      <p:nvGrpSpPr>
+        <p:cNvPr id="136" name="Shape 136"/>
+        <p:cNvGrpSpPr/>
+        <p:nvPr/>
+      </p:nvGrpSpPr>
+      <p:grpSpPr>
+        <a:xfrm>
+          <a:off x="0" y="0"/>
+          <a:ext cx="0" cy="0"/>
+          <a:chOff x="0" y="0"/>
+          <a:chExt cx="0" cy="0"/>
+        </a:xfrm>
+      </p:grpSpPr>
+      <p:sp>
+        <p:nvSpPr>
+          <p:cNvPr id="137" name="Shape 137"/>
+          <p:cNvSpPr/>
+          <p:nvPr>
+            <p:ph idx="2" type="sldImg"/>
+          </p:nvPr>
+        </p:nvSpPr>
+        <p:spPr>
+          <a:xfrm>
+            <a:off x="381300" y="685800"/>
+            <a:ext cx="6096000" cy="3429000"/>
+          </a:xfrm>
+          <a:custGeom>
+            <a:pathLst>
+              <a:path extrusionOk="0" h="120000" w="120000">
+                <a:moveTo>
+                  <a:pt x="0" y="0"/>
+                </a:moveTo>
+                <a:lnTo>
+                  <a:pt x="120000" y="0"/>
+                </a:lnTo>
+                <a:lnTo>
+                  <a:pt x="120000" y="120000"/>
+                </a:lnTo>
+                <a:lnTo>
+                  <a:pt x="0" y="120000"/>
+                </a:lnTo>
+                <a:close/>
+              </a:path>
+            </a:pathLst>
+          </a:custGeom>
+          <a:noFill/>
+          <a:ln cap="flat" cmpd="sng" w="9525">
+            <a:solidFill>
+              <a:srgbClr val="000000"/>
+            </a:solidFill>
+            <a:prstDash val="solid"/>
+            <a:round/>
+            <a:headEnd len="med" w="med" type="none"/>
+            <a:tailEnd len="med" w="med" type="none"/>
+          </a:ln>
+        </p:spPr>
+      </p:sp>
+      <p:sp>
+        <p:nvSpPr>
+          <p:cNvPr id="138" name="Shape 138"/>
           <p:cNvSpPr txBox="1"/>
           <p:nvPr>
             <p:ph idx="1" type="body"/>
@@ -6227,8 +6333,8 @@
         </p:blipFill>
         <p:spPr>
           <a:xfrm>
-            <a:off x="0" y="1100431"/>
-            <a:ext cx="9143999" cy="3558086"/>
+            <a:off x="0" y="355674"/>
+            <a:ext cx="9144000" cy="4432150"/>
           </a:xfrm>
           <a:prstGeom prst="rect">
             <a:avLst/>
@@ -6239,42 +6345,6 @@
           </a:ln>
         </p:spPr>
       </p:pic>
-      <p:sp>
-        <p:nvSpPr>
-          <p:cNvPr id="107" name="Shape 107"/>
-          <p:cNvSpPr txBox="1"/>
-          <p:nvPr>
-            <p:ph type="title"/>
-          </p:nvPr>
-        </p:nvSpPr>
-        <p:spPr>
-          <a:xfrm>
-            <a:off x="311700" y="391350"/>
-            <a:ext cx="8520599" cy="626100"/>
-          </a:xfrm>
-          <a:prstGeom prst="rect">
-            <a:avLst/>
-          </a:prstGeom>
-        </p:spPr>
-        <p:txBody>
-          <a:bodyPr anchorCtr="0" anchor="t" bIns="91425" lIns="91425" rIns="91425" tIns="91425">
-            <a:noAutofit/>
-          </a:bodyPr>
-          <a:lstStyle/>
-          <a:p>
-            <a:pPr>
-              <a:spcBef>
-                <a:spcPts val="0"/>
-              </a:spcBef>
-              <a:buNone/>
-            </a:pPr>
-            <a:r>
-              <a:rPr lang="en"/>
-              <a:t>Part II Conceptual Model</a:t>
-            </a:r>
-          </a:p>
-        </p:txBody>
-      </p:sp>
     </p:spTree>
   </p:cSld>
   <p:clrMapOvr>
@@ -6291,7 +6361,7 @@
   <p:cSld>
     <p:spTree>
       <p:nvGrpSpPr>
-        <p:cNvPr id="111" name="Shape 111"/>
+        <p:cNvPr id="110" name="Shape 110"/>
         <p:cNvGrpSpPr/>
         <p:nvPr/>
       </p:nvGrpSpPr>
@@ -6303,6 +6373,34 @@
           <a:chExt cx="0" cy="0"/>
         </a:xfrm>
       </p:grpSpPr>
+      <p:pic>
+        <p:nvPicPr>
+          <p:cNvPr id="111" name="Shape 111"/>
+          <p:cNvPicPr preferRelativeResize="0"/>
+          <p:nvPr/>
+        </p:nvPicPr>
+        <p:blipFill>
+          <a:blip r:embed="rId3">
+            <a:alphaModFix/>
+          </a:blip>
+          <a:stretch>
+            <a:fillRect/>
+          </a:stretch>
+        </p:blipFill>
+        <p:spPr>
+          <a:xfrm>
+            <a:off x="0" y="1100431"/>
+            <a:ext cx="9143999" cy="3558086"/>
+          </a:xfrm>
+          <a:prstGeom prst="rect">
+            <a:avLst/>
+          </a:prstGeom>
+          <a:noFill/>
+          <a:ln>
+            <a:noFill/>
+          </a:ln>
+        </p:spPr>
+      </p:pic>
       <p:sp>
         <p:nvSpPr>
           <p:cNvPr id="112" name="Shape 112"/>
@@ -6334,55 +6432,7 @@
             </a:pPr>
             <a:r>
               <a:rPr lang="en"/>
-              <a:t>Part II Description and screenshots</a:t>
-            </a:r>
-          </a:p>
-        </p:txBody>
-      </p:sp>
-      <p:sp>
-        <p:nvSpPr>
-          <p:cNvPr id="113" name="Shape 113"/>
-          <p:cNvSpPr txBox="1"/>
-          <p:nvPr>
-            <p:ph idx="1" type="body"/>
-          </p:nvPr>
-        </p:nvSpPr>
-        <p:spPr>
-          <a:xfrm>
-            <a:off x="311700" y="1152475"/>
-            <a:ext cx="8520599" cy="3416400"/>
-          </a:xfrm>
-          <a:prstGeom prst="rect">
-            <a:avLst/>
-          </a:prstGeom>
-        </p:spPr>
-        <p:txBody>
-          <a:bodyPr anchorCtr="0" anchor="t" bIns="91425" lIns="91425" rIns="91425" tIns="91425">
-            <a:noAutofit/>
-          </a:bodyPr>
-          <a:lstStyle/>
-          <a:p>
-            <a:pPr rtl="0">
-              <a:spcBef>
-                <a:spcPts val="0"/>
-              </a:spcBef>
-              <a:buNone/>
-            </a:pPr>
-            <a:r>
-              <a:rPr lang="en"/>
-              <a:t>Part II of our project is meant to act like a beverage menu depending on season. </a:t>
-            </a:r>
-          </a:p>
-          <a:p>
-            <a:pPr>
-              <a:spcBef>
-                <a:spcPts val="0"/>
-              </a:spcBef>
-              <a:buNone/>
-            </a:pPr>
-            <a:r>
-              <a:rPr lang="en"/>
-              <a:t>Seasonal drinks are displayed with prices, descriptions, ingredients, etc. </a:t>
+              <a:t>Part II Conceptual Model</a:t>
             </a:r>
           </a:p>
         </p:txBody>
@@ -6403,7 +6453,7 @@
   <p:cSld>
     <p:spTree>
       <p:nvGrpSpPr>
-        <p:cNvPr id="117" name="Shape 117"/>
+        <p:cNvPr id="116" name="Shape 116"/>
         <p:cNvGrpSpPr/>
         <p:nvPr/>
       </p:nvGrpSpPr>
@@ -6415,34 +6465,90 @@
           <a:chExt cx="0" cy="0"/>
         </a:xfrm>
       </p:grpSpPr>
-      <p:pic>
-        <p:nvPicPr>
-          <p:cNvPr id="118" name="Shape 118"/>
-          <p:cNvPicPr preferRelativeResize="0"/>
-          <p:nvPr/>
-        </p:nvPicPr>
-        <p:blipFill>
-          <a:blip r:embed="rId3">
-            <a:alphaModFix/>
-          </a:blip>
-          <a:stretch>
-            <a:fillRect/>
-          </a:stretch>
-        </p:blipFill>
-        <p:spPr>
-          <a:xfrm>
-            <a:off x="0" y="560916"/>
-            <a:ext cx="9144000" cy="4021666"/>
+      <p:sp>
+        <p:nvSpPr>
+          <p:cNvPr id="117" name="Shape 117"/>
+          <p:cNvSpPr txBox="1"/>
+          <p:nvPr>
+            <p:ph type="title"/>
+          </p:nvPr>
+        </p:nvSpPr>
+        <p:spPr>
+          <a:xfrm>
+            <a:off x="311700" y="391350"/>
+            <a:ext cx="8520599" cy="626100"/>
           </a:xfrm>
           <a:prstGeom prst="rect">
             <a:avLst/>
           </a:prstGeom>
-          <a:noFill/>
-          <a:ln>
-            <a:noFill/>
-          </a:ln>
-        </p:spPr>
-      </p:pic>
+        </p:spPr>
+        <p:txBody>
+          <a:bodyPr anchorCtr="0" anchor="t" bIns="91425" lIns="91425" rIns="91425" tIns="91425">
+            <a:noAutofit/>
+          </a:bodyPr>
+          <a:lstStyle/>
+          <a:p>
+            <a:pPr>
+              <a:spcBef>
+                <a:spcPts val="0"/>
+              </a:spcBef>
+              <a:buNone/>
+            </a:pPr>
+            <a:r>
+              <a:rPr lang="en"/>
+              <a:t>Part II Description and screenshots</a:t>
+            </a:r>
+          </a:p>
+        </p:txBody>
+      </p:sp>
+      <p:sp>
+        <p:nvSpPr>
+          <p:cNvPr id="118" name="Shape 118"/>
+          <p:cNvSpPr txBox="1"/>
+          <p:nvPr>
+            <p:ph idx="1" type="body"/>
+          </p:nvPr>
+        </p:nvSpPr>
+        <p:spPr>
+          <a:xfrm>
+            <a:off x="311700" y="1152475"/>
+            <a:ext cx="8520599" cy="3416400"/>
+          </a:xfrm>
+          <a:prstGeom prst="rect">
+            <a:avLst/>
+          </a:prstGeom>
+        </p:spPr>
+        <p:txBody>
+          <a:bodyPr anchorCtr="0" anchor="t" bIns="91425" lIns="91425" rIns="91425" tIns="91425">
+            <a:noAutofit/>
+          </a:bodyPr>
+          <a:lstStyle/>
+          <a:p>
+            <a:pPr rtl="0">
+              <a:spcBef>
+                <a:spcPts val="0"/>
+              </a:spcBef>
+              <a:buNone/>
+            </a:pPr>
+            <a:r>
+              <a:rPr lang="en"/>
+              <a:t>Part II of our project is meant to act like a beverage menu depending on season. </a:t>
+            </a:r>
+          </a:p>
+          <a:p>
+            <a:pPr>
+              <a:spcBef>
+                <a:spcPts val="0"/>
+              </a:spcBef>
+              <a:buNone/>
+            </a:pPr>
+            <a:r>
+              <a:rPr lang="en"/>
+              <a:t>Seasonal drinks are displayed with prices, descriptions, ingredients, etc. </a:t>
+            </a:r>
+          </a:p>
+        </p:txBody>
+      </p:sp>
     </p:spTree>
   </p:cSld>
   <p:clrMapOvr>
@@ -6471,81 +6577,9 @@
           <a:chExt cx="0" cy="0"/>
         </a:xfrm>
       </p:grpSpPr>
-      <p:sp>
-        <p:nvSpPr>
-          <p:cNvPr id="123" name="Shape 123"/>
-          <p:cNvSpPr txBox="1"/>
-          <p:nvPr>
-            <p:ph type="title"/>
-          </p:nvPr>
-        </p:nvSpPr>
-        <p:spPr>
-          <a:xfrm>
-            <a:off x="311700" y="391350"/>
-            <a:ext cx="8520599" cy="626100"/>
-          </a:xfrm>
-          <a:prstGeom prst="rect">
-            <a:avLst/>
-          </a:prstGeom>
-        </p:spPr>
-        <p:txBody>
-          <a:bodyPr anchorCtr="0" anchor="t" bIns="91425" lIns="91425" rIns="91425" tIns="91425">
-            <a:noAutofit/>
-          </a:bodyPr>
-          <a:lstStyle/>
-          <a:p>
-            <a:pPr>
-              <a:spcBef>
-                <a:spcPts val="0"/>
-              </a:spcBef>
-              <a:buNone/>
-            </a:pPr>
-            <a:r>
-              <a:t/>
-            </a:r>
-            <a:endParaRPr/>
-          </a:p>
-        </p:txBody>
-      </p:sp>
-      <p:sp>
-        <p:nvSpPr>
-          <p:cNvPr id="124" name="Shape 124"/>
-          <p:cNvSpPr txBox="1"/>
-          <p:nvPr>
-            <p:ph idx="1" type="body"/>
-          </p:nvPr>
-        </p:nvSpPr>
-        <p:spPr>
-          <a:xfrm>
-            <a:off x="311700" y="1152475"/>
-            <a:ext cx="8520599" cy="3416400"/>
-          </a:xfrm>
-          <a:prstGeom prst="rect">
-            <a:avLst/>
-          </a:prstGeom>
-        </p:spPr>
-        <p:txBody>
-          <a:bodyPr anchorCtr="0" anchor="t" bIns="91425" lIns="91425" rIns="91425" tIns="91425">
-            <a:noAutofit/>
-          </a:bodyPr>
-          <a:lstStyle/>
-          <a:p>
-            <a:pPr>
-              <a:spcBef>
-                <a:spcPts val="0"/>
-              </a:spcBef>
-              <a:buNone/>
-            </a:pPr>
-            <a:r>
-              <a:t/>
-            </a:r>
-            <a:endParaRPr/>
-          </a:p>
-        </p:txBody>
-      </p:sp>
       <p:pic>
         <p:nvPicPr>
-          <p:cNvPr id="125" name="Shape 125"/>
+          <p:cNvPr id="123" name="Shape 123"/>
           <p:cNvPicPr preferRelativeResize="0"/>
           <p:nvPr/>
         </p:nvPicPr>
@@ -6559,8 +6593,8 @@
         </p:blipFill>
         <p:spPr>
           <a:xfrm>
-            <a:off x="363687" y="205724"/>
-            <a:ext cx="8416625" cy="4732049"/>
+            <a:off x="0" y="560916"/>
+            <a:ext cx="9144000" cy="4021666"/>
           </a:xfrm>
           <a:prstGeom prst="rect">
             <a:avLst/>
@@ -6587,7 +6621,7 @@
   <p:cSld>
     <p:spTree>
       <p:nvGrpSpPr>
-        <p:cNvPr id="129" name="Shape 129"/>
+        <p:cNvPr id="127" name="Shape 127"/>
         <p:cNvGrpSpPr/>
         <p:nvPr/>
       </p:nvGrpSpPr>
@@ -6601,7 +6635,135 @@
       </p:grpSpPr>
       <p:sp>
         <p:nvSpPr>
+          <p:cNvPr id="128" name="Shape 128"/>
+          <p:cNvSpPr txBox="1"/>
+          <p:nvPr>
+            <p:ph type="title"/>
+          </p:nvPr>
+        </p:nvSpPr>
+        <p:spPr>
+          <a:xfrm>
+            <a:off x="311700" y="391350"/>
+            <a:ext cx="8520599" cy="626100"/>
+          </a:xfrm>
+          <a:prstGeom prst="rect">
+            <a:avLst/>
+          </a:prstGeom>
+        </p:spPr>
+        <p:txBody>
+          <a:bodyPr anchorCtr="0" anchor="t" bIns="91425" lIns="91425" rIns="91425" tIns="91425">
+            <a:noAutofit/>
+          </a:bodyPr>
+          <a:lstStyle/>
+          <a:p>
+            <a:pPr>
+              <a:spcBef>
+                <a:spcPts val="0"/>
+              </a:spcBef>
+              <a:buNone/>
+            </a:pPr>
+            <a:r>
+              <a:t/>
+            </a:r>
+            <a:endParaRPr/>
+          </a:p>
+        </p:txBody>
+      </p:sp>
+      <p:sp>
+        <p:nvSpPr>
+          <p:cNvPr id="129" name="Shape 129"/>
+          <p:cNvSpPr txBox="1"/>
+          <p:nvPr>
+            <p:ph idx="1" type="body"/>
+          </p:nvPr>
+        </p:nvSpPr>
+        <p:spPr>
+          <a:xfrm>
+            <a:off x="311700" y="1152475"/>
+            <a:ext cx="8520599" cy="3416400"/>
+          </a:xfrm>
+          <a:prstGeom prst="rect">
+            <a:avLst/>
+          </a:prstGeom>
+        </p:spPr>
+        <p:txBody>
+          <a:bodyPr anchorCtr="0" anchor="t" bIns="91425" lIns="91425" rIns="91425" tIns="91425">
+            <a:noAutofit/>
+          </a:bodyPr>
+          <a:lstStyle/>
+          <a:p>
+            <a:pPr>
+              <a:spcBef>
+                <a:spcPts val="0"/>
+              </a:spcBef>
+              <a:buNone/>
+            </a:pPr>
+            <a:r>
+              <a:t/>
+            </a:r>
+            <a:endParaRPr/>
+          </a:p>
+        </p:txBody>
+      </p:sp>
+      <p:pic>
+        <p:nvPicPr>
           <p:cNvPr id="130" name="Shape 130"/>
+          <p:cNvPicPr preferRelativeResize="0"/>
+          <p:nvPr/>
+        </p:nvPicPr>
+        <p:blipFill>
+          <a:blip r:embed="rId3">
+            <a:alphaModFix/>
+          </a:blip>
+          <a:stretch>
+            <a:fillRect/>
+          </a:stretch>
+        </p:blipFill>
+        <p:spPr>
+          <a:xfrm>
+            <a:off x="0" y="205725"/>
+            <a:ext cx="9144000" cy="4732049"/>
+          </a:xfrm>
+          <a:prstGeom prst="rect">
+            <a:avLst/>
+          </a:prstGeom>
+          <a:noFill/>
+          <a:ln>
+            <a:noFill/>
+          </a:ln>
+        </p:spPr>
+      </p:pic>
+    </p:spTree>
+  </p:cSld>
+  <p:clrMapOvr>
+    <a:masterClrMapping/>
+  </p:clrMapOvr>
+  <p:transition spd="slow">
+    <p:cut/>
+  </p:transition>
+</p:sld>
+</file>
+
+<file path=ppt/slides/slide16.xml><?xml version="1.0" encoding="utf-8"?>
+<p:sld xmlns:a="http://schemas.openxmlformats.org/drawingml/2006/main" xmlns:r="http://schemas.openxmlformats.org/officeDocument/2006/relationships" xmlns:mc="http://schemas.openxmlformats.org/markup-compatibility/2006" xmlns:mv="urn:schemas-microsoft-com:mac:vml" xmlns:p="http://schemas.openxmlformats.org/presentationml/2006/main" xmlns:c="http://schemas.openxmlformats.org/drawingml/2006/chart" xmlns:dgm="http://schemas.openxmlformats.org/drawingml/2006/diagram" xmlns:o="urn:schemas-microsoft-com:office:office" xmlns:v="urn:schemas-microsoft-com:vml" xmlns:pvml="urn:schemas-microsoft-com:office:powerpoint" xmlns:com="http://schemas.openxmlformats.org/drawingml/2006/compatibility" xmlns:p14="http://schemas.microsoft.com/office/powerpoint/2010/main">
+  <p:cSld>
+    <p:spTree>
+      <p:nvGrpSpPr>
+        <p:cNvPr id="134" name="Shape 134"/>
+        <p:cNvGrpSpPr/>
+        <p:nvPr/>
+      </p:nvGrpSpPr>
+      <p:grpSpPr>
+        <a:xfrm>
+          <a:off x="0" y="0"/>
+          <a:ext cx="0" cy="0"/>
+          <a:chOff x="0" y="0"/>
+          <a:chExt cx="0" cy="0"/>
+        </a:xfrm>
+      </p:grpSpPr>
+      <p:sp>
+        <p:nvSpPr>
+          <p:cNvPr id="135" name="Shape 135"/>
           <p:cNvSpPr txBox="1"/>
           <p:nvPr>
             <p:ph type="title"/>
@@ -7108,6 +7270,285 @@
 </file>
 
 <file path=ppt/theme/theme1.xml><?xml version="1.0" encoding="utf-8"?>
+<a:theme xmlns:a="http://schemas.openxmlformats.org/drawingml/2006/main" xmlns:r="http://schemas.openxmlformats.org/officeDocument/2006/relationships" name="coral">
+  <a:themeElements>
+    <a:clrScheme name="Coral">
+      <a:dk1>
+        <a:srgbClr val="F55E61"/>
+      </a:dk1>
+      <a:lt1>
+        <a:srgbClr val="FFFFFF"/>
+      </a:lt1>
+      <a:dk2>
+        <a:srgbClr val="5E696C"/>
+      </a:dk2>
+      <a:lt2>
+        <a:srgbClr val="BFC7CA"/>
+      </a:lt2>
+      <a:accent1>
+        <a:srgbClr val="1E2D31"/>
+      </a:accent1>
+      <a:accent2>
+        <a:srgbClr val="273C42"/>
+      </a:accent2>
+      <a:accent3>
+        <a:srgbClr val="83D061"/>
+      </a:accent3>
+      <a:accent4>
+        <a:srgbClr val="F6CD4C"/>
+      </a:accent4>
+      <a:accent5>
+        <a:srgbClr val="AF4345"/>
+      </a:accent5>
+      <a:accent6>
+        <a:srgbClr val="F58F8F"/>
+      </a:accent6>
+      <a:hlink>
+        <a:srgbClr val="AF4345"/>
+      </a:hlink>
+      <a:folHlink>
+        <a:srgbClr val="AF4345"/>
+      </a:folHlink>
+    </a:clrScheme>
+    <a:fontScheme name="Office">
+      <a:majorFont>
+        <a:latin typeface="Arial"/>
+        <a:ea typeface=""/>
+        <a:cs typeface=""/>
+        <a:font script="Jpan" typeface="ＭＳ Ｐゴシック"/>
+        <a:font script="Hang" typeface="맑은 고딕"/>
+        <a:font script="Hans" typeface="宋体"/>
+        <a:font script="Hant" typeface="新細明體"/>
+        <a:font script="Arab" typeface="Times New Roman"/>
+        <a:font script="Hebr" typeface="Times New Roman"/>
+        <a:font script="Thai" typeface="Angsana New"/>
+        <a:font script="Ethi" typeface="Nyala"/>
+        <a:font script="Beng" typeface="Vrinda"/>
+        <a:font script="Gujr" typeface="Shruti"/>
+        <a:font script="Khmr" typeface="MoolBoran"/>
+        <a:font script="Knda" typeface="Tunga"/>
+        <a:font script="Guru" typeface="Raavi"/>
+        <a:font script="Cans" typeface="Euphemia"/>
+        <a:font script="Cher" typeface="Plantagenet Cherokee"/>
+        <a:font script="Yiii" typeface="Microsoft Yi Baiti"/>
+        <a:font script="Tibt" typeface="Microsoft Himalaya"/>
+        <a:font script="Thaa" typeface="MV Boli"/>
+        <a:font script="Deva" typeface="Mangal"/>
+        <a:font script="Telu" typeface="Gautami"/>
+        <a:font script="Taml" typeface="Latha"/>
+        <a:font script="Syrc" typeface="Estrangelo Edessa"/>
+        <a:font script="Orya" typeface="Kalinga"/>
+        <a:font script="Mlym" typeface="Kartika"/>
+        <a:font script="Laoo" typeface="DokChampa"/>
+        <a:font script="Sinh" typeface="Iskoola Pota"/>
+        <a:font script="Mong" typeface="Mongolian Baiti"/>
+        <a:font script="Viet" typeface="Times New Roman"/>
+        <a:font script="Uigh" typeface="Microsoft Uighur"/>
+        <a:font script="Geor" typeface="Sylfaen"/>
+      </a:majorFont>
+      <a:minorFont>
+        <a:latin typeface="Arial"/>
+        <a:ea typeface=""/>
+        <a:cs typeface=""/>
+        <a:font script="Jpan" typeface="ＭＳ Ｐゴシック"/>
+        <a:font script="Hang" typeface="맑은 고딕"/>
+        <a:font script="Hans" typeface="宋体"/>
+        <a:font script="Hant" typeface="新細明體"/>
+        <a:font script="Arab" typeface="Arial"/>
+        <a:font script="Hebr" typeface="Arial"/>
+        <a:font script="Thai" typeface="Cordia New"/>
+        <a:font script="Ethi" typeface="Nyala"/>
+        <a:font script="Beng" typeface="Vrinda"/>
+        <a:font script="Gujr" typeface="Shruti"/>
+        <a:font script="Khmr" typeface="DaunPenh"/>
+        <a:font script="Knda" typeface="Tunga"/>
+        <a:font script="Guru" typeface="Raavi"/>
+        <a:font script="Cans" typeface="Euphemia"/>
+        <a:font script="Cher" typeface="Plantagenet Cherokee"/>
+        <a:font script="Yiii" typeface="Microsoft Yi Baiti"/>
+        <a:font script="Tibt" typeface="Microsoft Himalaya"/>
+        <a:font script="Thaa" typeface="MV Boli"/>
+        <a:font script="Deva" typeface="Mangal"/>
+        <a:font script="Telu" typeface="Gautami"/>
+        <a:font script="Taml" typeface="Latha"/>
+        <a:font script="Syrc" typeface="Estrangelo Edessa"/>
+        <a:font script="Orya" typeface="Kalinga"/>
+        <a:font script="Mlym" typeface="Kartika"/>
+        <a:font script="Laoo" typeface="DokChampa"/>
+        <a:font script="Sinh" typeface="Iskoola Pota"/>
+        <a:font script="Mong" typeface="Mongolian Baiti"/>
+        <a:font script="Viet" typeface="Arial"/>
+        <a:font script="Uigh" typeface="Microsoft Uighur"/>
+        <a:font script="Geor" typeface="Sylfaen"/>
+      </a:minorFont>
+    </a:fontScheme>
+    <a:fmtScheme name="Office">
+      <a:fillStyleLst>
+        <a:solidFill>
+          <a:schemeClr val="phClr"/>
+        </a:solidFill>
+        <a:gradFill rotWithShape="1">
+          <a:gsLst>
+            <a:gs pos="0">
+              <a:schemeClr val="phClr">
+                <a:tint val="50000"/>
+                <a:satMod val="300000"/>
+              </a:schemeClr>
+            </a:gs>
+            <a:gs pos="35000">
+              <a:schemeClr val="phClr">
+                <a:tint val="37000"/>
+                <a:satMod val="300000"/>
+              </a:schemeClr>
+            </a:gs>
+            <a:gs pos="100000">
+              <a:schemeClr val="phClr">
+                <a:tint val="15000"/>
+                <a:satMod val="350000"/>
+              </a:schemeClr>
+            </a:gs>
+          </a:gsLst>
+          <a:lin ang="16200000" scaled="1"/>
+        </a:gradFill>
+        <a:gradFill rotWithShape="1">
+          <a:gsLst>
+            <a:gs pos="0">
+              <a:schemeClr val="phClr">
+                <a:tint val="100000"/>
+                <a:shade val="100000"/>
+                <a:satMod val="130000"/>
+              </a:schemeClr>
+            </a:gs>
+            <a:gs pos="100000">
+              <a:schemeClr val="phClr">
+                <a:tint val="50000"/>
+                <a:shade val="100000"/>
+                <a:satMod val="350000"/>
+              </a:schemeClr>
+            </a:gs>
+          </a:gsLst>
+          <a:lin ang="16200000" scaled="0"/>
+        </a:gradFill>
+      </a:fillStyleLst>
+      <a:lnStyleLst>
+        <a:ln w="9525" cap="flat" cmpd="sng" algn="ctr">
+          <a:solidFill>
+            <a:schemeClr val="phClr">
+              <a:shade val="95000"/>
+              <a:satMod val="105000"/>
+            </a:schemeClr>
+          </a:solidFill>
+          <a:prstDash val="solid"/>
+        </a:ln>
+        <a:ln w="25400" cap="flat" cmpd="sng" algn="ctr">
+          <a:solidFill>
+            <a:schemeClr val="phClr"/>
+          </a:solidFill>
+          <a:prstDash val="solid"/>
+        </a:ln>
+        <a:ln w="38100" cap="flat" cmpd="sng" algn="ctr">
+          <a:solidFill>
+            <a:schemeClr val="phClr"/>
+          </a:solidFill>
+          <a:prstDash val="solid"/>
+        </a:ln>
+      </a:lnStyleLst>
+      <a:effectStyleLst>
+        <a:effectStyle>
+          <a:effectLst>
+            <a:outerShdw blurRad="40000" dist="20000" dir="5400000" rotWithShape="0">
+              <a:srgbClr val="000000">
+                <a:alpha val="38000"/>
+              </a:srgbClr>
+            </a:outerShdw>
+          </a:effectLst>
+        </a:effectStyle>
+        <a:effectStyle>
+          <a:effectLst>
+            <a:outerShdw blurRad="40000" dist="23000" dir="5400000" rotWithShape="0">
+              <a:srgbClr val="000000">
+                <a:alpha val="35000"/>
+              </a:srgbClr>
+            </a:outerShdw>
+          </a:effectLst>
+        </a:effectStyle>
+        <a:effectStyle>
+          <a:effectLst>
+            <a:outerShdw blurRad="40000" dist="23000" dir="5400000" rotWithShape="0">
+              <a:srgbClr val="000000">
+                <a:alpha val="35000"/>
+              </a:srgbClr>
+            </a:outerShdw>
+          </a:effectLst>
+          <a:scene3d>
+            <a:camera prst="orthographicFront">
+              <a:rot lat="0" lon="0" rev="0"/>
+            </a:camera>
+            <a:lightRig rig="threePt" dir="t">
+              <a:rot lat="0" lon="0" rev="1200000"/>
+            </a:lightRig>
+          </a:scene3d>
+          <a:sp3d>
+            <a:bevelT w="63500" h="25400"/>
+          </a:sp3d>
+        </a:effectStyle>
+      </a:effectStyleLst>
+      <a:bgFillStyleLst>
+        <a:solidFill>
+          <a:schemeClr val="phClr"/>
+        </a:solidFill>
+        <a:gradFill rotWithShape="1">
+          <a:gsLst>
+            <a:gs pos="0">
+              <a:schemeClr val="phClr">
+                <a:tint val="40000"/>
+                <a:satMod val="350000"/>
+              </a:schemeClr>
+            </a:gs>
+            <a:gs pos="40000">
+              <a:schemeClr val="phClr">
+                <a:tint val="45000"/>
+                <a:shade val="99000"/>
+                <a:satMod val="350000"/>
+              </a:schemeClr>
+            </a:gs>
+            <a:gs pos="100000">
+              <a:schemeClr val="phClr">
+                <a:shade val="20000"/>
+                <a:satMod val="255000"/>
+              </a:schemeClr>
+            </a:gs>
+          </a:gsLst>
+          <a:path path="circle">
+            <a:fillToRect l="50000" t="-80000" r="50000" b="180000"/>
+          </a:path>
+        </a:gradFill>
+        <a:gradFill rotWithShape="1">
+          <a:gsLst>
+            <a:gs pos="0">
+              <a:schemeClr val="phClr">
+                <a:tint val="80000"/>
+                <a:satMod val="300000"/>
+              </a:schemeClr>
+            </a:gs>
+            <a:gs pos="100000">
+              <a:schemeClr val="phClr">
+                <a:shade val="30000"/>
+                <a:satMod val="200000"/>
+              </a:schemeClr>
+            </a:gs>
+          </a:gsLst>
+          <a:path path="circle">
+            <a:fillToRect l="50000" t="50000" r="50000" b="50000"/>
+          </a:path>
+        </a:gradFill>
+      </a:bgFillStyleLst>
+    </a:fmtScheme>
+  </a:themeElements>
+</a:theme>
+</file>
+
+<file path=ppt/theme/theme2.xml><?xml version="1.0" encoding="utf-8"?>
 <a:theme xmlns:a="http://schemas.openxmlformats.org/drawingml/2006/main" xmlns:r="http://schemas.openxmlformats.org/officeDocument/2006/relationships" name="Custom Theme">
   <a:themeElements>
     <a:clrScheme name="Default">
@@ -7384,283 +7825,4 @@
     </a:fmtScheme>
   </a:themeElements>
 </a:theme>
-</file>
-
-<file path=ppt/theme/theme2.xml><?xml version="1.0" encoding="utf-8"?>
-<a:theme xmlns:a="http://schemas.openxmlformats.org/drawingml/2006/main" xmlns:r="http://schemas.openxmlformats.org/officeDocument/2006/relationships" name="coral">
-  <a:themeElements>
-    <a:clrScheme name="Coral">
-      <a:dk1>
-        <a:srgbClr val="F55E61"/>
-      </a:dk1>
-      <a:lt1>
-        <a:srgbClr val="FFFFFF"/>
-      </a:lt1>
-      <a:dk2>
-        <a:srgbClr val="5E696C"/>
-      </a:dk2>
-      <a:lt2>
-        <a:srgbClr val="BFC7CA"/>
-      </a:lt2>
-      <a:accent1>
-        <a:srgbClr val="1E2D31"/>
-      </a:accent1>
-      <a:accent2>
-        <a:srgbClr val="273C42"/>
-      </a:accent2>
-      <a:accent3>
-        <a:srgbClr val="83D061"/>
-      </a:accent3>
-      <a:accent4>
-        <a:srgbClr val="F6CD4C"/>
-      </a:accent4>
-      <a:accent5>
-        <a:srgbClr val="AF4345"/>
-      </a:accent5>
-      <a:accent6>
-        <a:srgbClr val="F58F8F"/>
-      </a:accent6>
-      <a:hlink>
-        <a:srgbClr val="AF4345"/>
-      </a:hlink>
-      <a:folHlink>
-        <a:srgbClr val="AF4345"/>
-      </a:folHlink>
-    </a:clrScheme>
-    <a:fontScheme name="Office">
-      <a:majorFont>
-        <a:latin typeface="Arial"/>
-        <a:ea typeface=""/>
-        <a:cs typeface=""/>
-        <a:font script="Jpan" typeface="ＭＳ Ｐゴシック"/>
-        <a:font script="Hang" typeface="맑은 고딕"/>
-        <a:font script="Hans" typeface="宋体"/>
-        <a:font script="Hant" typeface="新細明體"/>
-        <a:font script="Arab" typeface="Times New Roman"/>
-        <a:font script="Hebr" typeface="Times New Roman"/>
-        <a:font script="Thai" typeface="Angsana New"/>
-        <a:font script="Ethi" typeface="Nyala"/>
-        <a:font script="Beng" typeface="Vrinda"/>
-        <a:font script="Gujr" typeface="Shruti"/>
-        <a:font script="Khmr" typeface="MoolBoran"/>
-        <a:font script="Knda" typeface="Tunga"/>
-        <a:font script="Guru" typeface="Raavi"/>
-        <a:font script="Cans" typeface="Euphemia"/>
-        <a:font script="Cher" typeface="Plantagenet Cherokee"/>
-        <a:font script="Yiii" typeface="Microsoft Yi Baiti"/>
-        <a:font script="Tibt" typeface="Microsoft Himalaya"/>
-        <a:font script="Thaa" typeface="MV Boli"/>
-        <a:font script="Deva" typeface="Mangal"/>
-        <a:font script="Telu" typeface="Gautami"/>
-        <a:font script="Taml" typeface="Latha"/>
-        <a:font script="Syrc" typeface="Estrangelo Edessa"/>
-        <a:font script="Orya" typeface="Kalinga"/>
-        <a:font script="Mlym" typeface="Kartika"/>
-        <a:font script="Laoo" typeface="DokChampa"/>
-        <a:font script="Sinh" typeface="Iskoola Pota"/>
-        <a:font script="Mong" typeface="Mongolian Baiti"/>
-        <a:font script="Viet" typeface="Times New Roman"/>
-        <a:font script="Uigh" typeface="Microsoft Uighur"/>
-        <a:font script="Geor" typeface="Sylfaen"/>
-      </a:majorFont>
-      <a:minorFont>
-        <a:latin typeface="Arial"/>
-        <a:ea typeface=""/>
-        <a:cs typeface=""/>
-        <a:font script="Jpan" typeface="ＭＳ Ｐゴシック"/>
-        <a:font script="Hang" typeface="맑은 고딕"/>
-        <a:font script="Hans" typeface="宋体"/>
-        <a:font script="Hant" typeface="新細明體"/>
-        <a:font script="Arab" typeface="Arial"/>
-        <a:font script="Hebr" typeface="Arial"/>
-        <a:font script="Thai" typeface="Cordia New"/>
-        <a:font script="Ethi" typeface="Nyala"/>
-        <a:font script="Beng" typeface="Vrinda"/>
-        <a:font script="Gujr" typeface="Shruti"/>
-        <a:font script="Khmr" typeface="DaunPenh"/>
-        <a:font script="Knda" typeface="Tunga"/>
-        <a:font script="Guru" typeface="Raavi"/>
-        <a:font script="Cans" typeface="Euphemia"/>
-        <a:font script="Cher" typeface="Plantagenet Cherokee"/>
-        <a:font script="Yiii" typeface="Microsoft Yi Baiti"/>
-        <a:font script="Tibt" typeface="Microsoft Himalaya"/>
-        <a:font script="Thaa" typeface="MV Boli"/>
-        <a:font script="Deva" typeface="Mangal"/>
-        <a:font script="Telu" typeface="Gautami"/>
-        <a:font script="Taml" typeface="Latha"/>
-        <a:font script="Syrc" typeface="Estrangelo Edessa"/>
-        <a:font script="Orya" typeface="Kalinga"/>
-        <a:font script="Mlym" typeface="Kartika"/>
-        <a:font script="Laoo" typeface="DokChampa"/>
-        <a:font script="Sinh" typeface="Iskoola Pota"/>
-        <a:font script="Mong" typeface="Mongolian Baiti"/>
-        <a:font script="Viet" typeface="Arial"/>
-        <a:font script="Uigh" typeface="Microsoft Uighur"/>
-        <a:font script="Geor" typeface="Sylfaen"/>
-      </a:minorFont>
-    </a:fontScheme>
-    <a:fmtScheme name="Office">
-      <a:fillStyleLst>
-        <a:solidFill>
-          <a:schemeClr val="phClr"/>
-        </a:solidFill>
-        <a:gradFill rotWithShape="1">
-          <a:gsLst>
-            <a:gs pos="0">
-              <a:schemeClr val="phClr">
-                <a:tint val="50000"/>
-                <a:satMod val="300000"/>
-              </a:schemeClr>
-            </a:gs>
-            <a:gs pos="35000">
-              <a:schemeClr val="phClr">
-                <a:tint val="37000"/>
-                <a:satMod val="300000"/>
-              </a:schemeClr>
-            </a:gs>
-            <a:gs pos="100000">
-              <a:schemeClr val="phClr">
-                <a:tint val="15000"/>
-                <a:satMod val="350000"/>
-              </a:schemeClr>
-            </a:gs>
-          </a:gsLst>
-          <a:lin ang="16200000" scaled="1"/>
-        </a:gradFill>
-        <a:gradFill rotWithShape="1">
-          <a:gsLst>
-            <a:gs pos="0">
-              <a:schemeClr val="phClr">
-                <a:tint val="100000"/>
-                <a:shade val="100000"/>
-                <a:satMod val="130000"/>
-              </a:schemeClr>
-            </a:gs>
-            <a:gs pos="100000">
-              <a:schemeClr val="phClr">
-                <a:tint val="50000"/>
-                <a:shade val="100000"/>
-                <a:satMod val="350000"/>
-              </a:schemeClr>
-            </a:gs>
-          </a:gsLst>
-          <a:lin ang="16200000" scaled="0"/>
-        </a:gradFill>
-      </a:fillStyleLst>
-      <a:lnStyleLst>
-        <a:ln w="9525" cap="flat" cmpd="sng" algn="ctr">
-          <a:solidFill>
-            <a:schemeClr val="phClr">
-              <a:shade val="95000"/>
-              <a:satMod val="105000"/>
-            </a:schemeClr>
-          </a:solidFill>
-          <a:prstDash val="solid"/>
-        </a:ln>
-        <a:ln w="25400" cap="flat" cmpd="sng" algn="ctr">
-          <a:solidFill>
-            <a:schemeClr val="phClr"/>
-          </a:solidFill>
-          <a:prstDash val="solid"/>
-        </a:ln>
-        <a:ln w="38100" cap="flat" cmpd="sng" algn="ctr">
-          <a:solidFill>
-            <a:schemeClr val="phClr"/>
-          </a:solidFill>
-          <a:prstDash val="solid"/>
-        </a:ln>
-      </a:lnStyleLst>
-      <a:effectStyleLst>
-        <a:effectStyle>
-          <a:effectLst>
-            <a:outerShdw blurRad="40000" dist="20000" dir="5400000" rotWithShape="0">
-              <a:srgbClr val="000000">
-                <a:alpha val="38000"/>
-              </a:srgbClr>
-            </a:outerShdw>
-          </a:effectLst>
-        </a:effectStyle>
-        <a:effectStyle>
-          <a:effectLst>
-            <a:outerShdw blurRad="40000" dist="23000" dir="5400000" rotWithShape="0">
-              <a:srgbClr val="000000">
-                <a:alpha val="35000"/>
-              </a:srgbClr>
-            </a:outerShdw>
-          </a:effectLst>
-        </a:effectStyle>
-        <a:effectStyle>
-          <a:effectLst>
-            <a:outerShdw blurRad="40000" dist="23000" dir="5400000" rotWithShape="0">
-              <a:srgbClr val="000000">
-                <a:alpha val="35000"/>
-              </a:srgbClr>
-            </a:outerShdw>
-          </a:effectLst>
-          <a:scene3d>
-            <a:camera prst="orthographicFront">
-              <a:rot lat="0" lon="0" rev="0"/>
-            </a:camera>
-            <a:lightRig rig="threePt" dir="t">
-              <a:rot lat="0" lon="0" rev="1200000"/>
-            </a:lightRig>
-          </a:scene3d>
-          <a:sp3d>
-            <a:bevelT w="63500" h="25400"/>
-          </a:sp3d>
-        </a:effectStyle>
-      </a:effectStyleLst>
-      <a:bgFillStyleLst>
-        <a:solidFill>
-          <a:schemeClr val="phClr"/>
-        </a:solidFill>
-        <a:gradFill rotWithShape="1">
-          <a:gsLst>
-            <a:gs pos="0">
-              <a:schemeClr val="phClr">
-                <a:tint val="40000"/>
-                <a:satMod val="350000"/>
-              </a:schemeClr>
-            </a:gs>
-            <a:gs pos="40000">
-              <a:schemeClr val="phClr">
-                <a:tint val="45000"/>
-                <a:shade val="99000"/>
-                <a:satMod val="350000"/>
-              </a:schemeClr>
-            </a:gs>
-            <a:gs pos="100000">
-              <a:schemeClr val="phClr">
-                <a:shade val="20000"/>
-                <a:satMod val="255000"/>
-              </a:schemeClr>
-            </a:gs>
-          </a:gsLst>
-          <a:path path="circle">
-            <a:fillToRect l="50000" t="-80000" r="50000" b="180000"/>
-          </a:path>
-        </a:gradFill>
-        <a:gradFill rotWithShape="1">
-          <a:gsLst>
-            <a:gs pos="0">
-              <a:schemeClr val="phClr">
-                <a:tint val="80000"/>
-                <a:satMod val="300000"/>
-              </a:schemeClr>
-            </a:gs>
-            <a:gs pos="100000">
-              <a:schemeClr val="phClr">
-                <a:shade val="30000"/>
-                <a:satMod val="200000"/>
-              </a:schemeClr>
-            </a:gs>
-          </a:gsLst>
-          <a:path path="circle">
-            <a:fillToRect l="50000" t="50000" r="50000" b="50000"/>
-          </a:path>
-        </a:gradFill>
-      </a:bgFillStyleLst>
-    </a:fmtScheme>
-  </a:themeElements>
-</a:theme>
 </file>
--- a/CS347 Final Project.pptx
+++ b/CS347 Final Project.pptx
@@ -24,23 +24,24 @@
     <p:sldId id="269" r:id="rId19"/>
     <p:sldId id="270" r:id="rId20"/>
     <p:sldId id="271" r:id="rId21"/>
+    <p:sldId id="272" r:id="rId22"/>
   </p:sldIdLst>
   <p:sldSz cy="5143500" cx="9144000"/>
   <p:notesSz cx="6858000" cy="9144000"/>
   <p:embeddedFontLst>
     <p:embeddedFont>
       <p:font typeface="Playfair Display"/>
-      <p:regular r:id="rId22"/>
-      <p:bold r:id="rId23"/>
-      <p:italic r:id="rId24"/>
-      <p:boldItalic r:id="rId25"/>
+      <p:regular r:id="rId23"/>
+      <p:bold r:id="rId24"/>
+      <p:italic r:id="rId25"/>
+      <p:boldItalic r:id="rId26"/>
     </p:embeddedFont>
     <p:embeddedFont>
       <p:font typeface="Lato"/>
-      <p:regular r:id="rId26"/>
-      <p:bold r:id="rId27"/>
-      <p:italic r:id="rId28"/>
-      <p:boldItalic r:id="rId29"/>
+      <p:regular r:id="rId27"/>
+      <p:bold r:id="rId28"/>
+      <p:italic r:id="rId29"/>
+      <p:boldItalic r:id="rId30"/>
     </p:embeddedFont>
   </p:embeddedFontLst>
   <p:defaultTextStyle>
@@ -936,7 +937,7 @@
   <p:cSld>
     <p:spTree>
       <p:nvGrpSpPr>
-        <p:cNvPr id="124" name="Shape 124"/>
+        <p:cNvPr id="126" name="Shape 126"/>
         <p:cNvGrpSpPr/>
         <p:nvPr/>
       </p:nvGrpSpPr>
@@ -950,7 +951,7 @@
       </p:grpSpPr>
       <p:sp>
         <p:nvSpPr>
-          <p:cNvPr id="125" name="Shape 125"/>
+          <p:cNvPr id="127" name="Shape 127"/>
           <p:cNvSpPr/>
           <p:nvPr>
             <p:ph idx="2" type="sldImg"/>
@@ -994,7 +995,7 @@
       </p:sp>
       <p:sp>
         <p:nvSpPr>
-          <p:cNvPr id="126" name="Shape 126"/>
+          <p:cNvPr id="128" name="Shape 128"/>
           <p:cNvSpPr txBox="1"/>
           <p:nvPr>
             <p:ph idx="1" type="body"/>
@@ -1041,7 +1042,7 @@
   <p:cSld>
     <p:spTree>
       <p:nvGrpSpPr>
-        <p:cNvPr id="131" name="Shape 131"/>
+        <p:cNvPr id="133" name="Shape 133"/>
         <p:cNvGrpSpPr/>
         <p:nvPr/>
       </p:nvGrpSpPr>
@@ -1055,7 +1056,7 @@
       </p:grpSpPr>
       <p:sp>
         <p:nvSpPr>
-          <p:cNvPr id="132" name="Shape 132"/>
+          <p:cNvPr id="134" name="Shape 134"/>
           <p:cNvSpPr/>
           <p:nvPr>
             <p:ph idx="2" type="sldImg"/>
@@ -1099,7 +1100,7 @@
       </p:sp>
       <p:sp>
         <p:nvSpPr>
-          <p:cNvPr id="133" name="Shape 133"/>
+          <p:cNvPr id="135" name="Shape 135"/>
           <p:cNvSpPr txBox="1"/>
           <p:nvPr>
             <p:ph idx="1" type="body"/>
@@ -1146,7 +1147,7 @@
   <p:cSld>
     <p:spTree>
       <p:nvGrpSpPr>
-        <p:cNvPr id="136" name="Shape 136"/>
+        <p:cNvPr id="140" name="Shape 140"/>
         <p:cNvGrpSpPr/>
         <p:nvPr/>
       </p:nvGrpSpPr>
@@ -1160,7 +1161,7 @@
       </p:grpSpPr>
       <p:sp>
         <p:nvSpPr>
-          <p:cNvPr id="137" name="Shape 137"/>
+          <p:cNvPr id="141" name="Shape 141"/>
           <p:cNvSpPr/>
           <p:nvPr>
             <p:ph idx="2" type="sldImg"/>
@@ -1204,7 +1205,112 @@
       </p:sp>
       <p:sp>
         <p:nvSpPr>
-          <p:cNvPr id="138" name="Shape 138"/>
+          <p:cNvPr id="142" name="Shape 142"/>
+          <p:cNvSpPr txBox="1"/>
+          <p:nvPr>
+            <p:ph idx="1" type="body"/>
+          </p:nvPr>
+        </p:nvSpPr>
+        <p:spPr>
+          <a:xfrm>
+            <a:off x="685800" y="4343400"/>
+            <a:ext cx="5486399" cy="4114800"/>
+          </a:xfrm>
+          <a:prstGeom prst="rect">
+            <a:avLst/>
+          </a:prstGeom>
+        </p:spPr>
+        <p:txBody>
+          <a:bodyPr anchorCtr="0" anchor="t" bIns="91425" lIns="91425" rIns="91425" tIns="91425">
+            <a:noAutofit/>
+          </a:bodyPr>
+          <a:lstStyle/>
+          <a:p>
+            <a:pPr>
+              <a:spcBef>
+                <a:spcPts val="0"/>
+              </a:spcBef>
+              <a:buNone/>
+            </a:pPr>
+            <a:r>
+              <a:t/>
+            </a:r>
+            <a:endParaRPr/>
+          </a:p>
+        </p:txBody>
+      </p:sp>
+    </p:spTree>
+  </p:cSld>
+  <p:clrMapOvr>
+    <a:masterClrMapping/>
+  </p:clrMapOvr>
+</p:notes>
+</file>
+
+<file path=ppt/notesSlides/notesSlide17.xml><?xml version="1.0" encoding="utf-8"?>
+<p:notes xmlns:a="http://schemas.openxmlformats.org/drawingml/2006/main" xmlns:r="http://schemas.openxmlformats.org/officeDocument/2006/relationships" xmlns:mc="http://schemas.openxmlformats.org/markup-compatibility/2006" xmlns:mv="urn:schemas-microsoft-com:mac:vml" xmlns:p="http://schemas.openxmlformats.org/presentationml/2006/main" xmlns:c="http://schemas.openxmlformats.org/drawingml/2006/chart" xmlns:dgm="http://schemas.openxmlformats.org/drawingml/2006/diagram" xmlns:o="urn:schemas-microsoft-com:office:office" xmlns:v="urn:schemas-microsoft-com:vml" xmlns:pvml="urn:schemas-microsoft-com:office:powerpoint" xmlns:com="http://schemas.openxmlformats.org/drawingml/2006/compatibility" xmlns:p14="http://schemas.microsoft.com/office/powerpoint/2010/main" showMasterPhAnim="0" showMasterSp="0">
+  <p:cSld>
+    <p:spTree>
+      <p:nvGrpSpPr>
+        <p:cNvPr id="145" name="Shape 145"/>
+        <p:cNvGrpSpPr/>
+        <p:nvPr/>
+      </p:nvGrpSpPr>
+      <p:grpSpPr>
+        <a:xfrm>
+          <a:off x="0" y="0"/>
+          <a:ext cx="0" cy="0"/>
+          <a:chOff x="0" y="0"/>
+          <a:chExt cx="0" cy="0"/>
+        </a:xfrm>
+      </p:grpSpPr>
+      <p:sp>
+        <p:nvSpPr>
+          <p:cNvPr id="146" name="Shape 146"/>
+          <p:cNvSpPr/>
+          <p:nvPr>
+            <p:ph idx="2" type="sldImg"/>
+          </p:nvPr>
+        </p:nvSpPr>
+        <p:spPr>
+          <a:xfrm>
+            <a:off x="381300" y="685800"/>
+            <a:ext cx="6096000" cy="3429000"/>
+          </a:xfrm>
+          <a:custGeom>
+            <a:pathLst>
+              <a:path extrusionOk="0" h="120000" w="120000">
+                <a:moveTo>
+                  <a:pt x="0" y="0"/>
+                </a:moveTo>
+                <a:lnTo>
+                  <a:pt x="120000" y="0"/>
+                </a:lnTo>
+                <a:lnTo>
+                  <a:pt x="120000" y="120000"/>
+                </a:lnTo>
+                <a:lnTo>
+                  <a:pt x="0" y="120000"/>
+                </a:lnTo>
+                <a:close/>
+              </a:path>
+            </a:pathLst>
+          </a:custGeom>
+          <a:noFill/>
+          <a:ln cap="flat" cmpd="sng" w="9525">
+            <a:solidFill>
+              <a:srgbClr val="000000"/>
+            </a:solidFill>
+            <a:prstDash val="solid"/>
+            <a:round/>
+            <a:headEnd len="med" w="med" type="none"/>
+            <a:tailEnd len="med" w="med" type="none"/>
+          </a:ln>
+        </p:spPr>
+      </p:sp>
+      <p:sp>
+        <p:nvSpPr>
+          <p:cNvPr id="147" name="Shape 147"/>
           <p:cNvSpPr txBox="1"/>
           <p:nvPr>
             <p:ph idx="1" type="body"/>
@@ -6593,8 +6699,8 @@
         </p:blipFill>
         <p:spPr>
           <a:xfrm>
-            <a:off x="0" y="560916"/>
-            <a:ext cx="9144000" cy="4021666"/>
+            <a:off x="837375" y="205600"/>
+            <a:ext cx="2257975" cy="4732298"/>
           </a:xfrm>
           <a:prstGeom prst="rect">
             <a:avLst/>
@@ -6605,6 +6711,94 @@
           </a:ln>
         </p:spPr>
       </p:pic>
+      <p:pic>
+        <p:nvPicPr>
+          <p:cNvPr id="124" name="Shape 124"/>
+          <p:cNvPicPr preferRelativeResize="0"/>
+          <p:nvPr/>
+        </p:nvPicPr>
+        <p:blipFill>
+          <a:blip r:embed="rId4">
+            <a:alphaModFix/>
+          </a:blip>
+          <a:stretch>
+            <a:fillRect/>
+          </a:stretch>
+        </p:blipFill>
+        <p:spPr>
+          <a:xfrm>
+            <a:off x="1011125" y="870387"/>
+            <a:ext cx="1910474" cy="3402724"/>
+          </a:xfrm>
+          <a:prstGeom prst="rect">
+            <a:avLst/>
+          </a:prstGeom>
+          <a:noFill/>
+          <a:ln>
+            <a:noFill/>
+          </a:ln>
+        </p:spPr>
+      </p:pic>
+      <p:sp>
+        <p:nvSpPr>
+          <p:cNvPr id="125" name="Shape 125"/>
+          <p:cNvSpPr txBox="1"/>
+          <p:nvPr>
+            <p:ph type="title"/>
+          </p:nvPr>
+        </p:nvSpPr>
+        <p:spPr>
+          <a:xfrm>
+            <a:off x="3999475" y="870400"/>
+            <a:ext cx="4152599" cy="2216700"/>
+          </a:xfrm>
+          <a:prstGeom prst="rect">
+            <a:avLst/>
+          </a:prstGeom>
+        </p:spPr>
+        <p:txBody>
+          <a:bodyPr anchorCtr="0" anchor="t" bIns="91425" lIns="91425" rIns="91425" tIns="91425">
+            <a:noAutofit/>
+          </a:bodyPr>
+          <a:lstStyle/>
+          <a:p>
+            <a:pPr rtl="0">
+              <a:spcBef>
+                <a:spcPts val="0"/>
+              </a:spcBef>
+              <a:buNone/>
+            </a:pPr>
+            <a:r>
+              <a:rPr lang="en"/>
+              <a:t>Drink Recipes </a:t>
+            </a:r>
+          </a:p>
+          <a:p>
+            <a:pPr rtl="0">
+              <a:spcBef>
+                <a:spcPts val="0"/>
+              </a:spcBef>
+              <a:buNone/>
+            </a:pPr>
+            <a:r>
+              <a:t/>
+            </a:r>
+            <a:endParaRPr/>
+          </a:p>
+          <a:p>
+            <a:pPr>
+              <a:spcBef>
+                <a:spcPts val="0"/>
+              </a:spcBef>
+              <a:buNone/>
+            </a:pPr>
+            <a:r>
+              <a:rPr lang="en" sz="2400"/>
+              <a:t>Returns ingredients and directions</a:t>
+            </a:r>
+          </a:p>
+        </p:txBody>
+      </p:sp>
     </p:spTree>
   </p:cSld>
   <p:clrMapOvr>
@@ -6621,7 +6815,7 @@
   <p:cSld>
     <p:spTree>
       <p:nvGrpSpPr>
-        <p:cNvPr id="127" name="Shape 127"/>
+        <p:cNvPr id="129" name="Shape 129"/>
         <p:cNvGrpSpPr/>
         <p:nvPr/>
       </p:nvGrpSpPr>
@@ -6635,7 +6829,7 @@
       </p:grpSpPr>
       <p:sp>
         <p:nvSpPr>
-          <p:cNvPr id="128" name="Shape 128"/>
+          <p:cNvPr id="130" name="Shape 130"/>
           <p:cNvSpPr txBox="1"/>
           <p:nvPr>
             <p:ph type="title"/>
@@ -6643,8 +6837,8 @@
         </p:nvSpPr>
         <p:spPr>
           <a:xfrm>
-            <a:off x="311700" y="391350"/>
-            <a:ext cx="8520599" cy="626100"/>
+            <a:off x="724150" y="1275300"/>
+            <a:ext cx="4528500" cy="2592900"/>
           </a:xfrm>
           <a:prstGeom prst="rect">
             <a:avLst/>
@@ -6656,7 +6850,19 @@
           </a:bodyPr>
           <a:lstStyle/>
           <a:p>
-            <a:pPr>
+            <a:pPr rtl="0" algn="r">
+              <a:spcBef>
+                <a:spcPts val="0"/>
+              </a:spcBef>
+              <a:buNone/>
+            </a:pPr>
+            <a:r>
+              <a:rPr lang="en"/>
+              <a:t>Drink Menu</a:t>
+            </a:r>
+          </a:p>
+          <a:p>
+            <a:pPr rtl="0" algn="r">
               <a:spcBef>
                 <a:spcPts val="0"/>
               </a:spcBef>
@@ -6667,47 +6873,23 @@
             </a:r>
             <a:endParaRPr/>
           </a:p>
-        </p:txBody>
-      </p:sp>
-      <p:sp>
-        <p:nvSpPr>
-          <p:cNvPr id="129" name="Shape 129"/>
-          <p:cNvSpPr txBox="1"/>
-          <p:nvPr>
-            <p:ph idx="1" type="body"/>
-          </p:nvPr>
-        </p:nvSpPr>
-        <p:spPr>
-          <a:xfrm>
-            <a:off x="311700" y="1152475"/>
-            <a:ext cx="8520599" cy="3416400"/>
-          </a:xfrm>
-          <a:prstGeom prst="rect">
-            <a:avLst/>
-          </a:prstGeom>
-        </p:spPr>
-        <p:txBody>
-          <a:bodyPr anchorCtr="0" anchor="t" bIns="91425" lIns="91425" rIns="91425" tIns="91425">
-            <a:noAutofit/>
-          </a:bodyPr>
-          <a:lstStyle/>
           <a:p>
-            <a:pPr>
+            <a:pPr algn="r">
               <a:spcBef>
                 <a:spcPts val="0"/>
               </a:spcBef>
               <a:buNone/>
             </a:pPr>
             <a:r>
-              <a:t/>
+              <a:rPr lang="en" sz="2400"/>
+              <a:t>Lists price, description, and corresponding season</a:t>
             </a:r>
-            <a:endParaRPr/>
           </a:p>
         </p:txBody>
       </p:sp>
       <p:pic>
         <p:nvPicPr>
-          <p:cNvPr id="130" name="Shape 130"/>
+          <p:cNvPr id="131" name="Shape 131"/>
           <p:cNvPicPr preferRelativeResize="0"/>
           <p:nvPr/>
         </p:nvPicPr>
@@ -6721,8 +6903,36 @@
         </p:blipFill>
         <p:spPr>
           <a:xfrm>
-            <a:off x="0" y="205725"/>
-            <a:ext cx="9144000" cy="4732049"/>
+            <a:off x="6100050" y="350524"/>
+            <a:ext cx="2015499" cy="4224101"/>
+          </a:xfrm>
+          <a:prstGeom prst="rect">
+            <a:avLst/>
+          </a:prstGeom>
+          <a:noFill/>
+          <a:ln>
+            <a:noFill/>
+          </a:ln>
+        </p:spPr>
+      </p:pic>
+      <p:pic>
+        <p:nvPicPr>
+          <p:cNvPr id="132" name="Shape 132"/>
+          <p:cNvPicPr preferRelativeResize="0"/>
+          <p:nvPr/>
+        </p:nvPicPr>
+        <p:blipFill>
+          <a:blip r:embed="rId4">
+            <a:alphaModFix/>
+          </a:blip>
+          <a:stretch>
+            <a:fillRect/>
+          </a:stretch>
+        </p:blipFill>
+        <p:spPr>
+          <a:xfrm>
+            <a:off x="6266022" y="950500"/>
+            <a:ext cx="1697300" cy="3023025"/>
           </a:xfrm>
           <a:prstGeom prst="rect">
             <a:avLst/>
@@ -6749,7 +6959,7 @@
   <p:cSld>
     <p:spTree>
       <p:nvGrpSpPr>
-        <p:cNvPr id="134" name="Shape 134"/>
+        <p:cNvPr id="136" name="Shape 136"/>
         <p:cNvGrpSpPr/>
         <p:nvPr/>
       </p:nvGrpSpPr>
@@ -6763,7 +6973,151 @@
       </p:grpSpPr>
       <p:sp>
         <p:nvSpPr>
-          <p:cNvPr id="135" name="Shape 135"/>
+          <p:cNvPr id="137" name="Shape 137"/>
+          <p:cNvSpPr txBox="1"/>
+          <p:nvPr>
+            <p:ph type="title"/>
+          </p:nvPr>
+        </p:nvSpPr>
+        <p:spPr>
+          <a:xfrm>
+            <a:off x="4157175" y="1093350"/>
+            <a:ext cx="4734899" cy="2956799"/>
+          </a:xfrm>
+          <a:prstGeom prst="rect">
+            <a:avLst/>
+          </a:prstGeom>
+        </p:spPr>
+        <p:txBody>
+          <a:bodyPr anchorCtr="0" anchor="t" bIns="91425" lIns="91425" rIns="91425" tIns="91425">
+            <a:noAutofit/>
+          </a:bodyPr>
+          <a:lstStyle/>
+          <a:p>
+            <a:pPr rtl="0">
+              <a:spcBef>
+                <a:spcPts val="0"/>
+              </a:spcBef>
+              <a:buNone/>
+            </a:pPr>
+            <a:r>
+              <a:rPr lang="en"/>
+              <a:t>Seasons</a:t>
+            </a:r>
+          </a:p>
+          <a:p>
+            <a:pPr rtl="0">
+              <a:spcBef>
+                <a:spcPts val="0"/>
+              </a:spcBef>
+              <a:buNone/>
+            </a:pPr>
+            <a:r>
+              <a:t/>
+            </a:r>
+            <a:endParaRPr/>
+          </a:p>
+          <a:p>
+            <a:pPr>
+              <a:spcBef>
+                <a:spcPts val="0"/>
+              </a:spcBef>
+              <a:buNone/>
+            </a:pPr>
+            <a:r>
+              <a:rPr lang="en" sz="2400"/>
+              <a:t>Table information defining our different seasons</a:t>
+            </a:r>
+          </a:p>
+        </p:txBody>
+      </p:sp>
+      <p:pic>
+        <p:nvPicPr>
+          <p:cNvPr id="138" name="Shape 138"/>
+          <p:cNvPicPr preferRelativeResize="0"/>
+          <p:nvPr/>
+        </p:nvPicPr>
+        <p:blipFill>
+          <a:blip r:embed="rId3">
+            <a:alphaModFix/>
+          </a:blip>
+          <a:stretch>
+            <a:fillRect/>
+          </a:stretch>
+        </p:blipFill>
+        <p:spPr>
+          <a:xfrm>
+            <a:off x="1169450" y="431174"/>
+            <a:ext cx="2015499" cy="4224101"/>
+          </a:xfrm>
+          <a:prstGeom prst="rect">
+            <a:avLst/>
+          </a:prstGeom>
+          <a:noFill/>
+          <a:ln>
+            <a:noFill/>
+          </a:ln>
+        </p:spPr>
+      </p:pic>
+      <p:pic>
+        <p:nvPicPr>
+          <p:cNvPr id="139" name="Shape 139"/>
+          <p:cNvPicPr preferRelativeResize="0"/>
+          <p:nvPr/>
+        </p:nvPicPr>
+        <p:blipFill>
+          <a:blip r:embed="rId4">
+            <a:alphaModFix/>
+          </a:blip>
+          <a:stretch>
+            <a:fillRect/>
+          </a:stretch>
+        </p:blipFill>
+        <p:spPr>
+          <a:xfrm>
+            <a:off x="1305762" y="991125"/>
+            <a:ext cx="1742875" cy="3104200"/>
+          </a:xfrm>
+          <a:prstGeom prst="rect">
+            <a:avLst/>
+          </a:prstGeom>
+          <a:noFill/>
+          <a:ln>
+            <a:noFill/>
+          </a:ln>
+        </p:spPr>
+      </p:pic>
+    </p:spTree>
+  </p:cSld>
+  <p:clrMapOvr>
+    <a:masterClrMapping/>
+  </p:clrMapOvr>
+  <p:transition spd="slow">
+    <p:cut/>
+  </p:transition>
+</p:sld>
+</file>
+
+<file path=ppt/slides/slide17.xml><?xml version="1.0" encoding="utf-8"?>
+<p:sld xmlns:a="http://schemas.openxmlformats.org/drawingml/2006/main" xmlns:r="http://schemas.openxmlformats.org/officeDocument/2006/relationships" xmlns:mc="http://schemas.openxmlformats.org/markup-compatibility/2006" xmlns:mv="urn:schemas-microsoft-com:mac:vml" xmlns:p="http://schemas.openxmlformats.org/presentationml/2006/main" xmlns:c="http://schemas.openxmlformats.org/drawingml/2006/chart" xmlns:dgm="http://schemas.openxmlformats.org/drawingml/2006/diagram" xmlns:o="urn:schemas-microsoft-com:office:office" xmlns:v="urn:schemas-microsoft-com:vml" xmlns:pvml="urn:schemas-microsoft-com:office:powerpoint" xmlns:com="http://schemas.openxmlformats.org/drawingml/2006/compatibility" xmlns:p14="http://schemas.microsoft.com/office/powerpoint/2010/main">
+  <p:cSld>
+    <p:spTree>
+      <p:nvGrpSpPr>
+        <p:cNvPr id="143" name="Shape 143"/>
+        <p:cNvGrpSpPr/>
+        <p:nvPr/>
+      </p:nvGrpSpPr>
+      <p:grpSpPr>
+        <a:xfrm>
+          <a:off x="0" y="0"/>
+          <a:ext cx="0" cy="0"/>
+          <a:chOff x="0" y="0"/>
+          <a:chExt cx="0" cy="0"/>
+        </a:xfrm>
+      </p:grpSpPr>
+      <p:sp>
+        <p:nvSpPr>
+          <p:cNvPr id="144" name="Shape 144"/>
           <p:cNvSpPr txBox="1"/>
           <p:nvPr>
             <p:ph type="title"/>

--- a/CS347 Final Project.pptx
+++ b/CS347 Final Project.pptx
@@ -25,23 +25,28 @@
     <p:sldId id="270" r:id="rId20"/>
     <p:sldId id="271" r:id="rId21"/>
     <p:sldId id="272" r:id="rId22"/>
+    <p:sldId id="273" r:id="rId23"/>
+    <p:sldId id="274" r:id="rId24"/>
+    <p:sldId id="275" r:id="rId25"/>
+    <p:sldId id="276" r:id="rId26"/>
+    <p:sldId id="277" r:id="rId27"/>
   </p:sldIdLst>
   <p:sldSz cy="5143500" cx="9144000"/>
   <p:notesSz cx="6858000" cy="9144000"/>
   <p:embeddedFontLst>
     <p:embeddedFont>
       <p:font typeface="Playfair Display"/>
-      <p:regular r:id="rId23"/>
-      <p:bold r:id="rId24"/>
-      <p:italic r:id="rId25"/>
-      <p:boldItalic r:id="rId26"/>
+      <p:regular r:id="rId28"/>
+      <p:bold r:id="rId29"/>
+      <p:italic r:id="rId30"/>
+      <p:boldItalic r:id="rId31"/>
     </p:embeddedFont>
     <p:embeddedFont>
       <p:font typeface="Lato"/>
-      <p:regular r:id="rId27"/>
-      <p:bold r:id="rId28"/>
-      <p:italic r:id="rId29"/>
-      <p:boldItalic r:id="rId30"/>
+      <p:regular r:id="rId32"/>
+      <p:bold r:id="rId33"/>
+      <p:italic r:id="rId34"/>
+      <p:boldItalic r:id="rId35"/>
     </p:embeddedFont>
   </p:embeddedFontLst>
   <p:defaultTextStyle>
@@ -517,7 +522,7 @@
   <p:cSld>
     <p:spTree>
       <p:nvGrpSpPr>
-        <p:cNvPr id="102" name="Shape 102"/>
+        <p:cNvPr id="119" name="Shape 119"/>
         <p:cNvGrpSpPr/>
         <p:nvPr/>
       </p:nvGrpSpPr>
@@ -531,7 +536,7 @@
       </p:grpSpPr>
       <p:sp>
         <p:nvSpPr>
-          <p:cNvPr id="103" name="Shape 103"/>
+          <p:cNvPr id="120" name="Shape 120"/>
           <p:cNvSpPr/>
           <p:nvPr>
             <p:ph idx="2" type="sldImg"/>
@@ -575,7 +580,7 @@
       </p:sp>
       <p:sp>
         <p:nvSpPr>
-          <p:cNvPr id="104" name="Shape 104"/>
+          <p:cNvPr id="121" name="Shape 121"/>
           <p:cNvSpPr txBox="1"/>
           <p:nvPr>
             <p:ph idx="1" type="body"/>
@@ -622,7 +627,7 @@
   <p:cSld>
     <p:spTree>
       <p:nvGrpSpPr>
-        <p:cNvPr id="107" name="Shape 107"/>
+        <p:cNvPr id="124" name="Shape 124"/>
         <p:cNvGrpSpPr/>
         <p:nvPr/>
       </p:nvGrpSpPr>
@@ -636,7 +641,7 @@
       </p:grpSpPr>
       <p:sp>
         <p:nvSpPr>
-          <p:cNvPr id="108" name="Shape 108"/>
+          <p:cNvPr id="125" name="Shape 125"/>
           <p:cNvSpPr/>
           <p:nvPr>
             <p:ph idx="2" type="sldImg"/>
@@ -680,7 +685,7 @@
       </p:sp>
       <p:sp>
         <p:nvSpPr>
-          <p:cNvPr id="109" name="Shape 109"/>
+          <p:cNvPr id="126" name="Shape 126"/>
           <p:cNvSpPr txBox="1"/>
           <p:nvPr>
             <p:ph idx="1" type="body"/>
@@ -727,7 +732,7 @@
   <p:cSld>
     <p:spTree>
       <p:nvGrpSpPr>
-        <p:cNvPr id="113" name="Shape 113"/>
+        <p:cNvPr id="129" name="Shape 129"/>
         <p:cNvGrpSpPr/>
         <p:nvPr/>
       </p:nvGrpSpPr>
@@ -741,7 +746,7 @@
       </p:grpSpPr>
       <p:sp>
         <p:nvSpPr>
-          <p:cNvPr id="114" name="Shape 114"/>
+          <p:cNvPr id="130" name="Shape 130"/>
           <p:cNvSpPr/>
           <p:nvPr>
             <p:ph idx="2" type="sldImg"/>
@@ -785,7 +790,7 @@
       </p:sp>
       <p:sp>
         <p:nvSpPr>
-          <p:cNvPr id="115" name="Shape 115"/>
+          <p:cNvPr id="131" name="Shape 131"/>
           <p:cNvSpPr txBox="1"/>
           <p:nvPr>
             <p:ph idx="1" type="body"/>
@@ -832,7 +837,7 @@
   <p:cSld>
     <p:spTree>
       <p:nvGrpSpPr>
-        <p:cNvPr id="119" name="Shape 119"/>
+        <p:cNvPr id="134" name="Shape 134"/>
         <p:cNvGrpSpPr/>
         <p:nvPr/>
       </p:nvGrpSpPr>
@@ -846,7 +851,7 @@
       </p:grpSpPr>
       <p:sp>
         <p:nvSpPr>
-          <p:cNvPr id="120" name="Shape 120"/>
+          <p:cNvPr id="135" name="Shape 135"/>
           <p:cNvSpPr/>
           <p:nvPr>
             <p:ph idx="2" type="sldImg"/>
@@ -890,7 +895,7 @@
       </p:sp>
       <p:sp>
         <p:nvSpPr>
-          <p:cNvPr id="121" name="Shape 121"/>
+          <p:cNvPr id="136" name="Shape 136"/>
           <p:cNvSpPr txBox="1"/>
           <p:nvPr>
             <p:ph idx="1" type="body"/>
@@ -937,7 +942,7 @@
   <p:cSld>
     <p:spTree>
       <p:nvGrpSpPr>
-        <p:cNvPr id="126" name="Shape 126"/>
+        <p:cNvPr id="140" name="Shape 140"/>
         <p:cNvGrpSpPr/>
         <p:nvPr/>
       </p:nvGrpSpPr>
@@ -951,7 +956,7 @@
       </p:grpSpPr>
       <p:sp>
         <p:nvSpPr>
-          <p:cNvPr id="127" name="Shape 127"/>
+          <p:cNvPr id="141" name="Shape 141"/>
           <p:cNvSpPr/>
           <p:nvPr>
             <p:ph idx="2" type="sldImg"/>
@@ -995,7 +1000,7 @@
       </p:sp>
       <p:sp>
         <p:nvSpPr>
-          <p:cNvPr id="128" name="Shape 128"/>
+          <p:cNvPr id="142" name="Shape 142"/>
           <p:cNvSpPr txBox="1"/>
           <p:nvPr>
             <p:ph idx="1" type="body"/>
@@ -1016,7 +1021,7 @@
           </a:bodyPr>
           <a:lstStyle/>
           <a:p>
-            <a:pPr>
+            <a:pPr lvl="0" rtl="0">
               <a:spcBef>
                 <a:spcPts val="0"/>
               </a:spcBef>
@@ -1042,7 +1047,7 @@
   <p:cSld>
     <p:spTree>
       <p:nvGrpSpPr>
-        <p:cNvPr id="133" name="Shape 133"/>
+        <p:cNvPr id="146" name="Shape 146"/>
         <p:cNvGrpSpPr/>
         <p:nvPr/>
       </p:nvGrpSpPr>
@@ -1056,7 +1061,7 @@
       </p:grpSpPr>
       <p:sp>
         <p:nvSpPr>
-          <p:cNvPr id="134" name="Shape 134"/>
+          <p:cNvPr id="147" name="Shape 147"/>
           <p:cNvSpPr/>
           <p:nvPr>
             <p:ph idx="2" type="sldImg"/>
@@ -1100,7 +1105,7 @@
       </p:sp>
       <p:sp>
         <p:nvSpPr>
-          <p:cNvPr id="135" name="Shape 135"/>
+          <p:cNvPr id="148" name="Shape 148"/>
           <p:cNvSpPr txBox="1"/>
           <p:nvPr>
             <p:ph idx="1" type="body"/>
@@ -1121,7 +1126,7 @@
           </a:bodyPr>
           <a:lstStyle/>
           <a:p>
-            <a:pPr>
+            <a:pPr lvl="0" rtl="0">
               <a:spcBef>
                 <a:spcPts val="0"/>
               </a:spcBef>
@@ -1147,7 +1152,7 @@
   <p:cSld>
     <p:spTree>
       <p:nvGrpSpPr>
-        <p:cNvPr id="140" name="Shape 140"/>
+        <p:cNvPr id="153" name="Shape 153"/>
         <p:cNvGrpSpPr/>
         <p:nvPr/>
       </p:nvGrpSpPr>
@@ -1161,7 +1166,7 @@
       </p:grpSpPr>
       <p:sp>
         <p:nvSpPr>
-          <p:cNvPr id="141" name="Shape 141"/>
+          <p:cNvPr id="154" name="Shape 154"/>
           <p:cNvSpPr/>
           <p:nvPr>
             <p:ph idx="2" type="sldImg"/>
@@ -1205,7 +1210,7 @@
       </p:sp>
       <p:sp>
         <p:nvSpPr>
-          <p:cNvPr id="142" name="Shape 142"/>
+          <p:cNvPr id="155" name="Shape 155"/>
           <p:cNvSpPr txBox="1"/>
           <p:nvPr>
             <p:ph idx="1" type="body"/>
@@ -1252,7 +1257,7 @@
   <p:cSld>
     <p:spTree>
       <p:nvGrpSpPr>
-        <p:cNvPr id="145" name="Shape 145"/>
+        <p:cNvPr id="159" name="Shape 159"/>
         <p:cNvGrpSpPr/>
         <p:nvPr/>
       </p:nvGrpSpPr>
@@ -1266,7 +1271,7 @@
       </p:grpSpPr>
       <p:sp>
         <p:nvSpPr>
-          <p:cNvPr id="146" name="Shape 146"/>
+          <p:cNvPr id="160" name="Shape 160"/>
           <p:cNvSpPr/>
           <p:nvPr>
             <p:ph idx="2" type="sldImg"/>
@@ -1310,7 +1315,7 @@
       </p:sp>
       <p:sp>
         <p:nvSpPr>
-          <p:cNvPr id="147" name="Shape 147"/>
+          <p:cNvPr id="161" name="Shape 161"/>
           <p:cNvSpPr txBox="1"/>
           <p:nvPr>
             <p:ph idx="1" type="body"/>
@@ -1352,12 +1357,12 @@
 </p:notes>
 </file>
 
-<file path=ppt/notesSlides/notesSlide2.xml><?xml version="1.0" encoding="utf-8"?>
+<file path=ppt/notesSlides/notesSlide18.xml><?xml version="1.0" encoding="utf-8"?>
 <p:notes xmlns:a="http://schemas.openxmlformats.org/drawingml/2006/main" xmlns:r="http://schemas.openxmlformats.org/officeDocument/2006/relationships" xmlns:mc="http://schemas.openxmlformats.org/markup-compatibility/2006" xmlns:mv="urn:schemas-microsoft-com:mac:vml" xmlns:p="http://schemas.openxmlformats.org/presentationml/2006/main" xmlns:c="http://schemas.openxmlformats.org/drawingml/2006/chart" xmlns:dgm="http://schemas.openxmlformats.org/drawingml/2006/diagram" xmlns:o="urn:schemas-microsoft-com:office:office" xmlns:v="urn:schemas-microsoft-com:vml" xmlns:pvml="urn:schemas-microsoft-com:office:powerpoint" xmlns:com="http://schemas.openxmlformats.org/drawingml/2006/compatibility" xmlns:p14="http://schemas.microsoft.com/office/powerpoint/2010/main" showMasterPhAnim="0" showMasterSp="0">
   <p:cSld>
     <p:spTree>
       <p:nvGrpSpPr>
-        <p:cNvPr id="62" name="Shape 62"/>
+        <p:cNvPr id="167" name="Shape 167"/>
         <p:cNvGrpSpPr/>
         <p:nvPr/>
       </p:nvGrpSpPr>
@@ -1371,7 +1376,7 @@
       </p:grpSpPr>
       <p:sp>
         <p:nvSpPr>
-          <p:cNvPr id="63" name="Shape 63"/>
+          <p:cNvPr id="168" name="Shape 168"/>
           <p:cNvSpPr/>
           <p:nvPr>
             <p:ph idx="2" type="sldImg"/>
@@ -1415,7 +1420,7 @@
       </p:sp>
       <p:sp>
         <p:nvSpPr>
-          <p:cNvPr id="64" name="Shape 64"/>
+          <p:cNvPr id="169" name="Shape 169"/>
           <p:cNvSpPr txBox="1"/>
           <p:nvPr>
             <p:ph idx="1" type="body"/>
@@ -1457,12 +1462,12 @@
 </p:notes>
 </file>
 
-<file path=ppt/notesSlides/notesSlide3.xml><?xml version="1.0" encoding="utf-8"?>
+<file path=ppt/notesSlides/notesSlide19.xml><?xml version="1.0" encoding="utf-8"?>
 <p:notes xmlns:a="http://schemas.openxmlformats.org/drawingml/2006/main" xmlns:r="http://schemas.openxmlformats.org/officeDocument/2006/relationships" xmlns:mc="http://schemas.openxmlformats.org/markup-compatibility/2006" xmlns:mv="urn:schemas-microsoft-com:mac:vml" xmlns:p="http://schemas.openxmlformats.org/presentationml/2006/main" xmlns:c="http://schemas.openxmlformats.org/drawingml/2006/chart" xmlns:dgm="http://schemas.openxmlformats.org/drawingml/2006/diagram" xmlns:o="urn:schemas-microsoft-com:office:office" xmlns:v="urn:schemas-microsoft-com:vml" xmlns:pvml="urn:schemas-microsoft-com:office:powerpoint" xmlns:com="http://schemas.openxmlformats.org/drawingml/2006/compatibility" xmlns:p14="http://schemas.microsoft.com/office/powerpoint/2010/main" showMasterPhAnim="0" showMasterSp="0">
   <p:cSld>
     <p:spTree>
       <p:nvGrpSpPr>
-        <p:cNvPr id="67" name="Shape 67"/>
+        <p:cNvPr id="175" name="Shape 175"/>
         <p:cNvGrpSpPr/>
         <p:nvPr/>
       </p:nvGrpSpPr>
@@ -1476,7 +1481,7 @@
       </p:grpSpPr>
       <p:sp>
         <p:nvSpPr>
-          <p:cNvPr id="68" name="Shape 68"/>
+          <p:cNvPr id="176" name="Shape 176"/>
           <p:cNvSpPr/>
           <p:nvPr>
             <p:ph idx="2" type="sldImg"/>
@@ -1520,7 +1525,7 @@
       </p:sp>
       <p:sp>
         <p:nvSpPr>
-          <p:cNvPr id="69" name="Shape 69"/>
+          <p:cNvPr id="177" name="Shape 177"/>
           <p:cNvSpPr txBox="1"/>
           <p:nvPr>
             <p:ph idx="1" type="body"/>
@@ -1562,12 +1567,12 @@
 </p:notes>
 </file>
 
-<file path=ppt/notesSlides/notesSlide4.xml><?xml version="1.0" encoding="utf-8"?>
+<file path=ppt/notesSlides/notesSlide2.xml><?xml version="1.0" encoding="utf-8"?>
 <p:notes xmlns:a="http://schemas.openxmlformats.org/drawingml/2006/main" xmlns:r="http://schemas.openxmlformats.org/officeDocument/2006/relationships" xmlns:mc="http://schemas.openxmlformats.org/markup-compatibility/2006" xmlns:mv="urn:schemas-microsoft-com:mac:vml" xmlns:p="http://schemas.openxmlformats.org/presentationml/2006/main" xmlns:c="http://schemas.openxmlformats.org/drawingml/2006/chart" xmlns:dgm="http://schemas.openxmlformats.org/drawingml/2006/diagram" xmlns:o="urn:schemas-microsoft-com:office:office" xmlns:v="urn:schemas-microsoft-com:vml" xmlns:pvml="urn:schemas-microsoft-com:office:powerpoint" xmlns:com="http://schemas.openxmlformats.org/drawingml/2006/compatibility" xmlns:p14="http://schemas.microsoft.com/office/powerpoint/2010/main" showMasterPhAnim="0" showMasterSp="0">
   <p:cSld>
     <p:spTree>
       <p:nvGrpSpPr>
-        <p:cNvPr id="72" name="Shape 72"/>
+        <p:cNvPr id="62" name="Shape 62"/>
         <p:cNvGrpSpPr/>
         <p:nvPr/>
       </p:nvGrpSpPr>
@@ -1581,7 +1586,7 @@
       </p:grpSpPr>
       <p:sp>
         <p:nvSpPr>
-          <p:cNvPr id="73" name="Shape 73"/>
+          <p:cNvPr id="63" name="Shape 63"/>
           <p:cNvSpPr/>
           <p:nvPr>
             <p:ph idx="2" type="sldImg"/>
@@ -1625,7 +1630,7 @@
       </p:sp>
       <p:sp>
         <p:nvSpPr>
-          <p:cNvPr id="74" name="Shape 74"/>
+          <p:cNvPr id="64" name="Shape 64"/>
           <p:cNvSpPr txBox="1"/>
           <p:nvPr>
             <p:ph idx="1" type="body"/>
@@ -1667,12 +1672,12 @@
 </p:notes>
 </file>
 
-<file path=ppt/notesSlides/notesSlide5.xml><?xml version="1.0" encoding="utf-8"?>
+<file path=ppt/notesSlides/notesSlide20.xml><?xml version="1.0" encoding="utf-8"?>
 <p:notes xmlns:a="http://schemas.openxmlformats.org/drawingml/2006/main" xmlns:r="http://schemas.openxmlformats.org/officeDocument/2006/relationships" xmlns:mc="http://schemas.openxmlformats.org/markup-compatibility/2006" xmlns:mv="urn:schemas-microsoft-com:mac:vml" xmlns:p="http://schemas.openxmlformats.org/presentationml/2006/main" xmlns:c="http://schemas.openxmlformats.org/drawingml/2006/chart" xmlns:dgm="http://schemas.openxmlformats.org/drawingml/2006/diagram" xmlns:o="urn:schemas-microsoft-com:office:office" xmlns:v="urn:schemas-microsoft-com:vml" xmlns:pvml="urn:schemas-microsoft-com:office:powerpoint" xmlns:com="http://schemas.openxmlformats.org/drawingml/2006/compatibility" xmlns:p14="http://schemas.microsoft.com/office/powerpoint/2010/main" showMasterPhAnim="0" showMasterSp="0">
   <p:cSld>
     <p:spTree>
       <p:nvGrpSpPr>
-        <p:cNvPr id="77" name="Shape 77"/>
+        <p:cNvPr id="183" name="Shape 183"/>
         <p:cNvGrpSpPr/>
         <p:nvPr/>
       </p:nvGrpSpPr>
@@ -1686,7 +1691,7 @@
       </p:grpSpPr>
       <p:sp>
         <p:nvSpPr>
-          <p:cNvPr id="78" name="Shape 78"/>
+          <p:cNvPr id="184" name="Shape 184"/>
           <p:cNvSpPr/>
           <p:nvPr>
             <p:ph idx="2" type="sldImg"/>
@@ -1730,7 +1735,7 @@
       </p:sp>
       <p:sp>
         <p:nvSpPr>
-          <p:cNvPr id="79" name="Shape 79"/>
+          <p:cNvPr id="185" name="Shape 185"/>
           <p:cNvSpPr txBox="1"/>
           <p:nvPr>
             <p:ph idx="1" type="body"/>
@@ -1772,12 +1777,12 @@
 </p:notes>
 </file>
 
-<file path=ppt/notesSlides/notesSlide6.xml><?xml version="1.0" encoding="utf-8"?>
+<file path=ppt/notesSlides/notesSlide21.xml><?xml version="1.0" encoding="utf-8"?>
 <p:notes xmlns:a="http://schemas.openxmlformats.org/drawingml/2006/main" xmlns:r="http://schemas.openxmlformats.org/officeDocument/2006/relationships" xmlns:mc="http://schemas.openxmlformats.org/markup-compatibility/2006" xmlns:mv="urn:schemas-microsoft-com:mac:vml" xmlns:p="http://schemas.openxmlformats.org/presentationml/2006/main" xmlns:c="http://schemas.openxmlformats.org/drawingml/2006/chart" xmlns:dgm="http://schemas.openxmlformats.org/drawingml/2006/diagram" xmlns:o="urn:schemas-microsoft-com:office:office" xmlns:v="urn:schemas-microsoft-com:vml" xmlns:pvml="urn:schemas-microsoft-com:office:powerpoint" xmlns:com="http://schemas.openxmlformats.org/drawingml/2006/compatibility" xmlns:p14="http://schemas.microsoft.com/office/powerpoint/2010/main" showMasterPhAnim="0" showMasterSp="0">
   <p:cSld>
     <p:spTree>
       <p:nvGrpSpPr>
-        <p:cNvPr id="82" name="Shape 82"/>
+        <p:cNvPr id="191" name="Shape 191"/>
         <p:cNvGrpSpPr/>
         <p:nvPr/>
       </p:nvGrpSpPr>
@@ -1791,7 +1796,7 @@
       </p:grpSpPr>
       <p:sp>
         <p:nvSpPr>
-          <p:cNvPr id="83" name="Shape 83"/>
+          <p:cNvPr id="192" name="Shape 192"/>
           <p:cNvSpPr/>
           <p:nvPr>
             <p:ph idx="2" type="sldImg"/>
@@ -1835,7 +1840,7 @@
       </p:sp>
       <p:sp>
         <p:nvSpPr>
-          <p:cNvPr id="84" name="Shape 84"/>
+          <p:cNvPr id="193" name="Shape 193"/>
           <p:cNvSpPr txBox="1"/>
           <p:nvPr>
             <p:ph idx="1" type="body"/>
@@ -1877,12 +1882,12 @@
 </p:notes>
 </file>
 
-<file path=ppt/notesSlides/notesSlide7.xml><?xml version="1.0" encoding="utf-8"?>
+<file path=ppt/notesSlides/notesSlide22.xml><?xml version="1.0" encoding="utf-8"?>
 <p:notes xmlns:a="http://schemas.openxmlformats.org/drawingml/2006/main" xmlns:r="http://schemas.openxmlformats.org/officeDocument/2006/relationships" xmlns:mc="http://schemas.openxmlformats.org/markup-compatibility/2006" xmlns:mv="urn:schemas-microsoft-com:mac:vml" xmlns:p="http://schemas.openxmlformats.org/presentationml/2006/main" xmlns:c="http://schemas.openxmlformats.org/drawingml/2006/chart" xmlns:dgm="http://schemas.openxmlformats.org/drawingml/2006/diagram" xmlns:o="urn:schemas-microsoft-com:office:office" xmlns:v="urn:schemas-microsoft-com:vml" xmlns:pvml="urn:schemas-microsoft-com:office:powerpoint" xmlns:com="http://schemas.openxmlformats.org/drawingml/2006/compatibility" xmlns:p14="http://schemas.microsoft.com/office/powerpoint/2010/main" showMasterPhAnim="0" showMasterSp="0">
   <p:cSld>
     <p:spTree>
       <p:nvGrpSpPr>
-        <p:cNvPr id="87" name="Shape 87"/>
+        <p:cNvPr id="196" name="Shape 196"/>
         <p:cNvGrpSpPr/>
         <p:nvPr/>
       </p:nvGrpSpPr>
@@ -1896,7 +1901,7 @@
       </p:grpSpPr>
       <p:sp>
         <p:nvSpPr>
-          <p:cNvPr id="88" name="Shape 88"/>
+          <p:cNvPr id="197" name="Shape 197"/>
           <p:cNvSpPr/>
           <p:nvPr>
             <p:ph idx="2" type="sldImg"/>
@@ -1940,7 +1945,7 @@
       </p:sp>
       <p:sp>
         <p:nvSpPr>
-          <p:cNvPr id="89" name="Shape 89"/>
+          <p:cNvPr id="198" name="Shape 198"/>
           <p:cNvSpPr txBox="1"/>
           <p:nvPr>
             <p:ph idx="1" type="body"/>
@@ -1982,12 +1987,12 @@
 </p:notes>
 </file>
 
-<file path=ppt/notesSlides/notesSlide8.xml><?xml version="1.0" encoding="utf-8"?>
+<file path=ppt/notesSlides/notesSlide3.xml><?xml version="1.0" encoding="utf-8"?>
 <p:notes xmlns:a="http://schemas.openxmlformats.org/drawingml/2006/main" xmlns:r="http://schemas.openxmlformats.org/officeDocument/2006/relationships" xmlns:mc="http://schemas.openxmlformats.org/markup-compatibility/2006" xmlns:mv="urn:schemas-microsoft-com:mac:vml" xmlns:p="http://schemas.openxmlformats.org/presentationml/2006/main" xmlns:c="http://schemas.openxmlformats.org/drawingml/2006/chart" xmlns:dgm="http://schemas.openxmlformats.org/drawingml/2006/diagram" xmlns:o="urn:schemas-microsoft-com:office:office" xmlns:v="urn:schemas-microsoft-com:vml" xmlns:pvml="urn:schemas-microsoft-com:office:powerpoint" xmlns:com="http://schemas.openxmlformats.org/drawingml/2006/compatibility" xmlns:p14="http://schemas.microsoft.com/office/powerpoint/2010/main" showMasterPhAnim="0" showMasterSp="0">
   <p:cSld>
     <p:spTree>
       <p:nvGrpSpPr>
-        <p:cNvPr id="92" name="Shape 92"/>
+        <p:cNvPr id="67" name="Shape 67"/>
         <p:cNvGrpSpPr/>
         <p:nvPr/>
       </p:nvGrpSpPr>
@@ -2001,7 +2006,7 @@
       </p:grpSpPr>
       <p:sp>
         <p:nvSpPr>
-          <p:cNvPr id="93" name="Shape 93"/>
+          <p:cNvPr id="68" name="Shape 68"/>
           <p:cNvSpPr/>
           <p:nvPr>
             <p:ph idx="2" type="sldImg"/>
@@ -2045,7 +2050,7 @@
       </p:sp>
       <p:sp>
         <p:nvSpPr>
-          <p:cNvPr id="94" name="Shape 94"/>
+          <p:cNvPr id="69" name="Shape 69"/>
           <p:cNvSpPr txBox="1"/>
           <p:nvPr>
             <p:ph idx="1" type="body"/>
@@ -2087,12 +2092,12 @@
 </p:notes>
 </file>
 
-<file path=ppt/notesSlides/notesSlide9.xml><?xml version="1.0" encoding="utf-8"?>
+<file path=ppt/notesSlides/notesSlide4.xml><?xml version="1.0" encoding="utf-8"?>
 <p:notes xmlns:a="http://schemas.openxmlformats.org/drawingml/2006/main" xmlns:r="http://schemas.openxmlformats.org/officeDocument/2006/relationships" xmlns:mc="http://schemas.openxmlformats.org/markup-compatibility/2006" xmlns:mv="urn:schemas-microsoft-com:mac:vml" xmlns:p="http://schemas.openxmlformats.org/presentationml/2006/main" xmlns:c="http://schemas.openxmlformats.org/drawingml/2006/chart" xmlns:dgm="http://schemas.openxmlformats.org/drawingml/2006/diagram" xmlns:o="urn:schemas-microsoft-com:office:office" xmlns:v="urn:schemas-microsoft-com:vml" xmlns:pvml="urn:schemas-microsoft-com:office:powerpoint" xmlns:com="http://schemas.openxmlformats.org/drawingml/2006/compatibility" xmlns:p14="http://schemas.microsoft.com/office/powerpoint/2010/main" showMasterPhAnim="0" showMasterSp="0">
   <p:cSld>
     <p:spTree>
       <p:nvGrpSpPr>
-        <p:cNvPr id="97" name="Shape 97"/>
+        <p:cNvPr id="72" name="Shape 72"/>
         <p:cNvGrpSpPr/>
         <p:nvPr/>
       </p:nvGrpSpPr>
@@ -2106,7 +2111,7 @@
       </p:grpSpPr>
       <p:sp>
         <p:nvSpPr>
-          <p:cNvPr id="98" name="Shape 98"/>
+          <p:cNvPr id="73" name="Shape 73"/>
           <p:cNvSpPr/>
           <p:nvPr>
             <p:ph idx="2" type="sldImg"/>
@@ -2150,7 +2155,532 @@
       </p:sp>
       <p:sp>
         <p:nvSpPr>
-          <p:cNvPr id="99" name="Shape 99"/>
+          <p:cNvPr id="74" name="Shape 74"/>
+          <p:cNvSpPr txBox="1"/>
+          <p:nvPr>
+            <p:ph idx="1" type="body"/>
+          </p:nvPr>
+        </p:nvSpPr>
+        <p:spPr>
+          <a:xfrm>
+            <a:off x="685800" y="4343400"/>
+            <a:ext cx="5486399" cy="4114800"/>
+          </a:xfrm>
+          <a:prstGeom prst="rect">
+            <a:avLst/>
+          </a:prstGeom>
+        </p:spPr>
+        <p:txBody>
+          <a:bodyPr anchorCtr="0" anchor="t" bIns="91425" lIns="91425" rIns="91425" tIns="91425">
+            <a:noAutofit/>
+          </a:bodyPr>
+          <a:lstStyle/>
+          <a:p>
+            <a:pPr>
+              <a:spcBef>
+                <a:spcPts val="0"/>
+              </a:spcBef>
+              <a:buNone/>
+            </a:pPr>
+            <a:r>
+              <a:t/>
+            </a:r>
+            <a:endParaRPr/>
+          </a:p>
+        </p:txBody>
+      </p:sp>
+    </p:spTree>
+  </p:cSld>
+  <p:clrMapOvr>
+    <a:masterClrMapping/>
+  </p:clrMapOvr>
+</p:notes>
+</file>
+
+<file path=ppt/notesSlides/notesSlide5.xml><?xml version="1.0" encoding="utf-8"?>
+<p:notes xmlns:a="http://schemas.openxmlformats.org/drawingml/2006/main" xmlns:r="http://schemas.openxmlformats.org/officeDocument/2006/relationships" xmlns:mc="http://schemas.openxmlformats.org/markup-compatibility/2006" xmlns:mv="urn:schemas-microsoft-com:mac:vml" xmlns:p="http://schemas.openxmlformats.org/presentationml/2006/main" xmlns:c="http://schemas.openxmlformats.org/drawingml/2006/chart" xmlns:dgm="http://schemas.openxmlformats.org/drawingml/2006/diagram" xmlns:o="urn:schemas-microsoft-com:office:office" xmlns:v="urn:schemas-microsoft-com:vml" xmlns:pvml="urn:schemas-microsoft-com:office:powerpoint" xmlns:com="http://schemas.openxmlformats.org/drawingml/2006/compatibility" xmlns:p14="http://schemas.microsoft.com/office/powerpoint/2010/main" showMasterPhAnim="0" showMasterSp="0">
+  <p:cSld>
+    <p:spTree>
+      <p:nvGrpSpPr>
+        <p:cNvPr id="77" name="Shape 77"/>
+        <p:cNvGrpSpPr/>
+        <p:nvPr/>
+      </p:nvGrpSpPr>
+      <p:grpSpPr>
+        <a:xfrm>
+          <a:off x="0" y="0"/>
+          <a:ext cx="0" cy="0"/>
+          <a:chOff x="0" y="0"/>
+          <a:chExt cx="0" cy="0"/>
+        </a:xfrm>
+      </p:grpSpPr>
+      <p:sp>
+        <p:nvSpPr>
+          <p:cNvPr id="78" name="Shape 78"/>
+          <p:cNvSpPr/>
+          <p:nvPr>
+            <p:ph idx="2" type="sldImg"/>
+          </p:nvPr>
+        </p:nvSpPr>
+        <p:spPr>
+          <a:xfrm>
+            <a:off x="381300" y="685800"/>
+            <a:ext cx="6096000" cy="3429000"/>
+          </a:xfrm>
+          <a:custGeom>
+            <a:pathLst>
+              <a:path extrusionOk="0" h="120000" w="120000">
+                <a:moveTo>
+                  <a:pt x="0" y="0"/>
+                </a:moveTo>
+                <a:lnTo>
+                  <a:pt x="120000" y="0"/>
+                </a:lnTo>
+                <a:lnTo>
+                  <a:pt x="120000" y="120000"/>
+                </a:lnTo>
+                <a:lnTo>
+                  <a:pt x="0" y="120000"/>
+                </a:lnTo>
+                <a:close/>
+              </a:path>
+            </a:pathLst>
+          </a:custGeom>
+          <a:noFill/>
+          <a:ln cap="flat" cmpd="sng" w="9525">
+            <a:solidFill>
+              <a:srgbClr val="000000"/>
+            </a:solidFill>
+            <a:prstDash val="solid"/>
+            <a:round/>
+            <a:headEnd len="med" w="med" type="none"/>
+            <a:tailEnd len="med" w="med" type="none"/>
+          </a:ln>
+        </p:spPr>
+      </p:sp>
+      <p:sp>
+        <p:nvSpPr>
+          <p:cNvPr id="79" name="Shape 79"/>
+          <p:cNvSpPr txBox="1"/>
+          <p:nvPr>
+            <p:ph idx="1" type="body"/>
+          </p:nvPr>
+        </p:nvSpPr>
+        <p:spPr>
+          <a:xfrm>
+            <a:off x="685800" y="4343400"/>
+            <a:ext cx="5486399" cy="4114800"/>
+          </a:xfrm>
+          <a:prstGeom prst="rect">
+            <a:avLst/>
+          </a:prstGeom>
+        </p:spPr>
+        <p:txBody>
+          <a:bodyPr anchorCtr="0" anchor="t" bIns="91425" lIns="91425" rIns="91425" tIns="91425">
+            <a:noAutofit/>
+          </a:bodyPr>
+          <a:lstStyle/>
+          <a:p>
+            <a:pPr>
+              <a:spcBef>
+                <a:spcPts val="0"/>
+              </a:spcBef>
+              <a:buNone/>
+            </a:pPr>
+            <a:r>
+              <a:t/>
+            </a:r>
+            <a:endParaRPr/>
+          </a:p>
+        </p:txBody>
+      </p:sp>
+    </p:spTree>
+  </p:cSld>
+  <p:clrMapOvr>
+    <a:masterClrMapping/>
+  </p:clrMapOvr>
+</p:notes>
+</file>
+
+<file path=ppt/notesSlides/notesSlide6.xml><?xml version="1.0" encoding="utf-8"?>
+<p:notes xmlns:a="http://schemas.openxmlformats.org/drawingml/2006/main" xmlns:r="http://schemas.openxmlformats.org/officeDocument/2006/relationships" xmlns:mc="http://schemas.openxmlformats.org/markup-compatibility/2006" xmlns:mv="urn:schemas-microsoft-com:mac:vml" xmlns:p="http://schemas.openxmlformats.org/presentationml/2006/main" xmlns:c="http://schemas.openxmlformats.org/drawingml/2006/chart" xmlns:dgm="http://schemas.openxmlformats.org/drawingml/2006/diagram" xmlns:o="urn:schemas-microsoft-com:office:office" xmlns:v="urn:schemas-microsoft-com:vml" xmlns:pvml="urn:schemas-microsoft-com:office:powerpoint" xmlns:com="http://schemas.openxmlformats.org/drawingml/2006/compatibility" xmlns:p14="http://schemas.microsoft.com/office/powerpoint/2010/main" showMasterPhAnim="0" showMasterSp="0">
+  <p:cSld>
+    <p:spTree>
+      <p:nvGrpSpPr>
+        <p:cNvPr id="99" name="Shape 99"/>
+        <p:cNvGrpSpPr/>
+        <p:nvPr/>
+      </p:nvGrpSpPr>
+      <p:grpSpPr>
+        <a:xfrm>
+          <a:off x="0" y="0"/>
+          <a:ext cx="0" cy="0"/>
+          <a:chOff x="0" y="0"/>
+          <a:chExt cx="0" cy="0"/>
+        </a:xfrm>
+      </p:grpSpPr>
+      <p:sp>
+        <p:nvSpPr>
+          <p:cNvPr id="100" name="Shape 100"/>
+          <p:cNvSpPr/>
+          <p:nvPr>
+            <p:ph idx="2" type="sldImg"/>
+          </p:nvPr>
+        </p:nvSpPr>
+        <p:spPr>
+          <a:xfrm>
+            <a:off x="381300" y="685800"/>
+            <a:ext cx="6096000" cy="3429000"/>
+          </a:xfrm>
+          <a:custGeom>
+            <a:pathLst>
+              <a:path extrusionOk="0" h="120000" w="120000">
+                <a:moveTo>
+                  <a:pt x="0" y="0"/>
+                </a:moveTo>
+                <a:lnTo>
+                  <a:pt x="120000" y="0"/>
+                </a:lnTo>
+                <a:lnTo>
+                  <a:pt x="120000" y="120000"/>
+                </a:lnTo>
+                <a:lnTo>
+                  <a:pt x="0" y="120000"/>
+                </a:lnTo>
+                <a:close/>
+              </a:path>
+            </a:pathLst>
+          </a:custGeom>
+          <a:noFill/>
+          <a:ln cap="flat" cmpd="sng" w="9525">
+            <a:solidFill>
+              <a:srgbClr val="000000"/>
+            </a:solidFill>
+            <a:prstDash val="solid"/>
+            <a:round/>
+            <a:headEnd len="med" w="med" type="none"/>
+            <a:tailEnd len="med" w="med" type="none"/>
+          </a:ln>
+        </p:spPr>
+      </p:sp>
+      <p:sp>
+        <p:nvSpPr>
+          <p:cNvPr id="101" name="Shape 101"/>
+          <p:cNvSpPr txBox="1"/>
+          <p:nvPr>
+            <p:ph idx="1" type="body"/>
+          </p:nvPr>
+        </p:nvSpPr>
+        <p:spPr>
+          <a:xfrm>
+            <a:off x="685800" y="4343400"/>
+            <a:ext cx="5486399" cy="4114800"/>
+          </a:xfrm>
+          <a:prstGeom prst="rect">
+            <a:avLst/>
+          </a:prstGeom>
+        </p:spPr>
+        <p:txBody>
+          <a:bodyPr anchorCtr="0" anchor="t" bIns="91425" lIns="91425" rIns="91425" tIns="91425">
+            <a:noAutofit/>
+          </a:bodyPr>
+          <a:lstStyle/>
+          <a:p>
+            <a:pPr lvl="0" rtl="0">
+              <a:spcBef>
+                <a:spcPts val="0"/>
+              </a:spcBef>
+              <a:buNone/>
+            </a:pPr>
+            <a:r>
+              <a:t/>
+            </a:r>
+            <a:endParaRPr/>
+          </a:p>
+        </p:txBody>
+      </p:sp>
+    </p:spTree>
+  </p:cSld>
+  <p:clrMapOvr>
+    <a:masterClrMapping/>
+  </p:clrMapOvr>
+</p:notes>
+</file>
+
+<file path=ppt/notesSlides/notesSlide7.xml><?xml version="1.0" encoding="utf-8"?>
+<p:notes xmlns:a="http://schemas.openxmlformats.org/drawingml/2006/main" xmlns:r="http://schemas.openxmlformats.org/officeDocument/2006/relationships" xmlns:mc="http://schemas.openxmlformats.org/markup-compatibility/2006" xmlns:mv="urn:schemas-microsoft-com:mac:vml" xmlns:p="http://schemas.openxmlformats.org/presentationml/2006/main" xmlns:c="http://schemas.openxmlformats.org/drawingml/2006/chart" xmlns:dgm="http://schemas.openxmlformats.org/drawingml/2006/diagram" xmlns:o="urn:schemas-microsoft-com:office:office" xmlns:v="urn:schemas-microsoft-com:vml" xmlns:pvml="urn:schemas-microsoft-com:office:powerpoint" xmlns:com="http://schemas.openxmlformats.org/drawingml/2006/compatibility" xmlns:p14="http://schemas.microsoft.com/office/powerpoint/2010/main" showMasterPhAnim="0" showMasterSp="0">
+  <p:cSld>
+    <p:spTree>
+      <p:nvGrpSpPr>
+        <p:cNvPr id="104" name="Shape 104"/>
+        <p:cNvGrpSpPr/>
+        <p:nvPr/>
+      </p:nvGrpSpPr>
+      <p:grpSpPr>
+        <a:xfrm>
+          <a:off x="0" y="0"/>
+          <a:ext cx="0" cy="0"/>
+          <a:chOff x="0" y="0"/>
+          <a:chExt cx="0" cy="0"/>
+        </a:xfrm>
+      </p:grpSpPr>
+      <p:sp>
+        <p:nvSpPr>
+          <p:cNvPr id="105" name="Shape 105"/>
+          <p:cNvSpPr/>
+          <p:nvPr>
+            <p:ph idx="2" type="sldImg"/>
+          </p:nvPr>
+        </p:nvSpPr>
+        <p:spPr>
+          <a:xfrm>
+            <a:off x="381300" y="685800"/>
+            <a:ext cx="6096000" cy="3429000"/>
+          </a:xfrm>
+          <a:custGeom>
+            <a:pathLst>
+              <a:path extrusionOk="0" h="120000" w="120000">
+                <a:moveTo>
+                  <a:pt x="0" y="0"/>
+                </a:moveTo>
+                <a:lnTo>
+                  <a:pt x="120000" y="0"/>
+                </a:lnTo>
+                <a:lnTo>
+                  <a:pt x="120000" y="120000"/>
+                </a:lnTo>
+                <a:lnTo>
+                  <a:pt x="0" y="120000"/>
+                </a:lnTo>
+                <a:close/>
+              </a:path>
+            </a:pathLst>
+          </a:custGeom>
+          <a:noFill/>
+          <a:ln cap="flat" cmpd="sng" w="9525">
+            <a:solidFill>
+              <a:srgbClr val="000000"/>
+            </a:solidFill>
+            <a:prstDash val="solid"/>
+            <a:round/>
+            <a:headEnd len="med" w="med" type="none"/>
+            <a:tailEnd len="med" w="med" type="none"/>
+          </a:ln>
+        </p:spPr>
+      </p:sp>
+      <p:sp>
+        <p:nvSpPr>
+          <p:cNvPr id="106" name="Shape 106"/>
+          <p:cNvSpPr txBox="1"/>
+          <p:nvPr>
+            <p:ph idx="1" type="body"/>
+          </p:nvPr>
+        </p:nvSpPr>
+        <p:spPr>
+          <a:xfrm>
+            <a:off x="685800" y="4343400"/>
+            <a:ext cx="5486399" cy="4114800"/>
+          </a:xfrm>
+          <a:prstGeom prst="rect">
+            <a:avLst/>
+          </a:prstGeom>
+        </p:spPr>
+        <p:txBody>
+          <a:bodyPr anchorCtr="0" anchor="t" bIns="91425" lIns="91425" rIns="91425" tIns="91425">
+            <a:noAutofit/>
+          </a:bodyPr>
+          <a:lstStyle/>
+          <a:p>
+            <a:pPr>
+              <a:spcBef>
+                <a:spcPts val="0"/>
+              </a:spcBef>
+              <a:buNone/>
+            </a:pPr>
+            <a:r>
+              <a:t/>
+            </a:r>
+            <a:endParaRPr/>
+          </a:p>
+        </p:txBody>
+      </p:sp>
+    </p:spTree>
+  </p:cSld>
+  <p:clrMapOvr>
+    <a:masterClrMapping/>
+  </p:clrMapOvr>
+</p:notes>
+</file>
+
+<file path=ppt/notesSlides/notesSlide8.xml><?xml version="1.0" encoding="utf-8"?>
+<p:notes xmlns:a="http://schemas.openxmlformats.org/drawingml/2006/main" xmlns:r="http://schemas.openxmlformats.org/officeDocument/2006/relationships" xmlns:mc="http://schemas.openxmlformats.org/markup-compatibility/2006" xmlns:mv="urn:schemas-microsoft-com:mac:vml" xmlns:p="http://schemas.openxmlformats.org/presentationml/2006/main" xmlns:c="http://schemas.openxmlformats.org/drawingml/2006/chart" xmlns:dgm="http://schemas.openxmlformats.org/drawingml/2006/diagram" xmlns:o="urn:schemas-microsoft-com:office:office" xmlns:v="urn:schemas-microsoft-com:vml" xmlns:pvml="urn:schemas-microsoft-com:office:powerpoint" xmlns:com="http://schemas.openxmlformats.org/drawingml/2006/compatibility" xmlns:p14="http://schemas.microsoft.com/office/powerpoint/2010/main" showMasterPhAnim="0" showMasterSp="0">
+  <p:cSld>
+    <p:spTree>
+      <p:nvGrpSpPr>
+        <p:cNvPr id="109" name="Shape 109"/>
+        <p:cNvGrpSpPr/>
+        <p:nvPr/>
+      </p:nvGrpSpPr>
+      <p:grpSpPr>
+        <a:xfrm>
+          <a:off x="0" y="0"/>
+          <a:ext cx="0" cy="0"/>
+          <a:chOff x="0" y="0"/>
+          <a:chExt cx="0" cy="0"/>
+        </a:xfrm>
+      </p:grpSpPr>
+      <p:sp>
+        <p:nvSpPr>
+          <p:cNvPr id="110" name="Shape 110"/>
+          <p:cNvSpPr/>
+          <p:nvPr>
+            <p:ph idx="2" type="sldImg"/>
+          </p:nvPr>
+        </p:nvSpPr>
+        <p:spPr>
+          <a:xfrm>
+            <a:off x="381300" y="685800"/>
+            <a:ext cx="6096000" cy="3429000"/>
+          </a:xfrm>
+          <a:custGeom>
+            <a:pathLst>
+              <a:path extrusionOk="0" h="120000" w="120000">
+                <a:moveTo>
+                  <a:pt x="0" y="0"/>
+                </a:moveTo>
+                <a:lnTo>
+                  <a:pt x="120000" y="0"/>
+                </a:lnTo>
+                <a:lnTo>
+                  <a:pt x="120000" y="120000"/>
+                </a:lnTo>
+                <a:lnTo>
+                  <a:pt x="0" y="120000"/>
+                </a:lnTo>
+                <a:close/>
+              </a:path>
+            </a:pathLst>
+          </a:custGeom>
+          <a:noFill/>
+          <a:ln cap="flat" cmpd="sng" w="9525">
+            <a:solidFill>
+              <a:srgbClr val="000000"/>
+            </a:solidFill>
+            <a:prstDash val="solid"/>
+            <a:round/>
+            <a:headEnd len="med" w="med" type="none"/>
+            <a:tailEnd len="med" w="med" type="none"/>
+          </a:ln>
+        </p:spPr>
+      </p:sp>
+      <p:sp>
+        <p:nvSpPr>
+          <p:cNvPr id="111" name="Shape 111"/>
+          <p:cNvSpPr txBox="1"/>
+          <p:nvPr>
+            <p:ph idx="1" type="body"/>
+          </p:nvPr>
+        </p:nvSpPr>
+        <p:spPr>
+          <a:xfrm>
+            <a:off x="685800" y="4343400"/>
+            <a:ext cx="5486399" cy="4114800"/>
+          </a:xfrm>
+          <a:prstGeom prst="rect">
+            <a:avLst/>
+          </a:prstGeom>
+        </p:spPr>
+        <p:txBody>
+          <a:bodyPr anchorCtr="0" anchor="t" bIns="91425" lIns="91425" rIns="91425" tIns="91425">
+            <a:noAutofit/>
+          </a:bodyPr>
+          <a:lstStyle/>
+          <a:p>
+            <a:pPr>
+              <a:spcBef>
+                <a:spcPts val="0"/>
+              </a:spcBef>
+              <a:buNone/>
+            </a:pPr>
+            <a:r>
+              <a:t/>
+            </a:r>
+            <a:endParaRPr/>
+          </a:p>
+        </p:txBody>
+      </p:sp>
+    </p:spTree>
+  </p:cSld>
+  <p:clrMapOvr>
+    <a:masterClrMapping/>
+  </p:clrMapOvr>
+</p:notes>
+</file>
+
+<file path=ppt/notesSlides/notesSlide9.xml><?xml version="1.0" encoding="utf-8"?>
+<p:notes xmlns:a="http://schemas.openxmlformats.org/drawingml/2006/main" xmlns:r="http://schemas.openxmlformats.org/officeDocument/2006/relationships" xmlns:mc="http://schemas.openxmlformats.org/markup-compatibility/2006" xmlns:mv="urn:schemas-microsoft-com:mac:vml" xmlns:p="http://schemas.openxmlformats.org/presentationml/2006/main" xmlns:c="http://schemas.openxmlformats.org/drawingml/2006/chart" xmlns:dgm="http://schemas.openxmlformats.org/drawingml/2006/diagram" xmlns:o="urn:schemas-microsoft-com:office:office" xmlns:v="urn:schemas-microsoft-com:vml" xmlns:pvml="urn:schemas-microsoft-com:office:powerpoint" xmlns:com="http://schemas.openxmlformats.org/drawingml/2006/compatibility" xmlns:p14="http://schemas.microsoft.com/office/powerpoint/2010/main" showMasterPhAnim="0" showMasterSp="0">
+  <p:cSld>
+    <p:spTree>
+      <p:nvGrpSpPr>
+        <p:cNvPr id="114" name="Shape 114"/>
+        <p:cNvGrpSpPr/>
+        <p:nvPr/>
+      </p:nvGrpSpPr>
+      <p:grpSpPr>
+        <a:xfrm>
+          <a:off x="0" y="0"/>
+          <a:ext cx="0" cy="0"/>
+          <a:chOff x="0" y="0"/>
+          <a:chExt cx="0" cy="0"/>
+        </a:xfrm>
+      </p:grpSpPr>
+      <p:sp>
+        <p:nvSpPr>
+          <p:cNvPr id="115" name="Shape 115"/>
+          <p:cNvSpPr/>
+          <p:nvPr>
+            <p:ph idx="2" type="sldImg"/>
+          </p:nvPr>
+        </p:nvSpPr>
+        <p:spPr>
+          <a:xfrm>
+            <a:off x="381300" y="685800"/>
+            <a:ext cx="6096000" cy="3429000"/>
+          </a:xfrm>
+          <a:custGeom>
+            <a:pathLst>
+              <a:path extrusionOk="0" h="120000" w="120000">
+                <a:moveTo>
+                  <a:pt x="0" y="0"/>
+                </a:moveTo>
+                <a:lnTo>
+                  <a:pt x="120000" y="0"/>
+                </a:lnTo>
+                <a:lnTo>
+                  <a:pt x="120000" y="120000"/>
+                </a:lnTo>
+                <a:lnTo>
+                  <a:pt x="0" y="120000"/>
+                </a:lnTo>
+                <a:close/>
+              </a:path>
+            </a:pathLst>
+          </a:custGeom>
+          <a:noFill/>
+          <a:ln cap="flat" cmpd="sng" w="9525">
+            <a:solidFill>
+              <a:srgbClr val="000000"/>
+            </a:solidFill>
+            <a:prstDash val="solid"/>
+            <a:round/>
+            <a:headEnd len="med" w="med" type="none"/>
+            <a:tailEnd len="med" w="med" type="none"/>
+          </a:ln>
+        </p:spPr>
+      </p:sp>
+      <p:sp>
+        <p:nvSpPr>
+          <p:cNvPr id="116" name="Shape 116"/>
           <p:cNvSpPr txBox="1"/>
           <p:nvPr>
             <p:ph idx="1" type="body"/>
@@ -6355,7 +6885,7 @@
   <p:cSld>
     <p:spTree>
       <p:nvGrpSpPr>
-        <p:cNvPr id="100" name="Shape 100"/>
+        <p:cNvPr id="117" name="Shape 117"/>
         <p:cNvGrpSpPr/>
         <p:nvPr/>
       </p:nvGrpSpPr>
@@ -6369,7 +6899,7 @@
       </p:grpSpPr>
       <p:pic>
         <p:nvPicPr>
-          <p:cNvPr id="101" name="Shape 101"/>
+          <p:cNvPr id="118" name="Shape 118"/>
           <p:cNvPicPr preferRelativeResize="0"/>
           <p:nvPr/>
         </p:nvPicPr>
@@ -6383,8 +6913,8 @@
         </p:blipFill>
         <p:spPr>
           <a:xfrm>
-            <a:off x="0" y="368160"/>
-            <a:ext cx="9144001" cy="4407179"/>
+            <a:off x="0" y="391533"/>
+            <a:ext cx="9144000" cy="4360433"/>
           </a:xfrm>
           <a:prstGeom prst="rect">
             <a:avLst/>
@@ -6407,266 +6937,6 @@
 </file>
 
 <file path=ppt/slides/slide11.xml><?xml version="1.0" encoding="utf-8"?>
-<p:sld xmlns:a="http://schemas.openxmlformats.org/drawingml/2006/main" xmlns:r="http://schemas.openxmlformats.org/officeDocument/2006/relationships" xmlns:mc="http://schemas.openxmlformats.org/markup-compatibility/2006" xmlns:mv="urn:schemas-microsoft-com:mac:vml" xmlns:p="http://schemas.openxmlformats.org/presentationml/2006/main" xmlns:c="http://schemas.openxmlformats.org/drawingml/2006/chart" xmlns:dgm="http://schemas.openxmlformats.org/drawingml/2006/diagram" xmlns:o="urn:schemas-microsoft-com:office:office" xmlns:v="urn:schemas-microsoft-com:vml" xmlns:pvml="urn:schemas-microsoft-com:office:powerpoint" xmlns:com="http://schemas.openxmlformats.org/drawingml/2006/compatibility" xmlns:p14="http://schemas.microsoft.com/office/powerpoint/2010/main">
-  <p:cSld>
-    <p:spTree>
-      <p:nvGrpSpPr>
-        <p:cNvPr id="105" name="Shape 105"/>
-        <p:cNvGrpSpPr/>
-        <p:nvPr/>
-      </p:nvGrpSpPr>
-      <p:grpSpPr>
-        <a:xfrm>
-          <a:off x="0" y="0"/>
-          <a:ext cx="0" cy="0"/>
-          <a:chOff x="0" y="0"/>
-          <a:chExt cx="0" cy="0"/>
-        </a:xfrm>
-      </p:grpSpPr>
-      <p:pic>
-        <p:nvPicPr>
-          <p:cNvPr id="106" name="Shape 106"/>
-          <p:cNvPicPr preferRelativeResize="0"/>
-          <p:nvPr/>
-        </p:nvPicPr>
-        <p:blipFill>
-          <a:blip r:embed="rId3">
-            <a:alphaModFix/>
-          </a:blip>
-          <a:stretch>
-            <a:fillRect/>
-          </a:stretch>
-        </p:blipFill>
-        <p:spPr>
-          <a:xfrm>
-            <a:off x="0" y="355674"/>
-            <a:ext cx="9144000" cy="4432150"/>
-          </a:xfrm>
-          <a:prstGeom prst="rect">
-            <a:avLst/>
-          </a:prstGeom>
-          <a:noFill/>
-          <a:ln>
-            <a:noFill/>
-          </a:ln>
-        </p:spPr>
-      </p:pic>
-    </p:spTree>
-  </p:cSld>
-  <p:clrMapOvr>
-    <a:masterClrMapping/>
-  </p:clrMapOvr>
-  <p:transition spd="slow">
-    <p:cut/>
-  </p:transition>
-</p:sld>
-</file>
-
-<file path=ppt/slides/slide12.xml><?xml version="1.0" encoding="utf-8"?>
-<p:sld xmlns:a="http://schemas.openxmlformats.org/drawingml/2006/main" xmlns:r="http://schemas.openxmlformats.org/officeDocument/2006/relationships" xmlns:mc="http://schemas.openxmlformats.org/markup-compatibility/2006" xmlns:mv="urn:schemas-microsoft-com:mac:vml" xmlns:p="http://schemas.openxmlformats.org/presentationml/2006/main" xmlns:c="http://schemas.openxmlformats.org/drawingml/2006/chart" xmlns:dgm="http://schemas.openxmlformats.org/drawingml/2006/diagram" xmlns:o="urn:schemas-microsoft-com:office:office" xmlns:v="urn:schemas-microsoft-com:vml" xmlns:pvml="urn:schemas-microsoft-com:office:powerpoint" xmlns:com="http://schemas.openxmlformats.org/drawingml/2006/compatibility" xmlns:p14="http://schemas.microsoft.com/office/powerpoint/2010/main">
-  <p:cSld>
-    <p:spTree>
-      <p:nvGrpSpPr>
-        <p:cNvPr id="110" name="Shape 110"/>
-        <p:cNvGrpSpPr/>
-        <p:nvPr/>
-      </p:nvGrpSpPr>
-      <p:grpSpPr>
-        <a:xfrm>
-          <a:off x="0" y="0"/>
-          <a:ext cx="0" cy="0"/>
-          <a:chOff x="0" y="0"/>
-          <a:chExt cx="0" cy="0"/>
-        </a:xfrm>
-      </p:grpSpPr>
-      <p:pic>
-        <p:nvPicPr>
-          <p:cNvPr id="111" name="Shape 111"/>
-          <p:cNvPicPr preferRelativeResize="0"/>
-          <p:nvPr/>
-        </p:nvPicPr>
-        <p:blipFill>
-          <a:blip r:embed="rId3">
-            <a:alphaModFix/>
-          </a:blip>
-          <a:stretch>
-            <a:fillRect/>
-          </a:stretch>
-        </p:blipFill>
-        <p:spPr>
-          <a:xfrm>
-            <a:off x="0" y="1100431"/>
-            <a:ext cx="9143999" cy="3558086"/>
-          </a:xfrm>
-          <a:prstGeom prst="rect">
-            <a:avLst/>
-          </a:prstGeom>
-          <a:noFill/>
-          <a:ln>
-            <a:noFill/>
-          </a:ln>
-        </p:spPr>
-      </p:pic>
-      <p:sp>
-        <p:nvSpPr>
-          <p:cNvPr id="112" name="Shape 112"/>
-          <p:cNvSpPr txBox="1"/>
-          <p:nvPr>
-            <p:ph type="title"/>
-          </p:nvPr>
-        </p:nvSpPr>
-        <p:spPr>
-          <a:xfrm>
-            <a:off x="311700" y="391350"/>
-            <a:ext cx="8520599" cy="626100"/>
-          </a:xfrm>
-          <a:prstGeom prst="rect">
-            <a:avLst/>
-          </a:prstGeom>
-        </p:spPr>
-        <p:txBody>
-          <a:bodyPr anchorCtr="0" anchor="t" bIns="91425" lIns="91425" rIns="91425" tIns="91425">
-            <a:noAutofit/>
-          </a:bodyPr>
-          <a:lstStyle/>
-          <a:p>
-            <a:pPr>
-              <a:spcBef>
-                <a:spcPts val="0"/>
-              </a:spcBef>
-              <a:buNone/>
-            </a:pPr>
-            <a:r>
-              <a:rPr lang="en"/>
-              <a:t>Part II Conceptual Model</a:t>
-            </a:r>
-          </a:p>
-        </p:txBody>
-      </p:sp>
-    </p:spTree>
-  </p:cSld>
-  <p:clrMapOvr>
-    <a:masterClrMapping/>
-  </p:clrMapOvr>
-  <p:transition spd="slow">
-    <p:cut/>
-  </p:transition>
-</p:sld>
-</file>
-
-<file path=ppt/slides/slide13.xml><?xml version="1.0" encoding="utf-8"?>
-<p:sld xmlns:a="http://schemas.openxmlformats.org/drawingml/2006/main" xmlns:r="http://schemas.openxmlformats.org/officeDocument/2006/relationships" xmlns:mc="http://schemas.openxmlformats.org/markup-compatibility/2006" xmlns:mv="urn:schemas-microsoft-com:mac:vml" xmlns:p="http://schemas.openxmlformats.org/presentationml/2006/main" xmlns:c="http://schemas.openxmlformats.org/drawingml/2006/chart" xmlns:dgm="http://schemas.openxmlformats.org/drawingml/2006/diagram" xmlns:o="urn:schemas-microsoft-com:office:office" xmlns:v="urn:schemas-microsoft-com:vml" xmlns:pvml="urn:schemas-microsoft-com:office:powerpoint" xmlns:com="http://schemas.openxmlformats.org/drawingml/2006/compatibility" xmlns:p14="http://schemas.microsoft.com/office/powerpoint/2010/main">
-  <p:cSld>
-    <p:spTree>
-      <p:nvGrpSpPr>
-        <p:cNvPr id="116" name="Shape 116"/>
-        <p:cNvGrpSpPr/>
-        <p:nvPr/>
-      </p:nvGrpSpPr>
-      <p:grpSpPr>
-        <a:xfrm>
-          <a:off x="0" y="0"/>
-          <a:ext cx="0" cy="0"/>
-          <a:chOff x="0" y="0"/>
-          <a:chExt cx="0" cy="0"/>
-        </a:xfrm>
-      </p:grpSpPr>
-      <p:sp>
-        <p:nvSpPr>
-          <p:cNvPr id="117" name="Shape 117"/>
-          <p:cNvSpPr txBox="1"/>
-          <p:nvPr>
-            <p:ph type="title"/>
-          </p:nvPr>
-        </p:nvSpPr>
-        <p:spPr>
-          <a:xfrm>
-            <a:off x="311700" y="391350"/>
-            <a:ext cx="8520599" cy="626100"/>
-          </a:xfrm>
-          <a:prstGeom prst="rect">
-            <a:avLst/>
-          </a:prstGeom>
-        </p:spPr>
-        <p:txBody>
-          <a:bodyPr anchorCtr="0" anchor="t" bIns="91425" lIns="91425" rIns="91425" tIns="91425">
-            <a:noAutofit/>
-          </a:bodyPr>
-          <a:lstStyle/>
-          <a:p>
-            <a:pPr>
-              <a:spcBef>
-                <a:spcPts val="0"/>
-              </a:spcBef>
-              <a:buNone/>
-            </a:pPr>
-            <a:r>
-              <a:rPr lang="en"/>
-              <a:t>Part II Description and screenshots</a:t>
-            </a:r>
-          </a:p>
-        </p:txBody>
-      </p:sp>
-      <p:sp>
-        <p:nvSpPr>
-          <p:cNvPr id="118" name="Shape 118"/>
-          <p:cNvSpPr txBox="1"/>
-          <p:nvPr>
-            <p:ph idx="1" type="body"/>
-          </p:nvPr>
-        </p:nvSpPr>
-        <p:spPr>
-          <a:xfrm>
-            <a:off x="311700" y="1152475"/>
-            <a:ext cx="8520599" cy="3416400"/>
-          </a:xfrm>
-          <a:prstGeom prst="rect">
-            <a:avLst/>
-          </a:prstGeom>
-        </p:spPr>
-        <p:txBody>
-          <a:bodyPr anchorCtr="0" anchor="t" bIns="91425" lIns="91425" rIns="91425" tIns="91425">
-            <a:noAutofit/>
-          </a:bodyPr>
-          <a:lstStyle/>
-          <a:p>
-            <a:pPr rtl="0">
-              <a:spcBef>
-                <a:spcPts val="0"/>
-              </a:spcBef>
-              <a:buNone/>
-            </a:pPr>
-            <a:r>
-              <a:rPr lang="en"/>
-              <a:t>Part II of our project is meant to act like a beverage menu depending on season. </a:t>
-            </a:r>
-          </a:p>
-          <a:p>
-            <a:pPr>
-              <a:spcBef>
-                <a:spcPts val="0"/>
-              </a:spcBef>
-              <a:buNone/>
-            </a:pPr>
-            <a:r>
-              <a:rPr lang="en"/>
-              <a:t>Seasonal drinks are displayed with prices, descriptions, ingredients, etc. </a:t>
-            </a:r>
-          </a:p>
-        </p:txBody>
-      </p:sp>
-    </p:spTree>
-  </p:cSld>
-  <p:clrMapOvr>
-    <a:masterClrMapping/>
-  </p:clrMapOvr>
-  <p:transition spd="slow">
-    <p:cut/>
-  </p:transition>
-</p:sld>
-</file>
-
-<file path=ppt/slides/slide14.xml><?xml version="1.0" encoding="utf-8"?>
 <p:sld xmlns:a="http://schemas.openxmlformats.org/drawingml/2006/main" xmlns:r="http://schemas.openxmlformats.org/officeDocument/2006/relationships" xmlns:mc="http://schemas.openxmlformats.org/markup-compatibility/2006" xmlns:mv="urn:schemas-microsoft-com:mac:vml" xmlns:p="http://schemas.openxmlformats.org/presentationml/2006/main" xmlns:c="http://schemas.openxmlformats.org/drawingml/2006/chart" xmlns:dgm="http://schemas.openxmlformats.org/drawingml/2006/diagram" xmlns:o="urn:schemas-microsoft-com:office:office" xmlns:v="urn:schemas-microsoft-com:vml" xmlns:pvml="urn:schemas-microsoft-com:office:powerpoint" xmlns:com="http://schemas.openxmlformats.org/drawingml/2006/compatibility" xmlns:p14="http://schemas.microsoft.com/office/powerpoint/2010/main">
   <p:cSld>
     <p:spTree>
@@ -6699,8 +6969,8 @@
         </p:blipFill>
         <p:spPr>
           <a:xfrm>
-            <a:off x="837375" y="205600"/>
-            <a:ext cx="2257975" cy="4732298"/>
+            <a:off x="0" y="370550"/>
+            <a:ext cx="9143998" cy="4402398"/>
           </a:xfrm>
           <a:prstGeom prst="rect">
             <a:avLst/>
@@ -6711,14 +6981,42 @@
           </a:ln>
         </p:spPr>
       </p:pic>
+    </p:spTree>
+  </p:cSld>
+  <p:clrMapOvr>
+    <a:masterClrMapping/>
+  </p:clrMapOvr>
+  <p:transition spd="slow">
+    <p:cut/>
+  </p:transition>
+</p:sld>
+</file>
+
+<file path=ppt/slides/slide12.xml><?xml version="1.0" encoding="utf-8"?>
+<p:sld xmlns:a="http://schemas.openxmlformats.org/drawingml/2006/main" xmlns:r="http://schemas.openxmlformats.org/officeDocument/2006/relationships" xmlns:mc="http://schemas.openxmlformats.org/markup-compatibility/2006" xmlns:mv="urn:schemas-microsoft-com:mac:vml" xmlns:p="http://schemas.openxmlformats.org/presentationml/2006/main" xmlns:c="http://schemas.openxmlformats.org/drawingml/2006/chart" xmlns:dgm="http://schemas.openxmlformats.org/drawingml/2006/diagram" xmlns:o="urn:schemas-microsoft-com:office:office" xmlns:v="urn:schemas-microsoft-com:vml" xmlns:pvml="urn:schemas-microsoft-com:office:powerpoint" xmlns:com="http://schemas.openxmlformats.org/drawingml/2006/compatibility" xmlns:p14="http://schemas.microsoft.com/office/powerpoint/2010/main">
+  <p:cSld>
+    <p:spTree>
+      <p:nvGrpSpPr>
+        <p:cNvPr id="127" name="Shape 127"/>
+        <p:cNvGrpSpPr/>
+        <p:nvPr/>
+      </p:nvGrpSpPr>
+      <p:grpSpPr>
+        <a:xfrm>
+          <a:off x="0" y="0"/>
+          <a:ext cx="0" cy="0"/>
+          <a:chOff x="0" y="0"/>
+          <a:chExt cx="0" cy="0"/>
+        </a:xfrm>
+      </p:grpSpPr>
       <p:pic>
         <p:nvPicPr>
-          <p:cNvPr id="124" name="Shape 124"/>
+          <p:cNvPr id="128" name="Shape 128"/>
           <p:cNvPicPr preferRelativeResize="0"/>
           <p:nvPr/>
         </p:nvPicPr>
         <p:blipFill>
-          <a:blip r:embed="rId4">
+          <a:blip r:embed="rId3">
             <a:alphaModFix/>
           </a:blip>
           <a:stretch>
@@ -6727,8 +7025,8 @@
         </p:blipFill>
         <p:spPr>
           <a:xfrm>
-            <a:off x="1011125" y="870387"/>
-            <a:ext cx="1910474" cy="3402724"/>
+            <a:off x="0" y="368160"/>
+            <a:ext cx="9144001" cy="4407179"/>
           </a:xfrm>
           <a:prstGeom prst="rect">
             <a:avLst/>
@@ -6739,9 +7037,120 @@
           </a:ln>
         </p:spPr>
       </p:pic>
-      <p:sp>
-        <p:nvSpPr>
-          <p:cNvPr id="125" name="Shape 125"/>
+    </p:spTree>
+  </p:cSld>
+  <p:clrMapOvr>
+    <a:masterClrMapping/>
+  </p:clrMapOvr>
+  <p:transition spd="slow">
+    <p:cut/>
+  </p:transition>
+</p:sld>
+</file>
+
+<file path=ppt/slides/slide13.xml><?xml version="1.0" encoding="utf-8"?>
+<p:sld xmlns:a="http://schemas.openxmlformats.org/drawingml/2006/main" xmlns:r="http://schemas.openxmlformats.org/officeDocument/2006/relationships" xmlns:mc="http://schemas.openxmlformats.org/markup-compatibility/2006" xmlns:mv="urn:schemas-microsoft-com:mac:vml" xmlns:p="http://schemas.openxmlformats.org/presentationml/2006/main" xmlns:c="http://schemas.openxmlformats.org/drawingml/2006/chart" xmlns:dgm="http://schemas.openxmlformats.org/drawingml/2006/diagram" xmlns:o="urn:schemas-microsoft-com:office:office" xmlns:v="urn:schemas-microsoft-com:vml" xmlns:pvml="urn:schemas-microsoft-com:office:powerpoint" xmlns:com="http://schemas.openxmlformats.org/drawingml/2006/compatibility" xmlns:p14="http://schemas.microsoft.com/office/powerpoint/2010/main">
+  <p:cSld>
+    <p:spTree>
+      <p:nvGrpSpPr>
+        <p:cNvPr id="132" name="Shape 132"/>
+        <p:cNvGrpSpPr/>
+        <p:nvPr/>
+      </p:nvGrpSpPr>
+      <p:grpSpPr>
+        <a:xfrm>
+          <a:off x="0" y="0"/>
+          <a:ext cx="0" cy="0"/>
+          <a:chOff x="0" y="0"/>
+          <a:chExt cx="0" cy="0"/>
+        </a:xfrm>
+      </p:grpSpPr>
+      <p:pic>
+        <p:nvPicPr>
+          <p:cNvPr id="133" name="Shape 133"/>
+          <p:cNvPicPr preferRelativeResize="0"/>
+          <p:nvPr/>
+        </p:nvPicPr>
+        <p:blipFill>
+          <a:blip r:embed="rId3">
+            <a:alphaModFix/>
+          </a:blip>
+          <a:stretch>
+            <a:fillRect/>
+          </a:stretch>
+        </p:blipFill>
+        <p:spPr>
+          <a:xfrm>
+            <a:off x="0" y="355674"/>
+            <a:ext cx="9144000" cy="4432150"/>
+          </a:xfrm>
+          <a:prstGeom prst="rect">
+            <a:avLst/>
+          </a:prstGeom>
+          <a:noFill/>
+          <a:ln>
+            <a:noFill/>
+          </a:ln>
+        </p:spPr>
+      </p:pic>
+    </p:spTree>
+  </p:cSld>
+  <p:clrMapOvr>
+    <a:masterClrMapping/>
+  </p:clrMapOvr>
+  <p:transition spd="slow">
+    <p:cut/>
+  </p:transition>
+</p:sld>
+</file>
+
+<file path=ppt/slides/slide14.xml><?xml version="1.0" encoding="utf-8"?>
+<p:sld xmlns:a="http://schemas.openxmlformats.org/drawingml/2006/main" xmlns:r="http://schemas.openxmlformats.org/officeDocument/2006/relationships" xmlns:mc="http://schemas.openxmlformats.org/markup-compatibility/2006" xmlns:mv="urn:schemas-microsoft-com:mac:vml" xmlns:p="http://schemas.openxmlformats.org/presentationml/2006/main" xmlns:c="http://schemas.openxmlformats.org/drawingml/2006/chart" xmlns:dgm="http://schemas.openxmlformats.org/drawingml/2006/diagram" xmlns:o="urn:schemas-microsoft-com:office:office" xmlns:v="urn:schemas-microsoft-com:vml" xmlns:pvml="urn:schemas-microsoft-com:office:powerpoint" xmlns:com="http://schemas.openxmlformats.org/drawingml/2006/compatibility" xmlns:p14="http://schemas.microsoft.com/office/powerpoint/2010/main">
+  <p:cSld>
+    <p:spTree>
+      <p:nvGrpSpPr>
+        <p:cNvPr id="137" name="Shape 137"/>
+        <p:cNvGrpSpPr/>
+        <p:nvPr/>
+      </p:nvGrpSpPr>
+      <p:grpSpPr>
+        <a:xfrm>
+          <a:off x="0" y="0"/>
+          <a:ext cx="0" cy="0"/>
+          <a:chOff x="0" y="0"/>
+          <a:chExt cx="0" cy="0"/>
+        </a:xfrm>
+      </p:grpSpPr>
+      <p:pic>
+        <p:nvPicPr>
+          <p:cNvPr id="138" name="Shape 138"/>
+          <p:cNvPicPr preferRelativeResize="0"/>
+          <p:nvPr/>
+        </p:nvPicPr>
+        <p:blipFill rotWithShape="1">
+          <a:blip r:embed="rId3">
+            <a:alphaModFix/>
+          </a:blip>
+          <a:srcRect b="5885" l="0" r="0" t="11803"/>
+          <a:stretch/>
+        </p:blipFill>
+        <p:spPr>
+          <a:xfrm>
+            <a:off x="0" y="826125"/>
+            <a:ext cx="9144000" cy="4231850"/>
+          </a:xfrm>
+          <a:prstGeom prst="rect">
+            <a:avLst/>
+          </a:prstGeom>
+          <a:noFill/>
+          <a:ln>
+            <a:noFill/>
+          </a:ln>
+        </p:spPr>
+      </p:pic>
+      <p:sp>
+        <p:nvSpPr>
+          <p:cNvPr id="139" name="Shape 139"/>
           <p:cNvSpPr txBox="1"/>
           <p:nvPr>
             <p:ph type="title"/>
@@ -6749,8 +7158,8 @@
         </p:nvSpPr>
         <p:spPr>
           <a:xfrm>
-            <a:off x="3999475" y="870400"/>
-            <a:ext cx="4152599" cy="2216700"/>
+            <a:off x="176625" y="200025"/>
+            <a:ext cx="8520599" cy="626100"/>
           </a:xfrm>
           <a:prstGeom prst="rect">
             <a:avLst/>
@@ -6762,7 +7171,7 @@
           </a:bodyPr>
           <a:lstStyle/>
           <a:p>
-            <a:pPr rtl="0">
+            <a:pPr lvl="0" rtl="0">
               <a:spcBef>
                 <a:spcPts val="0"/>
               </a:spcBef>
@@ -6770,31 +7179,7 @@
             </a:pPr>
             <a:r>
               <a:rPr lang="en"/>
-              <a:t>Drink Recipes </a:t>
-            </a:r>
-          </a:p>
-          <a:p>
-            <a:pPr rtl="0">
-              <a:spcBef>
-                <a:spcPts val="0"/>
-              </a:spcBef>
-              <a:buNone/>
-            </a:pPr>
-            <a:r>
-              <a:t/>
-            </a:r>
-            <a:endParaRPr/>
-          </a:p>
-          <a:p>
-            <a:pPr>
-              <a:spcBef>
-                <a:spcPts val="0"/>
-              </a:spcBef>
-              <a:buNone/>
-            </a:pPr>
-            <a:r>
-              <a:rPr lang="en" sz="2400"/>
-              <a:t>Returns ingredients and directions</a:t>
+              <a:t>Insert or Update RFE Trigger</a:t>
             </a:r>
           </a:p>
         </p:txBody>
@@ -6815,7 +7200,7 @@
   <p:cSld>
     <p:spTree>
       <p:nvGrpSpPr>
-        <p:cNvPr id="129" name="Shape 129"/>
+        <p:cNvPr id="143" name="Shape 143"/>
         <p:cNvGrpSpPr/>
         <p:nvPr/>
       </p:nvGrpSpPr>
@@ -6829,7 +7214,7 @@
       </p:grpSpPr>
       <p:sp>
         <p:nvSpPr>
-          <p:cNvPr id="130" name="Shape 130"/>
+          <p:cNvPr id="144" name="Shape 144"/>
           <p:cNvSpPr txBox="1"/>
           <p:nvPr>
             <p:ph type="title"/>
@@ -6837,8 +7222,8 @@
         </p:nvSpPr>
         <p:spPr>
           <a:xfrm>
-            <a:off x="724150" y="1275300"/>
-            <a:ext cx="4528500" cy="2592900"/>
+            <a:off x="176625" y="200025"/>
+            <a:ext cx="8520599" cy="626100"/>
           </a:xfrm>
           <a:prstGeom prst="rect">
             <a:avLst/>
@@ -6850,7 +7235,7 @@
           </a:bodyPr>
           <a:lstStyle/>
           <a:p>
-            <a:pPr rtl="0" algn="r">
+            <a:pPr lvl="0" rtl="0">
               <a:spcBef>
                 <a:spcPts val="0"/>
               </a:spcBef>
@@ -6858,81 +7243,28 @@
             </a:pPr>
             <a:r>
               <a:rPr lang="en"/>
-              <a:t>Drink Menu</a:t>
-            </a:r>
-          </a:p>
-          <a:p>
-            <a:pPr rtl="0" algn="r">
-              <a:spcBef>
-                <a:spcPts val="0"/>
-              </a:spcBef>
-              <a:buNone/>
-            </a:pPr>
-            <a:r>
-              <a:t/>
-            </a:r>
-            <a:endParaRPr/>
-          </a:p>
-          <a:p>
-            <a:pPr algn="r">
-              <a:spcBef>
-                <a:spcPts val="0"/>
-              </a:spcBef>
-              <a:buNone/>
-            </a:pPr>
-            <a:r>
-              <a:rPr lang="en" sz="2400"/>
-              <a:t>Lists price, description, and corresponding season</a:t>
+              <a:t>Delete RFE Trigger</a:t>
             </a:r>
           </a:p>
         </p:txBody>
       </p:sp>
       <p:pic>
         <p:nvPicPr>
-          <p:cNvPr id="131" name="Shape 131"/>
+          <p:cNvPr id="145" name="Shape 145"/>
           <p:cNvPicPr preferRelativeResize="0"/>
           <p:nvPr/>
         </p:nvPicPr>
-        <p:blipFill>
+        <p:blipFill rotWithShape="1">
           <a:blip r:embed="rId3">
             <a:alphaModFix/>
           </a:blip>
-          <a:stretch>
-            <a:fillRect/>
-          </a:stretch>
+          <a:srcRect b="42007" l="13541" r="45998" t="27562"/>
+          <a:stretch/>
         </p:blipFill>
         <p:spPr>
           <a:xfrm>
-            <a:off x="6100050" y="350524"/>
-            <a:ext cx="2015499" cy="4224101"/>
-          </a:xfrm>
-          <a:prstGeom prst="rect">
-            <a:avLst/>
-          </a:prstGeom>
-          <a:noFill/>
-          <a:ln>
-            <a:noFill/>
-          </a:ln>
-        </p:spPr>
-      </p:pic>
-      <p:pic>
-        <p:nvPicPr>
-          <p:cNvPr id="132" name="Shape 132"/>
-          <p:cNvPicPr preferRelativeResize="0"/>
-          <p:nvPr/>
-        </p:nvPicPr>
-        <p:blipFill>
-          <a:blip r:embed="rId4">
-            <a:alphaModFix/>
-          </a:blip>
-          <a:stretch>
-            <a:fillRect/>
-          </a:stretch>
-        </p:blipFill>
-        <p:spPr>
-          <a:xfrm>
-            <a:off x="6266022" y="950500"/>
-            <a:ext cx="1697300" cy="3023025"/>
+            <a:off x="1897050" y="1440600"/>
+            <a:ext cx="5349900" cy="2262300"/>
           </a:xfrm>
           <a:prstGeom prst="rect">
             <a:avLst/>
@@ -6959,7 +7291,7 @@
   <p:cSld>
     <p:spTree>
       <p:nvGrpSpPr>
-        <p:cNvPr id="136" name="Shape 136"/>
+        <p:cNvPr id="149" name="Shape 149"/>
         <p:cNvGrpSpPr/>
         <p:nvPr/>
       </p:nvGrpSpPr>
@@ -6973,7 +7305,7 @@
       </p:grpSpPr>
       <p:sp>
         <p:nvSpPr>
-          <p:cNvPr id="137" name="Shape 137"/>
+          <p:cNvPr id="150" name="Shape 150"/>
           <p:cNvSpPr txBox="1"/>
           <p:nvPr>
             <p:ph type="title"/>
@@ -6981,8 +7313,8 @@
         </p:nvSpPr>
         <p:spPr>
           <a:xfrm>
-            <a:off x="4157175" y="1093350"/>
-            <a:ext cx="4734899" cy="2956799"/>
+            <a:off x="311700" y="391350"/>
+            <a:ext cx="8520599" cy="626100"/>
           </a:xfrm>
           <a:prstGeom prst="rect">
             <a:avLst/>
@@ -6994,7 +7326,7 @@
           </a:bodyPr>
           <a:lstStyle/>
           <a:p>
-            <a:pPr rtl="0">
+            <a:pPr>
               <a:spcBef>
                 <a:spcPts val="0"/>
               </a:spcBef>
@@ -7002,38 +7334,50 @@
             </a:pPr>
             <a:r>
               <a:rPr lang="en"/>
-              <a:t>Seasons</a:t>
-            </a:r>
-          </a:p>
-          <a:p>
-            <a:pPr rtl="0">
-              <a:spcBef>
-                <a:spcPts val="0"/>
-              </a:spcBef>
-              <a:buNone/>
-            </a:pPr>
-            <a:r>
-              <a:t/>
-            </a:r>
-            <a:endParaRPr/>
-          </a:p>
-          <a:p>
-            <a:pPr>
-              <a:spcBef>
-                <a:spcPts val="0"/>
-              </a:spcBef>
-              <a:buNone/>
-            </a:pPr>
-            <a:r>
-              <a:rPr lang="en" sz="2400"/>
-              <a:t>Table information defining our different seasons</a:t>
+              <a:t>Part II Description and screenshots</a:t>
             </a:r>
           </a:p>
         </p:txBody>
       </p:sp>
+      <p:sp>
+        <p:nvSpPr>
+          <p:cNvPr id="151" name="Shape 151"/>
+          <p:cNvSpPr txBox="1"/>
+          <p:nvPr>
+            <p:ph idx="1" type="body"/>
+          </p:nvPr>
+        </p:nvSpPr>
+        <p:spPr>
+          <a:xfrm>
+            <a:off x="311700" y="1152475"/>
+            <a:ext cx="8520599" cy="3416400"/>
+          </a:xfrm>
+          <a:prstGeom prst="rect">
+            <a:avLst/>
+          </a:prstGeom>
+        </p:spPr>
+        <p:txBody>
+          <a:bodyPr anchorCtr="0" anchor="t" bIns="91425" lIns="91425" rIns="91425" tIns="91425">
+            <a:noAutofit/>
+          </a:bodyPr>
+          <a:lstStyle/>
+          <a:p>
+            <a:pPr>
+              <a:spcBef>
+                <a:spcPts val="0"/>
+              </a:spcBef>
+              <a:buNone/>
+            </a:pPr>
+            <a:r>
+              <a:rPr lang="en"/>
+              <a:t>Part II of our project is meant to act like a beverage menu depending on season. Seasonal drinks are displayed with prices, descriptions, ingredients, etc. </a:t>
+            </a:r>
+          </a:p>
+        </p:txBody>
+      </p:sp>
       <p:pic>
         <p:nvPicPr>
-          <p:cNvPr id="138" name="Shape 138"/>
+          <p:cNvPr id="152" name="Shape 152"/>
           <p:cNvPicPr preferRelativeResize="0"/>
           <p:nvPr/>
         </p:nvPicPr>
@@ -7047,36 +7391,8 @@
         </p:blipFill>
         <p:spPr>
           <a:xfrm>
-            <a:off x="1169450" y="431174"/>
-            <a:ext cx="2015499" cy="4224101"/>
-          </a:xfrm>
-          <a:prstGeom prst="rect">
-            <a:avLst/>
-          </a:prstGeom>
-          <a:noFill/>
-          <a:ln>
-            <a:noFill/>
-          </a:ln>
-        </p:spPr>
-      </p:pic>
-      <p:pic>
-        <p:nvPicPr>
-          <p:cNvPr id="139" name="Shape 139"/>
-          <p:cNvPicPr preferRelativeResize="0"/>
-          <p:nvPr/>
-        </p:nvPicPr>
-        <p:blipFill>
-          <a:blip r:embed="rId4">
-            <a:alphaModFix/>
-          </a:blip>
-          <a:stretch>
-            <a:fillRect/>
-          </a:stretch>
-        </p:blipFill>
-        <p:spPr>
-          <a:xfrm>
-            <a:off x="1305762" y="991125"/>
-            <a:ext cx="1742875" cy="3104200"/>
+            <a:off x="2505113" y="1916025"/>
+            <a:ext cx="4133774" cy="2952725"/>
           </a:xfrm>
           <a:prstGeom prst="rect">
             <a:avLst/>
@@ -7103,7 +7419,7 @@
   <p:cSld>
     <p:spTree>
       <p:nvGrpSpPr>
-        <p:cNvPr id="143" name="Shape 143"/>
+        <p:cNvPr id="156" name="Shape 156"/>
         <p:cNvGrpSpPr/>
         <p:nvPr/>
       </p:nvGrpSpPr>
@@ -7115,9 +7431,37 @@
           <a:chExt cx="0" cy="0"/>
         </a:xfrm>
       </p:grpSpPr>
-      <p:sp>
-        <p:nvSpPr>
-          <p:cNvPr id="144" name="Shape 144"/>
+      <p:pic>
+        <p:nvPicPr>
+          <p:cNvPr id="157" name="Shape 157"/>
+          <p:cNvPicPr preferRelativeResize="0"/>
+          <p:nvPr/>
+        </p:nvPicPr>
+        <p:blipFill>
+          <a:blip r:embed="rId3">
+            <a:alphaModFix/>
+          </a:blip>
+          <a:stretch>
+            <a:fillRect/>
+          </a:stretch>
+        </p:blipFill>
+        <p:spPr>
+          <a:xfrm>
+            <a:off x="0" y="1100431"/>
+            <a:ext cx="9143999" cy="3558086"/>
+          </a:xfrm>
+          <a:prstGeom prst="rect">
+            <a:avLst/>
+          </a:prstGeom>
+          <a:noFill/>
+          <a:ln>
+            <a:noFill/>
+          </a:ln>
+        </p:spPr>
+      </p:pic>
+      <p:sp>
+        <p:nvSpPr>
+          <p:cNvPr id="158" name="Shape 158"/>
           <p:cNvSpPr txBox="1"/>
           <p:nvPr>
             <p:ph type="title"/>
@@ -7125,8 +7469,8 @@
         </p:nvSpPr>
         <p:spPr>
           <a:xfrm>
-            <a:off x="267725" y="2169150"/>
-            <a:ext cx="8520599" cy="805200"/>
+            <a:off x="311700" y="391350"/>
+            <a:ext cx="8520599" cy="626100"/>
           </a:xfrm>
           <a:prstGeom prst="rect">
             <a:avLst/>
@@ -7138,24 +7482,670 @@
           </a:bodyPr>
           <a:lstStyle/>
           <a:p>
-            <a:pPr algn="ctr">
+            <a:pPr>
               <a:spcBef>
                 <a:spcPts val="0"/>
               </a:spcBef>
               <a:buNone/>
             </a:pPr>
             <a:r>
-              <a:rPr lang="en" sz="4800" u="sng">
-                <a:solidFill>
-                  <a:schemeClr val="hlink"/>
-                </a:solidFill>
-                <a:hlinkClick r:id="rId3"/>
-              </a:rPr>
-              <a:t>Github repo</a:t>
+              <a:rPr lang="en"/>
+              <a:t>Part II Conceptual Model</a:t>
             </a:r>
           </a:p>
         </p:txBody>
       </p:sp>
+    </p:spTree>
+  </p:cSld>
+  <p:clrMapOvr>
+    <a:masterClrMapping/>
+  </p:clrMapOvr>
+  <p:transition spd="slow">
+    <p:cut/>
+  </p:transition>
+</p:sld>
+</file>
+
+<file path=ppt/slides/slide18.xml><?xml version="1.0" encoding="utf-8"?>
+<p:sld xmlns:a="http://schemas.openxmlformats.org/drawingml/2006/main" xmlns:r="http://schemas.openxmlformats.org/officeDocument/2006/relationships" xmlns:mc="http://schemas.openxmlformats.org/markup-compatibility/2006" xmlns:mv="urn:schemas-microsoft-com:mac:vml" xmlns:p="http://schemas.openxmlformats.org/presentationml/2006/main" xmlns:c="http://schemas.openxmlformats.org/drawingml/2006/chart" xmlns:dgm="http://schemas.openxmlformats.org/drawingml/2006/diagram" xmlns:o="urn:schemas-microsoft-com:office:office" xmlns:v="urn:schemas-microsoft-com:vml" xmlns:pvml="urn:schemas-microsoft-com:office:powerpoint" xmlns:com="http://schemas.openxmlformats.org/drawingml/2006/compatibility" xmlns:p14="http://schemas.microsoft.com/office/powerpoint/2010/main">
+  <p:cSld>
+    <p:spTree>
+      <p:nvGrpSpPr>
+        <p:cNvPr id="162" name="Shape 162"/>
+        <p:cNvGrpSpPr/>
+        <p:nvPr/>
+      </p:nvGrpSpPr>
+      <p:grpSpPr>
+        <a:xfrm>
+          <a:off x="0" y="0"/>
+          <a:ext cx="0" cy="0"/>
+          <a:chOff x="0" y="0"/>
+          <a:chExt cx="0" cy="0"/>
+        </a:xfrm>
+      </p:grpSpPr>
+      <p:sp>
+        <p:nvSpPr>
+          <p:cNvPr id="163" name="Shape 163"/>
+          <p:cNvSpPr txBox="1"/>
+          <p:nvPr>
+            <p:ph type="title"/>
+          </p:nvPr>
+        </p:nvSpPr>
+        <p:spPr>
+          <a:xfrm>
+            <a:off x="311700" y="391350"/>
+            <a:ext cx="8520599" cy="626100"/>
+          </a:xfrm>
+          <a:prstGeom prst="rect">
+            <a:avLst/>
+          </a:prstGeom>
+        </p:spPr>
+        <p:txBody>
+          <a:bodyPr anchorCtr="0" anchor="t" bIns="91425" lIns="91425" rIns="91425" tIns="91425">
+            <a:noAutofit/>
+          </a:bodyPr>
+          <a:lstStyle/>
+          <a:p>
+            <a:pPr>
+              <a:spcBef>
+                <a:spcPts val="0"/>
+              </a:spcBef>
+              <a:buNone/>
+            </a:pPr>
+            <a:r>
+              <a:rPr lang="en"/>
+              <a:t>Process — Fall Drinks</a:t>
+            </a:r>
+          </a:p>
+        </p:txBody>
+      </p:sp>
+      <p:sp>
+        <p:nvSpPr>
+          <p:cNvPr id="164" name="Shape 164"/>
+          <p:cNvSpPr txBox="1"/>
+          <p:nvPr>
+            <p:ph idx="1" type="body"/>
+          </p:nvPr>
+        </p:nvSpPr>
+        <p:spPr>
+          <a:xfrm>
+            <a:off x="4832400" y="1152475"/>
+            <a:ext cx="3999899" cy="3608400"/>
+          </a:xfrm>
+          <a:prstGeom prst="rect">
+            <a:avLst/>
+          </a:prstGeom>
+          <a:ln cap="flat" cmpd="sng" w="9525">
+            <a:solidFill>
+              <a:schemeClr val="dk1"/>
+            </a:solidFill>
+            <a:prstDash val="solid"/>
+            <a:round/>
+            <a:headEnd len="med" w="med" type="none"/>
+            <a:tailEnd len="med" w="med" type="none"/>
+          </a:ln>
+        </p:spPr>
+        <p:txBody>
+          <a:bodyPr anchorCtr="0" anchor="t" bIns="91425" lIns="91425" rIns="91425" tIns="91425">
+            <a:noAutofit/>
+          </a:bodyPr>
+          <a:lstStyle/>
+          <a:p>
+            <a:pPr rtl="0">
+              <a:spcBef>
+                <a:spcPts val="0"/>
+              </a:spcBef>
+              <a:buNone/>
+            </a:pPr>
+            <a:r>
+              <a:rPr lang="en"/>
+              <a:t>SQL Query</a:t>
+            </a:r>
+            <a:br>
+              <a:rPr lang="en"/>
+            </a:br>
+            <a:br>
+              <a:rPr lang="en" sz="800">
+                <a:latin typeface="Courier New"/>
+                <a:ea typeface="Courier New"/>
+                <a:cs typeface="Courier New"/>
+                <a:sym typeface="Courier New"/>
+              </a:rPr>
+            </a:br>
+            <a:r>
+              <a:rPr b="1" lang="en" sz="800">
+                <a:latin typeface="Courier New"/>
+                <a:ea typeface="Courier New"/>
+                <a:cs typeface="Courier New"/>
+                <a:sym typeface="Courier New"/>
+              </a:rPr>
+              <a:t>select</a:t>
+            </a:r>
+            <a:br>
+              <a:rPr b="1" lang="en" sz="800">
+                <a:latin typeface="Courier New"/>
+                <a:ea typeface="Courier New"/>
+                <a:cs typeface="Courier New"/>
+                <a:sym typeface="Courier New"/>
+              </a:rPr>
+            </a:br>
+            <a:r>
+              <a:rPr b="1" lang="en" sz="800">
+                <a:latin typeface="Courier New"/>
+                <a:ea typeface="Courier New"/>
+                <a:cs typeface="Courier New"/>
+                <a:sym typeface="Courier New"/>
+              </a:rPr>
+              <a:t>jt1.dname dname, </a:t>
+            </a:r>
+            <a:br>
+              <a:rPr b="1" lang="en" sz="800">
+                <a:latin typeface="Courier New"/>
+                <a:ea typeface="Courier New"/>
+                <a:cs typeface="Courier New"/>
+                <a:sym typeface="Courier New"/>
+              </a:rPr>
+            </a:br>
+            <a:r>
+              <a:rPr b="1" lang="en" sz="800">
+                <a:latin typeface="Courier New"/>
+                <a:ea typeface="Courier New"/>
+                <a:cs typeface="Courier New"/>
+                <a:sym typeface="Courier New"/>
+              </a:rPr>
+              <a:t>jt2.cost cost, </a:t>
+            </a:r>
+            <a:br>
+              <a:rPr b="1" lang="en" sz="800">
+                <a:latin typeface="Courier New"/>
+                <a:ea typeface="Courier New"/>
+                <a:cs typeface="Courier New"/>
+                <a:sym typeface="Courier New"/>
+              </a:rPr>
+            </a:br>
+            <a:r>
+              <a:rPr b="1" lang="en" sz="800">
+                <a:latin typeface="Courier New"/>
+                <a:ea typeface="Courier New"/>
+                <a:cs typeface="Courier New"/>
+                <a:sym typeface="Courier New"/>
+              </a:rPr>
+              <a:t>jt3.descr descr, </a:t>
+            </a:r>
+            <a:br>
+              <a:rPr b="1" lang="en" sz="800">
+                <a:latin typeface="Courier New"/>
+                <a:ea typeface="Courier New"/>
+                <a:cs typeface="Courier New"/>
+                <a:sym typeface="Courier New"/>
+              </a:rPr>
+            </a:br>
+            <a:r>
+              <a:rPr b="1" lang="en" sz="800">
+                <a:latin typeface="Courier New"/>
+                <a:ea typeface="Courier New"/>
+                <a:cs typeface="Courier New"/>
+                <a:sym typeface="Courier New"/>
+              </a:rPr>
+              <a:t>jt4.X0_1 X0_1, </a:t>
+            </a:r>
+            <a:br>
+              <a:rPr b="1" lang="en" sz="800">
+                <a:latin typeface="Courier New"/>
+                <a:ea typeface="Courier New"/>
+                <a:cs typeface="Courier New"/>
+                <a:sym typeface="Courier New"/>
+              </a:rPr>
+            </a:br>
+            <a:r>
+              <a:rPr b="1" lang="en" sz="800">
+                <a:latin typeface="Courier New"/>
+                <a:ea typeface="Courier New"/>
+                <a:cs typeface="Courier New"/>
+                <a:sym typeface="Courier New"/>
+              </a:rPr>
+              <a:t>jt5.X1_1 X1_1</a:t>
+            </a:r>
+            <a:br>
+              <a:rPr b="1" lang="en" sz="800">
+                <a:latin typeface="Courier New"/>
+                <a:ea typeface="Courier New"/>
+                <a:cs typeface="Courier New"/>
+                <a:sym typeface="Courier New"/>
+              </a:rPr>
+            </a:br>
+            <a:r>
+              <a:rPr b="1" lang="en" sz="800">
+                <a:latin typeface="Courier New"/>
+                <a:ea typeface="Courier New"/>
+                <a:cs typeface="Courier New"/>
+                <a:sym typeface="Courier New"/>
+              </a:rPr>
+              <a:t>from apex_collections t,</a:t>
+            </a:r>
+            <a:br>
+              <a:rPr b="1" lang="en" sz="800">
+                <a:latin typeface="Courier New"/>
+                <a:ea typeface="Courier New"/>
+                <a:cs typeface="Courier New"/>
+                <a:sym typeface="Courier New"/>
+              </a:rPr>
+            </a:br>
+            <a:r>
+              <a:rPr b="1" lang="en" sz="800">
+                <a:latin typeface="Courier New"/>
+                <a:ea typeface="Courier New"/>
+                <a:cs typeface="Courier New"/>
+                <a:sym typeface="Courier New"/>
+              </a:rPr>
+              <a:t>json_table(t.clob001, '$.DNAME[*]' COLUMNS rid for ordinality, dname varchar2(100) path '$') jt1,</a:t>
+            </a:r>
+            <a:br>
+              <a:rPr b="1" lang="en" sz="800">
+                <a:latin typeface="Courier New"/>
+                <a:ea typeface="Courier New"/>
+                <a:cs typeface="Courier New"/>
+                <a:sym typeface="Courier New"/>
+              </a:rPr>
+            </a:br>
+            <a:r>
+              <a:rPr b="1" lang="en" sz="800">
+                <a:latin typeface="Courier New"/>
+                <a:ea typeface="Courier New"/>
+                <a:cs typeface="Courier New"/>
+                <a:sym typeface="Courier New"/>
+              </a:rPr>
+              <a:t>json_table(t.clob001, '$.COST[*]' COLUMNS rid for ordinality, cost varchar2(100) path '$') jt2,</a:t>
+            </a:r>
+            <a:br>
+              <a:rPr b="1" lang="en" sz="800">
+                <a:latin typeface="Courier New"/>
+                <a:ea typeface="Courier New"/>
+                <a:cs typeface="Courier New"/>
+                <a:sym typeface="Courier New"/>
+              </a:rPr>
+            </a:br>
+            <a:r>
+              <a:rPr b="1" lang="en" sz="800">
+                <a:latin typeface="Courier New"/>
+                <a:ea typeface="Courier New"/>
+                <a:cs typeface="Courier New"/>
+                <a:sym typeface="Courier New"/>
+              </a:rPr>
+              <a:t>json_table(t.clob001, '$.DESCR[*]' COLUMNS rid for ordinality, descr varchar2(100) path '$') jt3,</a:t>
+            </a:r>
+            <a:br>
+              <a:rPr b="1" lang="en" sz="800">
+                <a:latin typeface="Courier New"/>
+                <a:ea typeface="Courier New"/>
+                <a:cs typeface="Courier New"/>
+                <a:sym typeface="Courier New"/>
+              </a:rPr>
+            </a:br>
+            <a:r>
+              <a:rPr b="1" lang="en" sz="800">
+                <a:latin typeface="Courier New"/>
+                <a:ea typeface="Courier New"/>
+                <a:cs typeface="Courier New"/>
+                <a:sym typeface="Courier New"/>
+              </a:rPr>
+              <a:t>json_table(t.clob001, '$.X0_1[*]' COLUMNS rid for ordinality, X0_1 varchar2(100) path '$') jt4,</a:t>
+            </a:r>
+            <a:br>
+              <a:rPr b="1" lang="en" sz="800">
+                <a:latin typeface="Courier New"/>
+                <a:ea typeface="Courier New"/>
+                <a:cs typeface="Courier New"/>
+                <a:sym typeface="Courier New"/>
+              </a:rPr>
+            </a:br>
+            <a:r>
+              <a:rPr b="1" lang="en" sz="800">
+                <a:latin typeface="Courier New"/>
+                <a:ea typeface="Courier New"/>
+                <a:cs typeface="Courier New"/>
+                <a:sym typeface="Courier New"/>
+              </a:rPr>
+              <a:t>json_table(t.clob001, '$.X1_1[*]' COLUMNS rid for ordinality, X1_1 varchar2(100) path '$') jt5</a:t>
+            </a:r>
+            <a:br>
+              <a:rPr b="1" lang="en" sz="800">
+                <a:latin typeface="Courier New"/>
+                <a:ea typeface="Courier New"/>
+                <a:cs typeface="Courier New"/>
+                <a:sym typeface="Courier New"/>
+              </a:rPr>
+            </a:br>
+            <a:r>
+              <a:rPr b="1" lang="en" sz="800">
+                <a:latin typeface="Courier New"/>
+                <a:ea typeface="Courier New"/>
+                <a:cs typeface="Courier New"/>
+                <a:sym typeface="Courier New"/>
+              </a:rPr>
+              <a:t>where t.collection_name = 'P20_DOREST_RESULTS' and</a:t>
+            </a:r>
+            <a:br>
+              <a:rPr b="1" lang="en" sz="800">
+                <a:latin typeface="Courier New"/>
+                <a:ea typeface="Courier New"/>
+                <a:cs typeface="Courier New"/>
+                <a:sym typeface="Courier New"/>
+              </a:rPr>
+            </a:br>
+            <a:r>
+              <a:rPr b="1" lang="en" sz="800">
+                <a:latin typeface="Courier New"/>
+                <a:ea typeface="Courier New"/>
+                <a:cs typeface="Courier New"/>
+                <a:sym typeface="Courier New"/>
+              </a:rPr>
+              <a:t>jt1.rid = jt2.rid and</a:t>
+            </a:r>
+            <a:br>
+              <a:rPr b="1" lang="en" sz="800">
+                <a:latin typeface="Courier New"/>
+                <a:ea typeface="Courier New"/>
+                <a:cs typeface="Courier New"/>
+                <a:sym typeface="Courier New"/>
+              </a:rPr>
+            </a:br>
+            <a:r>
+              <a:rPr b="1" lang="en" sz="800">
+                <a:latin typeface="Courier New"/>
+                <a:ea typeface="Courier New"/>
+                <a:cs typeface="Courier New"/>
+                <a:sym typeface="Courier New"/>
+              </a:rPr>
+              <a:t>jt2.rid = jt3.rid and</a:t>
+            </a:r>
+            <a:br>
+              <a:rPr b="1" lang="en" sz="800">
+                <a:latin typeface="Courier New"/>
+                <a:ea typeface="Courier New"/>
+                <a:cs typeface="Courier New"/>
+                <a:sym typeface="Courier New"/>
+              </a:rPr>
+            </a:br>
+            <a:r>
+              <a:rPr b="1" lang="en" sz="800">
+                <a:latin typeface="Courier New"/>
+                <a:ea typeface="Courier New"/>
+                <a:cs typeface="Courier New"/>
+                <a:sym typeface="Courier New"/>
+              </a:rPr>
+              <a:t>jt3.rid = jt4.rid and jt4.rid = jt5.rid, order by X1_1</a:t>
+            </a:r>
+          </a:p>
+        </p:txBody>
+      </p:sp>
+      <p:sp>
+        <p:nvSpPr>
+          <p:cNvPr id="165" name="Shape 165"/>
+          <p:cNvSpPr txBox="1"/>
+          <p:nvPr>
+            <p:ph idx="2" type="body"/>
+          </p:nvPr>
+        </p:nvSpPr>
+        <p:spPr>
+          <a:xfrm>
+            <a:off x="311700" y="1152475"/>
+            <a:ext cx="3999899" cy="1670700"/>
+          </a:xfrm>
+          <a:prstGeom prst="rect">
+            <a:avLst/>
+          </a:prstGeom>
+          <a:ln cap="flat" cmpd="sng" w="9525">
+            <a:solidFill>
+              <a:schemeClr val="dk1"/>
+            </a:solidFill>
+            <a:prstDash val="solid"/>
+            <a:round/>
+            <a:headEnd len="med" w="med" type="none"/>
+            <a:tailEnd len="med" w="med" type="none"/>
+          </a:ln>
+        </p:spPr>
+        <p:txBody>
+          <a:bodyPr anchorCtr="0" anchor="t" bIns="91425" lIns="91425" rIns="91425" tIns="91425">
+            <a:noAutofit/>
+          </a:bodyPr>
+          <a:lstStyle/>
+          <a:p>
+            <a:pPr rtl="0">
+              <a:spcBef>
+                <a:spcPts val="0"/>
+              </a:spcBef>
+              <a:buNone/>
+            </a:pPr>
+            <a:r>
+              <a:rPr lang="en"/>
+              <a:t>Cypher Query</a:t>
+            </a:r>
+          </a:p>
+          <a:p>
+            <a:pPr>
+              <a:spcBef>
+                <a:spcPts val="0"/>
+              </a:spcBef>
+              <a:buNone/>
+            </a:pPr>
+            <a:r>
+              <a:rPr b="1" lang="en">
+                <a:latin typeface="Courier New"/>
+                <a:ea typeface="Courier New"/>
+                <a:cs typeface="Courier New"/>
+                <a:sym typeface="Courier New"/>
+              </a:rPr>
+              <a:t>"MATCH(a:drink)&lt;-[:drinks]-(b:season) WHERE b.seas_no = 4 RETURN b.seas_no, b.name, a.dname, a.cost, a.descr"</a:t>
+            </a:r>
+          </a:p>
+        </p:txBody>
+      </p:sp>
+      <p:pic>
+        <p:nvPicPr>
+          <p:cNvPr id="166" name="Shape 166"/>
+          <p:cNvPicPr preferRelativeResize="0"/>
+          <p:nvPr/>
+        </p:nvPicPr>
+        <p:blipFill rotWithShape="1">
+          <a:blip r:embed="rId3">
+            <a:alphaModFix/>
+          </a:blip>
+          <a:srcRect b="21580" l="0" r="0" t="0"/>
+          <a:stretch/>
+        </p:blipFill>
+        <p:spPr>
+          <a:xfrm>
+            <a:off x="311700" y="3090100"/>
+            <a:ext cx="3999899" cy="1670700"/>
+          </a:xfrm>
+          <a:prstGeom prst="rect">
+            <a:avLst/>
+          </a:prstGeom>
+          <a:noFill/>
+          <a:ln cap="flat" cmpd="sng" w="9525">
+            <a:solidFill>
+              <a:schemeClr val="dk1"/>
+            </a:solidFill>
+            <a:prstDash val="solid"/>
+            <a:round/>
+            <a:headEnd len="med" w="med" type="none"/>
+            <a:tailEnd len="med" w="med" type="none"/>
+          </a:ln>
+        </p:spPr>
+      </p:pic>
+    </p:spTree>
+  </p:cSld>
+  <p:clrMapOvr>
+    <a:masterClrMapping/>
+  </p:clrMapOvr>
+  <p:transition spd="slow">
+    <p:cut/>
+  </p:transition>
+</p:sld>
+</file>
+
+<file path=ppt/slides/slide19.xml><?xml version="1.0" encoding="utf-8"?>
+<p:sld xmlns:a="http://schemas.openxmlformats.org/drawingml/2006/main" xmlns:r="http://schemas.openxmlformats.org/officeDocument/2006/relationships" xmlns:mc="http://schemas.openxmlformats.org/markup-compatibility/2006" xmlns:mv="urn:schemas-microsoft-com:mac:vml" xmlns:p="http://schemas.openxmlformats.org/presentationml/2006/main" xmlns:c="http://schemas.openxmlformats.org/drawingml/2006/chart" xmlns:dgm="http://schemas.openxmlformats.org/drawingml/2006/diagram" xmlns:o="urn:schemas-microsoft-com:office:office" xmlns:v="urn:schemas-microsoft-com:vml" xmlns:pvml="urn:schemas-microsoft-com:office:powerpoint" xmlns:com="http://schemas.openxmlformats.org/drawingml/2006/compatibility" xmlns:p14="http://schemas.microsoft.com/office/powerpoint/2010/main">
+  <p:cSld>
+    <p:spTree>
+      <p:nvGrpSpPr>
+        <p:cNvPr id="170" name="Shape 170"/>
+        <p:cNvGrpSpPr/>
+        <p:nvPr/>
+      </p:nvGrpSpPr>
+      <p:grpSpPr>
+        <a:xfrm>
+          <a:off x="0" y="0"/>
+          <a:ext cx="0" cy="0"/>
+          <a:chOff x="0" y="0"/>
+          <a:chExt cx="0" cy="0"/>
+        </a:xfrm>
+      </p:grpSpPr>
+      <p:sp>
+        <p:nvSpPr>
+          <p:cNvPr id="171" name="Shape 171"/>
+          <p:cNvSpPr txBox="1"/>
+          <p:nvPr>
+            <p:ph type="title"/>
+          </p:nvPr>
+        </p:nvSpPr>
+        <p:spPr>
+          <a:xfrm>
+            <a:off x="965950" y="1451125"/>
+            <a:ext cx="4528500" cy="2592900"/>
+          </a:xfrm>
+          <a:prstGeom prst="rect">
+            <a:avLst/>
+          </a:prstGeom>
+        </p:spPr>
+        <p:txBody>
+          <a:bodyPr anchorCtr="0" anchor="t" bIns="91425" lIns="91425" rIns="91425" tIns="91425">
+            <a:noAutofit/>
+          </a:bodyPr>
+          <a:lstStyle/>
+          <a:p>
+            <a:pPr rtl="0" algn="r">
+              <a:spcBef>
+                <a:spcPts val="0"/>
+              </a:spcBef>
+              <a:buNone/>
+            </a:pPr>
+            <a:r>
+              <a:rPr lang="en"/>
+              <a:t>Drink Menu</a:t>
+            </a:r>
+          </a:p>
+          <a:p>
+            <a:pPr rtl="0" algn="r">
+              <a:spcBef>
+                <a:spcPts val="0"/>
+              </a:spcBef>
+              <a:buNone/>
+            </a:pPr>
+            <a:r>
+              <a:t/>
+            </a:r>
+            <a:endParaRPr/>
+          </a:p>
+          <a:p>
+            <a:pPr algn="r">
+              <a:spcBef>
+                <a:spcPts val="0"/>
+              </a:spcBef>
+              <a:buNone/>
+            </a:pPr>
+            <a:r>
+              <a:rPr lang="en" sz="2400"/>
+              <a:t>Lists price, description, and corresponding season</a:t>
+            </a:r>
+          </a:p>
+        </p:txBody>
+      </p:sp>
+      <p:pic>
+        <p:nvPicPr>
+          <p:cNvPr id="172" name="Shape 172"/>
+          <p:cNvPicPr preferRelativeResize="0"/>
+          <p:nvPr/>
+        </p:nvPicPr>
+        <p:blipFill>
+          <a:blip r:embed="rId3">
+            <a:alphaModFix/>
+          </a:blip>
+          <a:stretch>
+            <a:fillRect/>
+          </a:stretch>
+        </p:blipFill>
+        <p:spPr>
+          <a:xfrm>
+            <a:off x="6100050" y="350524"/>
+            <a:ext cx="2015499" cy="4224101"/>
+          </a:xfrm>
+          <a:prstGeom prst="rect">
+            <a:avLst/>
+          </a:prstGeom>
+          <a:noFill/>
+          <a:ln>
+            <a:noFill/>
+          </a:ln>
+        </p:spPr>
+      </p:pic>
+      <p:pic>
+        <p:nvPicPr>
+          <p:cNvPr id="173" name="Shape 173"/>
+          <p:cNvPicPr preferRelativeResize="0"/>
+          <p:nvPr/>
+        </p:nvPicPr>
+        <p:blipFill>
+          <a:blip r:embed="rId4">
+            <a:alphaModFix/>
+          </a:blip>
+          <a:stretch>
+            <a:fillRect/>
+          </a:stretch>
+        </p:blipFill>
+        <p:spPr>
+          <a:xfrm>
+            <a:off x="6266022" y="950500"/>
+            <a:ext cx="1697300" cy="3023025"/>
+          </a:xfrm>
+          <a:prstGeom prst="rect">
+            <a:avLst/>
+          </a:prstGeom>
+          <a:noFill/>
+          <a:ln>
+            <a:noFill/>
+          </a:ln>
+        </p:spPr>
+      </p:pic>
+      <p:pic>
+        <p:nvPicPr>
+          <p:cNvPr id="174" name="Shape 174"/>
+          <p:cNvPicPr preferRelativeResize="0"/>
+          <p:nvPr/>
+        </p:nvPicPr>
+        <p:blipFill>
+          <a:blip r:embed="rId5">
+            <a:alphaModFix/>
+          </a:blip>
+          <a:stretch>
+            <a:fillRect/>
+          </a:stretch>
+        </p:blipFill>
+        <p:spPr>
+          <a:xfrm>
+            <a:off x="274750" y="350519"/>
+            <a:ext cx="2657474" cy="1845475"/>
+          </a:xfrm>
+          <a:prstGeom prst="rect">
+            <a:avLst/>
+          </a:prstGeom>
+          <a:noFill/>
+          <a:ln>
+            <a:noFill/>
+          </a:ln>
+        </p:spPr>
+      </p:pic>
     </p:spTree>
   </p:cSld>
   <p:clrMapOvr>
@@ -7212,6 +8202,443 @@
           </a:ln>
         </p:spPr>
       </p:pic>
+    </p:spTree>
+  </p:cSld>
+  <p:clrMapOvr>
+    <a:masterClrMapping/>
+  </p:clrMapOvr>
+  <p:transition spd="slow">
+    <p:cut/>
+  </p:transition>
+</p:sld>
+</file>
+
+<file path=ppt/slides/slide20.xml><?xml version="1.0" encoding="utf-8"?>
+<p:sld xmlns:a="http://schemas.openxmlformats.org/drawingml/2006/main" xmlns:r="http://schemas.openxmlformats.org/officeDocument/2006/relationships" xmlns:mc="http://schemas.openxmlformats.org/markup-compatibility/2006" xmlns:mv="urn:schemas-microsoft-com:mac:vml" xmlns:p="http://schemas.openxmlformats.org/presentationml/2006/main" xmlns:c="http://schemas.openxmlformats.org/drawingml/2006/chart" xmlns:dgm="http://schemas.openxmlformats.org/drawingml/2006/diagram" xmlns:o="urn:schemas-microsoft-com:office:office" xmlns:v="urn:schemas-microsoft-com:vml" xmlns:pvml="urn:schemas-microsoft-com:office:powerpoint" xmlns:com="http://schemas.openxmlformats.org/drawingml/2006/compatibility" xmlns:p14="http://schemas.microsoft.com/office/powerpoint/2010/main">
+  <p:cSld>
+    <p:spTree>
+      <p:nvGrpSpPr>
+        <p:cNvPr id="178" name="Shape 178"/>
+        <p:cNvGrpSpPr/>
+        <p:nvPr/>
+      </p:nvGrpSpPr>
+      <p:grpSpPr>
+        <a:xfrm>
+          <a:off x="0" y="0"/>
+          <a:ext cx="0" cy="0"/>
+          <a:chOff x="0" y="0"/>
+          <a:chExt cx="0" cy="0"/>
+        </a:xfrm>
+      </p:grpSpPr>
+      <p:sp>
+        <p:nvSpPr>
+          <p:cNvPr id="179" name="Shape 179"/>
+          <p:cNvSpPr txBox="1"/>
+          <p:nvPr>
+            <p:ph type="title"/>
+          </p:nvPr>
+        </p:nvSpPr>
+        <p:spPr>
+          <a:xfrm>
+            <a:off x="3651625" y="431175"/>
+            <a:ext cx="4734899" cy="2956799"/>
+          </a:xfrm>
+          <a:prstGeom prst="rect">
+            <a:avLst/>
+          </a:prstGeom>
+        </p:spPr>
+        <p:txBody>
+          <a:bodyPr anchorCtr="0" anchor="t" bIns="91425" lIns="91425" rIns="91425" tIns="91425">
+            <a:noAutofit/>
+          </a:bodyPr>
+          <a:lstStyle/>
+          <a:p>
+            <a:pPr rtl="0">
+              <a:spcBef>
+                <a:spcPts val="0"/>
+              </a:spcBef>
+              <a:buNone/>
+            </a:pPr>
+            <a:r>
+              <a:rPr lang="en"/>
+              <a:t>Seasons</a:t>
+            </a:r>
+          </a:p>
+          <a:p>
+            <a:pPr rtl="0">
+              <a:spcBef>
+                <a:spcPts val="0"/>
+              </a:spcBef>
+              <a:buNone/>
+            </a:pPr>
+            <a:r>
+              <a:t/>
+            </a:r>
+            <a:endParaRPr/>
+          </a:p>
+          <a:p>
+            <a:pPr>
+              <a:spcBef>
+                <a:spcPts val="0"/>
+              </a:spcBef>
+              <a:buNone/>
+            </a:pPr>
+            <a:r>
+              <a:rPr lang="en" sz="2400"/>
+              <a:t>Table information defining our different seasons</a:t>
+            </a:r>
+          </a:p>
+        </p:txBody>
+      </p:sp>
+      <p:pic>
+        <p:nvPicPr>
+          <p:cNvPr id="180" name="Shape 180"/>
+          <p:cNvPicPr preferRelativeResize="0"/>
+          <p:nvPr/>
+        </p:nvPicPr>
+        <p:blipFill>
+          <a:blip r:embed="rId3">
+            <a:alphaModFix/>
+          </a:blip>
+          <a:stretch>
+            <a:fillRect/>
+          </a:stretch>
+        </p:blipFill>
+        <p:spPr>
+          <a:xfrm>
+            <a:off x="1169450" y="431174"/>
+            <a:ext cx="2015499" cy="4224101"/>
+          </a:xfrm>
+          <a:prstGeom prst="rect">
+            <a:avLst/>
+          </a:prstGeom>
+          <a:noFill/>
+          <a:ln>
+            <a:noFill/>
+          </a:ln>
+        </p:spPr>
+      </p:pic>
+      <p:pic>
+        <p:nvPicPr>
+          <p:cNvPr id="181" name="Shape 181"/>
+          <p:cNvPicPr preferRelativeResize="0"/>
+          <p:nvPr/>
+        </p:nvPicPr>
+        <p:blipFill>
+          <a:blip r:embed="rId4">
+            <a:alphaModFix/>
+          </a:blip>
+          <a:stretch>
+            <a:fillRect/>
+          </a:stretch>
+        </p:blipFill>
+        <p:spPr>
+          <a:xfrm>
+            <a:off x="1305762" y="991125"/>
+            <a:ext cx="1742875" cy="3104200"/>
+          </a:xfrm>
+          <a:prstGeom prst="rect">
+            <a:avLst/>
+          </a:prstGeom>
+          <a:noFill/>
+          <a:ln>
+            <a:noFill/>
+          </a:ln>
+        </p:spPr>
+      </p:pic>
+      <p:pic>
+        <p:nvPicPr>
+          <p:cNvPr id="182" name="Shape 182"/>
+          <p:cNvPicPr preferRelativeResize="0"/>
+          <p:nvPr/>
+        </p:nvPicPr>
+        <p:blipFill>
+          <a:blip r:embed="rId5">
+            <a:alphaModFix/>
+          </a:blip>
+          <a:stretch>
+            <a:fillRect/>
+          </a:stretch>
+        </p:blipFill>
+        <p:spPr>
+          <a:xfrm>
+            <a:off x="4114075" y="2388320"/>
+            <a:ext cx="3810000" cy="2378200"/>
+          </a:xfrm>
+          <a:prstGeom prst="rect">
+            <a:avLst/>
+          </a:prstGeom>
+          <a:noFill/>
+          <a:ln>
+            <a:noFill/>
+          </a:ln>
+        </p:spPr>
+      </p:pic>
+    </p:spTree>
+  </p:cSld>
+  <p:clrMapOvr>
+    <a:masterClrMapping/>
+  </p:clrMapOvr>
+  <p:transition spd="slow">
+    <p:cut/>
+  </p:transition>
+</p:sld>
+</file>
+
+<file path=ppt/slides/slide21.xml><?xml version="1.0" encoding="utf-8"?>
+<p:sld xmlns:a="http://schemas.openxmlformats.org/drawingml/2006/main" xmlns:r="http://schemas.openxmlformats.org/officeDocument/2006/relationships" xmlns:mc="http://schemas.openxmlformats.org/markup-compatibility/2006" xmlns:mv="urn:schemas-microsoft-com:mac:vml" xmlns:p="http://schemas.openxmlformats.org/presentationml/2006/main" xmlns:c="http://schemas.openxmlformats.org/drawingml/2006/chart" xmlns:dgm="http://schemas.openxmlformats.org/drawingml/2006/diagram" xmlns:o="urn:schemas-microsoft-com:office:office" xmlns:v="urn:schemas-microsoft-com:vml" xmlns:pvml="urn:schemas-microsoft-com:office:powerpoint" xmlns:com="http://schemas.openxmlformats.org/drawingml/2006/compatibility" xmlns:p14="http://schemas.microsoft.com/office/powerpoint/2010/main">
+  <p:cSld>
+    <p:spTree>
+      <p:nvGrpSpPr>
+        <p:cNvPr id="186" name="Shape 186"/>
+        <p:cNvGrpSpPr/>
+        <p:nvPr/>
+      </p:nvGrpSpPr>
+      <p:grpSpPr>
+        <a:xfrm>
+          <a:off x="0" y="0"/>
+          <a:ext cx="0" cy="0"/>
+          <a:chOff x="0" y="0"/>
+          <a:chExt cx="0" cy="0"/>
+        </a:xfrm>
+      </p:grpSpPr>
+      <p:pic>
+        <p:nvPicPr>
+          <p:cNvPr id="187" name="Shape 187"/>
+          <p:cNvPicPr preferRelativeResize="0"/>
+          <p:nvPr/>
+        </p:nvPicPr>
+        <p:blipFill>
+          <a:blip r:embed="rId3">
+            <a:alphaModFix/>
+          </a:blip>
+          <a:stretch>
+            <a:fillRect/>
+          </a:stretch>
+        </p:blipFill>
+        <p:spPr>
+          <a:xfrm>
+            <a:off x="837375" y="205600"/>
+            <a:ext cx="2257975" cy="4732298"/>
+          </a:xfrm>
+          <a:prstGeom prst="rect">
+            <a:avLst/>
+          </a:prstGeom>
+          <a:noFill/>
+          <a:ln>
+            <a:noFill/>
+          </a:ln>
+        </p:spPr>
+      </p:pic>
+      <p:pic>
+        <p:nvPicPr>
+          <p:cNvPr id="188" name="Shape 188"/>
+          <p:cNvPicPr preferRelativeResize="0"/>
+          <p:nvPr/>
+        </p:nvPicPr>
+        <p:blipFill>
+          <a:blip r:embed="rId4">
+            <a:alphaModFix/>
+          </a:blip>
+          <a:stretch>
+            <a:fillRect/>
+          </a:stretch>
+        </p:blipFill>
+        <p:spPr>
+          <a:xfrm>
+            <a:off x="1011125" y="870387"/>
+            <a:ext cx="1910474" cy="3402724"/>
+          </a:xfrm>
+          <a:prstGeom prst="rect">
+            <a:avLst/>
+          </a:prstGeom>
+          <a:noFill/>
+          <a:ln>
+            <a:noFill/>
+          </a:ln>
+        </p:spPr>
+      </p:pic>
+      <p:sp>
+        <p:nvSpPr>
+          <p:cNvPr id="189" name="Shape 189"/>
+          <p:cNvSpPr txBox="1"/>
+          <p:nvPr>
+            <p:ph type="title"/>
+          </p:nvPr>
+        </p:nvSpPr>
+        <p:spPr>
+          <a:xfrm>
+            <a:off x="3329075" y="600075"/>
+            <a:ext cx="4152599" cy="3503699"/>
+          </a:xfrm>
+          <a:prstGeom prst="rect">
+            <a:avLst/>
+          </a:prstGeom>
+        </p:spPr>
+        <p:txBody>
+          <a:bodyPr anchorCtr="0" anchor="t" bIns="91425" lIns="91425" rIns="91425" tIns="91425">
+            <a:noAutofit/>
+          </a:bodyPr>
+          <a:lstStyle/>
+          <a:p>
+            <a:pPr rtl="0">
+              <a:spcBef>
+                <a:spcPts val="0"/>
+              </a:spcBef>
+              <a:buNone/>
+            </a:pPr>
+            <a:r>
+              <a:rPr lang="en"/>
+              <a:t>Drink Recipes </a:t>
+            </a:r>
+          </a:p>
+          <a:p>
+            <a:pPr rtl="0">
+              <a:spcBef>
+                <a:spcPts val="0"/>
+              </a:spcBef>
+              <a:buNone/>
+            </a:pPr>
+            <a:r>
+              <a:t/>
+            </a:r>
+            <a:endParaRPr/>
+          </a:p>
+          <a:p>
+            <a:pPr rtl="0">
+              <a:spcBef>
+                <a:spcPts val="0"/>
+              </a:spcBef>
+              <a:buNone/>
+            </a:pPr>
+            <a:r>
+              <a:rPr lang="en" sz="2400"/>
+              <a:t>Returns ingredients and directions along with corresponding season.</a:t>
+            </a:r>
+          </a:p>
+          <a:p>
+            <a:pPr rtl="0">
+              <a:spcBef>
+                <a:spcPts val="0"/>
+              </a:spcBef>
+              <a:buNone/>
+            </a:pPr>
+            <a:r>
+              <a:t/>
+            </a:r>
+            <a:endParaRPr sz="2400"/>
+          </a:p>
+          <a:p>
+            <a:pPr>
+              <a:spcBef>
+                <a:spcPts val="0"/>
+              </a:spcBef>
+              <a:buNone/>
+            </a:pPr>
+            <a:r>
+              <a:rPr lang="en" sz="2400"/>
+              <a:t> A join on our two tables. </a:t>
+            </a:r>
+          </a:p>
+        </p:txBody>
+      </p:sp>
+      <p:pic>
+        <p:nvPicPr>
+          <p:cNvPr id="190" name="Shape 190"/>
+          <p:cNvPicPr preferRelativeResize="0"/>
+          <p:nvPr/>
+        </p:nvPicPr>
+        <p:blipFill>
+          <a:blip r:embed="rId5">
+            <a:alphaModFix/>
+          </a:blip>
+          <a:stretch>
+            <a:fillRect/>
+          </a:stretch>
+        </p:blipFill>
+        <p:spPr>
+          <a:xfrm>
+            <a:off x="7279468" y="2299068"/>
+            <a:ext cx="1754250" cy="2638824"/>
+          </a:xfrm>
+          <a:prstGeom prst="rect">
+            <a:avLst/>
+          </a:prstGeom>
+          <a:noFill/>
+          <a:ln>
+            <a:noFill/>
+          </a:ln>
+        </p:spPr>
+      </p:pic>
+    </p:spTree>
+  </p:cSld>
+  <p:clrMapOvr>
+    <a:masterClrMapping/>
+  </p:clrMapOvr>
+  <p:transition spd="slow">
+    <p:cut/>
+  </p:transition>
+</p:sld>
+</file>
+
+<file path=ppt/slides/slide22.xml><?xml version="1.0" encoding="utf-8"?>
+<p:sld xmlns:a="http://schemas.openxmlformats.org/drawingml/2006/main" xmlns:r="http://schemas.openxmlformats.org/officeDocument/2006/relationships" xmlns:mc="http://schemas.openxmlformats.org/markup-compatibility/2006" xmlns:mv="urn:schemas-microsoft-com:mac:vml" xmlns:p="http://schemas.openxmlformats.org/presentationml/2006/main" xmlns:c="http://schemas.openxmlformats.org/drawingml/2006/chart" xmlns:dgm="http://schemas.openxmlformats.org/drawingml/2006/diagram" xmlns:o="urn:schemas-microsoft-com:office:office" xmlns:v="urn:schemas-microsoft-com:vml" xmlns:pvml="urn:schemas-microsoft-com:office:powerpoint" xmlns:com="http://schemas.openxmlformats.org/drawingml/2006/compatibility" xmlns:p14="http://schemas.microsoft.com/office/powerpoint/2010/main">
+  <p:cSld>
+    <p:spTree>
+      <p:nvGrpSpPr>
+        <p:cNvPr id="194" name="Shape 194"/>
+        <p:cNvGrpSpPr/>
+        <p:nvPr/>
+      </p:nvGrpSpPr>
+      <p:grpSpPr>
+        <a:xfrm>
+          <a:off x="0" y="0"/>
+          <a:ext cx="0" cy="0"/>
+          <a:chOff x="0" y="0"/>
+          <a:chExt cx="0" cy="0"/>
+        </a:xfrm>
+      </p:grpSpPr>
+      <p:sp>
+        <p:nvSpPr>
+          <p:cNvPr id="195" name="Shape 195"/>
+          <p:cNvSpPr txBox="1"/>
+          <p:nvPr>
+            <p:ph type="title"/>
+          </p:nvPr>
+        </p:nvSpPr>
+        <p:spPr>
+          <a:xfrm>
+            <a:off x="267725" y="2169150"/>
+            <a:ext cx="8520599" cy="805200"/>
+          </a:xfrm>
+          <a:prstGeom prst="rect">
+            <a:avLst/>
+          </a:prstGeom>
+        </p:spPr>
+        <p:txBody>
+          <a:bodyPr anchorCtr="0" anchor="t" bIns="91425" lIns="91425" rIns="91425" tIns="91425">
+            <a:noAutofit/>
+          </a:bodyPr>
+          <a:lstStyle/>
+          <a:p>
+            <a:pPr algn="ctr">
+              <a:spcBef>
+                <a:spcPts val="0"/>
+              </a:spcBef>
+              <a:buNone/>
+            </a:pPr>
+            <a:r>
+              <a:rPr lang="en" sz="4800" u="sng">
+                <a:solidFill>
+                  <a:schemeClr val="hlink"/>
+                </a:solidFill>
+                <a:hlinkClick r:id="rId3"/>
+              </a:rPr>
+              <a:t>Github repo</a:t>
+            </a:r>
+          </a:p>
+        </p:txBody>
+      </p:sp>
     </p:spTree>
   </p:cSld>
   <p:clrMapOvr>
@@ -7416,34 +8843,870 @@
           <a:chExt cx="0" cy="0"/>
         </a:xfrm>
       </p:grpSpPr>
-      <p:pic>
-        <p:nvPicPr>
+      <p:cxnSp>
+        <p:nvCxnSpPr>
           <p:cNvPr id="81" name="Shape 81"/>
-          <p:cNvPicPr preferRelativeResize="0"/>
+          <p:cNvCxnSpPr>
+            <a:endCxn id="82" idx="1"/>
+          </p:cNvCxnSpPr>
           <p:nvPr/>
-        </p:nvPicPr>
-        <p:blipFill>
-          <a:blip r:embed="rId3">
-            <a:alphaModFix/>
-          </a:blip>
-          <a:stretch>
-            <a:fillRect/>
-          </a:stretch>
-        </p:blipFill>
-        <p:spPr>
-          <a:xfrm>
-            <a:off x="0" y="371743"/>
-            <a:ext cx="9144001" cy="4400013"/>
-          </a:xfrm>
-          <a:prstGeom prst="rect">
+        </p:nvCxnSpPr>
+        <p:spPr>
+          <a:xfrm>
+            <a:off x="957224" y="1658574"/>
+            <a:ext cx="551400" cy="0"/>
+          </a:xfrm>
+          <a:prstGeom prst="straightConnector1">
             <a:avLst/>
           </a:prstGeom>
           <a:noFill/>
-          <a:ln>
-            <a:noFill/>
+          <a:ln cap="flat" cmpd="sng" w="9525">
+            <a:solidFill>
+              <a:schemeClr val="dk2"/>
+            </a:solidFill>
+            <a:prstDash val="solid"/>
+            <a:round/>
+            <a:headEnd len="lg" w="lg" type="none"/>
+            <a:tailEnd len="lg" w="lg" type="triangle"/>
           </a:ln>
         </p:spPr>
-      </p:pic>
+      </p:cxnSp>
+      <p:sp>
+        <p:nvSpPr>
+          <p:cNvPr id="83" name="Shape 83"/>
+          <p:cNvSpPr txBox="1"/>
+          <p:nvPr>
+            <p:ph type="title"/>
+          </p:nvPr>
+        </p:nvSpPr>
+        <p:spPr>
+          <a:xfrm>
+            <a:off x="311700" y="391350"/>
+            <a:ext cx="8520599" cy="626100"/>
+          </a:xfrm>
+          <a:prstGeom prst="rect">
+            <a:avLst/>
+          </a:prstGeom>
+        </p:spPr>
+        <p:txBody>
+          <a:bodyPr anchorCtr="0" anchor="t" bIns="91425" lIns="91425" rIns="91425" tIns="91425">
+            <a:noAutofit/>
+          </a:bodyPr>
+          <a:lstStyle/>
+          <a:p>
+            <a:pPr lvl="0" rtl="0">
+              <a:spcBef>
+                <a:spcPts val="0"/>
+              </a:spcBef>
+              <a:buNone/>
+            </a:pPr>
+            <a:r>
+              <a:rPr lang="en"/>
+              <a:t>User Experience Design Decisions</a:t>
+            </a:r>
+          </a:p>
+        </p:txBody>
+      </p:sp>
+      <p:sp>
+        <p:nvSpPr>
+          <p:cNvPr id="84" name="Shape 84"/>
+          <p:cNvSpPr/>
+          <p:nvPr/>
+        </p:nvSpPr>
+        <p:spPr>
+          <a:xfrm>
+            <a:off x="145644" y="1365925"/>
+            <a:ext cx="935400" cy="585299"/>
+          </a:xfrm>
+          <a:prstGeom prst="rect">
+            <a:avLst/>
+          </a:prstGeom>
+          <a:solidFill>
+            <a:schemeClr val="lt2"/>
+          </a:solidFill>
+          <a:ln cap="flat" cmpd="sng" w="9525">
+            <a:solidFill>
+              <a:schemeClr val="dk2"/>
+            </a:solidFill>
+            <a:prstDash val="solid"/>
+            <a:round/>
+            <a:headEnd len="med" w="med" type="none"/>
+            <a:tailEnd len="med" w="med" type="none"/>
+          </a:ln>
+        </p:spPr>
+        <p:txBody>
+          <a:bodyPr anchorCtr="0" anchor="ctr" bIns="91425" lIns="91425" rIns="91425" tIns="91425">
+            <a:noAutofit/>
+          </a:bodyPr>
+          <a:lstStyle/>
+          <a:p>
+            <a:pPr algn="ctr">
+              <a:spcBef>
+                <a:spcPts val="0"/>
+              </a:spcBef>
+              <a:buNone/>
+            </a:pPr>
+            <a:r>
+              <a:rPr lang="en">
+                <a:solidFill>
+                  <a:srgbClr val="FFFFFF"/>
+                </a:solidFill>
+              </a:rPr>
+              <a:t>Login</a:t>
+            </a:r>
+          </a:p>
+        </p:txBody>
+      </p:sp>
+      <p:sp>
+        <p:nvSpPr>
+          <p:cNvPr id="82" name="Shape 82"/>
+          <p:cNvSpPr/>
+          <p:nvPr/>
+        </p:nvSpPr>
+        <p:spPr>
+          <a:xfrm>
+            <a:off x="1508624" y="1365925"/>
+            <a:ext cx="2867099" cy="585299"/>
+          </a:xfrm>
+          <a:prstGeom prst="rect">
+            <a:avLst/>
+          </a:prstGeom>
+          <a:solidFill>
+            <a:schemeClr val="lt2"/>
+          </a:solidFill>
+          <a:ln cap="flat" cmpd="sng" w="9525">
+            <a:solidFill>
+              <a:schemeClr val="dk2"/>
+            </a:solidFill>
+            <a:prstDash val="solid"/>
+            <a:round/>
+            <a:headEnd len="med" w="med" type="none"/>
+            <a:tailEnd len="med" w="med" type="none"/>
+          </a:ln>
+        </p:spPr>
+        <p:txBody>
+          <a:bodyPr anchorCtr="0" anchor="ctr" bIns="91425" lIns="91425" rIns="91425" tIns="91425">
+            <a:noAutofit/>
+          </a:bodyPr>
+          <a:lstStyle/>
+          <a:p>
+            <a:pPr lvl="0" rtl="0" algn="ctr">
+              <a:spcBef>
+                <a:spcPts val="0"/>
+              </a:spcBef>
+              <a:buNone/>
+            </a:pPr>
+            <a:r>
+              <a:rPr lang="en">
+                <a:solidFill>
+                  <a:srgbClr val="FFFFFF"/>
+                </a:solidFill>
+              </a:rPr>
+              <a:t>Employees</a:t>
+            </a:r>
+          </a:p>
+        </p:txBody>
+      </p:sp>
+      <p:sp>
+        <p:nvSpPr>
+          <p:cNvPr id="85" name="Shape 85"/>
+          <p:cNvSpPr/>
+          <p:nvPr/>
+        </p:nvSpPr>
+        <p:spPr>
+          <a:xfrm>
+            <a:off x="4803317" y="1365925"/>
+            <a:ext cx="4281000" cy="585299"/>
+          </a:xfrm>
+          <a:prstGeom prst="rect">
+            <a:avLst/>
+          </a:prstGeom>
+          <a:solidFill>
+            <a:schemeClr val="lt2"/>
+          </a:solidFill>
+          <a:ln cap="flat" cmpd="sng" w="9525">
+            <a:solidFill>
+              <a:schemeClr val="dk2"/>
+            </a:solidFill>
+            <a:prstDash val="solid"/>
+            <a:round/>
+            <a:headEnd len="med" w="med" type="none"/>
+            <a:tailEnd len="med" w="med" type="none"/>
+          </a:ln>
+        </p:spPr>
+        <p:txBody>
+          <a:bodyPr anchorCtr="0" anchor="ctr" bIns="91425" lIns="91425" rIns="91425" tIns="91425">
+            <a:noAutofit/>
+          </a:bodyPr>
+          <a:lstStyle/>
+          <a:p>
+            <a:pPr lvl="0" rtl="0" algn="ctr">
+              <a:spcBef>
+                <a:spcPts val="0"/>
+              </a:spcBef>
+              <a:buNone/>
+            </a:pPr>
+            <a:r>
+              <a:rPr lang="en">
+                <a:solidFill>
+                  <a:srgbClr val="FFFFFF"/>
+                </a:solidFill>
+              </a:rPr>
+              <a:t>RFEs</a:t>
+            </a:r>
+          </a:p>
+        </p:txBody>
+      </p:sp>
+      <p:sp>
+        <p:nvSpPr>
+          <p:cNvPr id="86" name="Shape 86"/>
+          <p:cNvSpPr/>
+          <p:nvPr/>
+        </p:nvSpPr>
+        <p:spPr>
+          <a:xfrm>
+            <a:off x="3014525" y="2134975"/>
+            <a:ext cx="1361100" cy="965999"/>
+          </a:xfrm>
+          <a:prstGeom prst="rect">
+            <a:avLst/>
+          </a:prstGeom>
+          <a:solidFill>
+            <a:schemeClr val="accent5"/>
+          </a:solidFill>
+          <a:ln cap="flat" cmpd="sng" w="9525">
+            <a:solidFill>
+              <a:schemeClr val="dk2"/>
+            </a:solidFill>
+            <a:prstDash val="solid"/>
+            <a:round/>
+            <a:headEnd len="med" w="med" type="none"/>
+            <a:tailEnd len="med" w="med" type="none"/>
+          </a:ln>
+        </p:spPr>
+        <p:txBody>
+          <a:bodyPr anchorCtr="0" anchor="ctr" bIns="91425" lIns="91425" rIns="91425" tIns="91425">
+            <a:noAutofit/>
+          </a:bodyPr>
+          <a:lstStyle/>
+          <a:p>
+            <a:pPr lvl="0" rtl="0" algn="ctr">
+              <a:spcBef>
+                <a:spcPts val="0"/>
+              </a:spcBef>
+              <a:buNone/>
+            </a:pPr>
+            <a:r>
+              <a:rPr lang="en" sz="1300">
+                <a:solidFill>
+                  <a:srgbClr val="FFFFFF"/>
+                </a:solidFill>
+              </a:rPr>
+              <a:t>Employee Title Pages (exec dir...etc.)</a:t>
+            </a:r>
+          </a:p>
+        </p:txBody>
+      </p:sp>
+      <p:sp>
+        <p:nvSpPr>
+          <p:cNvPr id="87" name="Shape 87"/>
+          <p:cNvSpPr/>
+          <p:nvPr/>
+        </p:nvSpPr>
+        <p:spPr>
+          <a:xfrm>
+            <a:off x="1508625" y="2617955"/>
+            <a:ext cx="1361100" cy="482999"/>
+          </a:xfrm>
+          <a:prstGeom prst="rect">
+            <a:avLst/>
+          </a:prstGeom>
+          <a:solidFill>
+            <a:schemeClr val="dk1"/>
+          </a:solidFill>
+          <a:ln cap="flat" cmpd="sng" w="9525">
+            <a:solidFill>
+              <a:schemeClr val="dk2"/>
+            </a:solidFill>
+            <a:prstDash val="solid"/>
+            <a:round/>
+            <a:headEnd len="med" w="med" type="none"/>
+            <a:tailEnd len="med" w="med" type="none"/>
+          </a:ln>
+        </p:spPr>
+        <p:txBody>
+          <a:bodyPr anchorCtr="0" anchor="ctr" bIns="91425" lIns="91425" rIns="91425" tIns="91425">
+            <a:noAutofit/>
+          </a:bodyPr>
+          <a:lstStyle/>
+          <a:p>
+            <a:pPr lvl="0" rtl="0" algn="ctr">
+              <a:spcBef>
+                <a:spcPts val="0"/>
+              </a:spcBef>
+              <a:buNone/>
+            </a:pPr>
+            <a:r>
+              <a:rPr lang="en" sz="1300">
+                <a:solidFill>
+                  <a:srgbClr val="FFFFFF"/>
+                </a:solidFill>
+              </a:rPr>
+              <a:t>Logged in Employee Table</a:t>
+            </a:r>
+          </a:p>
+        </p:txBody>
+      </p:sp>
+      <p:sp>
+        <p:nvSpPr>
+          <p:cNvPr id="88" name="Shape 88"/>
+          <p:cNvSpPr/>
+          <p:nvPr/>
+        </p:nvSpPr>
+        <p:spPr>
+          <a:xfrm>
+            <a:off x="1508625" y="3100946"/>
+            <a:ext cx="1361100" cy="482999"/>
+          </a:xfrm>
+          <a:prstGeom prst="rect">
+            <a:avLst/>
+          </a:prstGeom>
+          <a:solidFill>
+            <a:schemeClr val="dk1"/>
+          </a:solidFill>
+          <a:ln cap="flat" cmpd="sng" w="9525">
+            <a:solidFill>
+              <a:schemeClr val="dk2"/>
+            </a:solidFill>
+            <a:prstDash val="solid"/>
+            <a:round/>
+            <a:headEnd len="med" w="med" type="none"/>
+            <a:tailEnd len="med" w="med" type="none"/>
+          </a:ln>
+        </p:spPr>
+        <p:txBody>
+          <a:bodyPr anchorCtr="0" anchor="ctr" bIns="91425" lIns="91425" rIns="91425" tIns="91425">
+            <a:noAutofit/>
+          </a:bodyPr>
+          <a:lstStyle/>
+          <a:p>
+            <a:pPr lvl="0" rtl="0" algn="ctr">
+              <a:spcBef>
+                <a:spcPts val="0"/>
+              </a:spcBef>
+              <a:buNone/>
+            </a:pPr>
+            <a:r>
+              <a:rPr lang="en" sz="1300">
+                <a:solidFill>
+                  <a:srgbClr val="FFFFFF"/>
+                </a:solidFill>
+              </a:rPr>
+              <a:t>Employee Roster</a:t>
+            </a:r>
+          </a:p>
+        </p:txBody>
+      </p:sp>
+      <p:sp>
+        <p:nvSpPr>
+          <p:cNvPr id="89" name="Shape 89"/>
+          <p:cNvSpPr/>
+          <p:nvPr/>
+        </p:nvSpPr>
+        <p:spPr>
+          <a:xfrm>
+            <a:off x="1508625" y="2134975"/>
+            <a:ext cx="1361100" cy="482999"/>
+          </a:xfrm>
+          <a:prstGeom prst="rect">
+            <a:avLst/>
+          </a:prstGeom>
+          <a:solidFill>
+            <a:schemeClr val="accent5"/>
+          </a:solidFill>
+          <a:ln cap="flat" cmpd="sng" w="9525">
+            <a:solidFill>
+              <a:schemeClr val="dk2"/>
+            </a:solidFill>
+            <a:prstDash val="solid"/>
+            <a:round/>
+            <a:headEnd len="med" w="med" type="none"/>
+            <a:tailEnd len="med" w="med" type="none"/>
+          </a:ln>
+        </p:spPr>
+        <p:txBody>
+          <a:bodyPr anchorCtr="0" anchor="ctr" bIns="91425" lIns="91425" rIns="91425" tIns="91425">
+            <a:noAutofit/>
+          </a:bodyPr>
+          <a:lstStyle/>
+          <a:p>
+            <a:pPr lvl="0" rtl="0" algn="ctr">
+              <a:spcBef>
+                <a:spcPts val="0"/>
+              </a:spcBef>
+              <a:buNone/>
+            </a:pPr>
+            <a:r>
+              <a:rPr lang="en" sz="1300">
+                <a:solidFill>
+                  <a:srgbClr val="FFFFFF"/>
+                </a:solidFill>
+              </a:rPr>
+              <a:t>Employee Page</a:t>
+            </a:r>
+          </a:p>
+        </p:txBody>
+      </p:sp>
+      <p:sp>
+        <p:nvSpPr>
+          <p:cNvPr id="90" name="Shape 90"/>
+          <p:cNvSpPr/>
+          <p:nvPr/>
+        </p:nvSpPr>
+        <p:spPr>
+          <a:xfrm>
+            <a:off x="4803300" y="2617955"/>
+            <a:ext cx="1361100" cy="482999"/>
+          </a:xfrm>
+          <a:prstGeom prst="rect">
+            <a:avLst/>
+          </a:prstGeom>
+          <a:solidFill>
+            <a:schemeClr val="dk1"/>
+          </a:solidFill>
+          <a:ln cap="flat" cmpd="sng" w="9525">
+            <a:solidFill>
+              <a:schemeClr val="dk2"/>
+            </a:solidFill>
+            <a:prstDash val="solid"/>
+            <a:round/>
+            <a:headEnd len="med" w="med" type="none"/>
+            <a:tailEnd len="med" w="med" type="none"/>
+          </a:ln>
+        </p:spPr>
+        <p:txBody>
+          <a:bodyPr anchorCtr="0" anchor="ctr" bIns="91425" lIns="91425" rIns="91425" tIns="91425">
+            <a:noAutofit/>
+          </a:bodyPr>
+          <a:lstStyle/>
+          <a:p>
+            <a:pPr lvl="0" rtl="0" algn="ctr">
+              <a:spcBef>
+                <a:spcPts val="0"/>
+              </a:spcBef>
+              <a:buNone/>
+            </a:pPr>
+            <a:r>
+              <a:rPr lang="en" sz="1300">
+                <a:solidFill>
+                  <a:srgbClr val="FFFFFF"/>
+                </a:solidFill>
+              </a:rPr>
+              <a:t>RFEs I Requested </a:t>
+            </a:r>
+          </a:p>
+        </p:txBody>
+      </p:sp>
+      <p:sp>
+        <p:nvSpPr>
+          <p:cNvPr id="91" name="Shape 91"/>
+          <p:cNvSpPr/>
+          <p:nvPr/>
+        </p:nvSpPr>
+        <p:spPr>
+          <a:xfrm>
+            <a:off x="4803300" y="2134975"/>
+            <a:ext cx="1361100" cy="482999"/>
+          </a:xfrm>
+          <a:prstGeom prst="rect">
+            <a:avLst/>
+          </a:prstGeom>
+          <a:solidFill>
+            <a:schemeClr val="accent5"/>
+          </a:solidFill>
+          <a:ln cap="flat" cmpd="sng" w="9525">
+            <a:solidFill>
+              <a:schemeClr val="dk2"/>
+            </a:solidFill>
+            <a:prstDash val="solid"/>
+            <a:round/>
+            <a:headEnd len="med" w="med" type="none"/>
+            <a:tailEnd len="med" w="med" type="none"/>
+          </a:ln>
+        </p:spPr>
+        <p:txBody>
+          <a:bodyPr anchorCtr="0" anchor="ctr" bIns="91425" lIns="91425" rIns="91425" tIns="91425">
+            <a:noAutofit/>
+          </a:bodyPr>
+          <a:lstStyle/>
+          <a:p>
+            <a:pPr lvl="0" rtl="0" algn="ctr">
+              <a:spcBef>
+                <a:spcPts val="0"/>
+              </a:spcBef>
+              <a:buNone/>
+            </a:pPr>
+            <a:r>
+              <a:rPr lang="en" sz="1300">
+                <a:solidFill>
+                  <a:srgbClr val="FFFFFF"/>
+                </a:solidFill>
+              </a:rPr>
+              <a:t>All My RFEs Page</a:t>
+            </a:r>
+          </a:p>
+        </p:txBody>
+      </p:sp>
+      <p:sp>
+        <p:nvSpPr>
+          <p:cNvPr id="92" name="Shape 92"/>
+          <p:cNvSpPr/>
+          <p:nvPr/>
+        </p:nvSpPr>
+        <p:spPr>
+          <a:xfrm>
+            <a:off x="4803300" y="3108055"/>
+            <a:ext cx="1361100" cy="482999"/>
+          </a:xfrm>
+          <a:prstGeom prst="rect">
+            <a:avLst/>
+          </a:prstGeom>
+          <a:solidFill>
+            <a:schemeClr val="dk1"/>
+          </a:solidFill>
+          <a:ln cap="flat" cmpd="sng" w="9525">
+            <a:solidFill>
+              <a:schemeClr val="dk2"/>
+            </a:solidFill>
+            <a:prstDash val="solid"/>
+            <a:round/>
+            <a:headEnd len="med" w="med" type="none"/>
+            <a:tailEnd len="med" w="med" type="none"/>
+          </a:ln>
+        </p:spPr>
+        <p:txBody>
+          <a:bodyPr anchorCtr="0" anchor="ctr" bIns="91425" lIns="91425" rIns="91425" tIns="91425">
+            <a:noAutofit/>
+          </a:bodyPr>
+          <a:lstStyle/>
+          <a:p>
+            <a:pPr lvl="0" rtl="0" algn="ctr">
+              <a:spcBef>
+                <a:spcPts val="0"/>
+              </a:spcBef>
+              <a:buNone/>
+            </a:pPr>
+            <a:r>
+              <a:rPr lang="en" sz="1300">
+                <a:solidFill>
+                  <a:srgbClr val="FFFFFF"/>
+                </a:solidFill>
+              </a:rPr>
+              <a:t>RFEs needing my approval</a:t>
+            </a:r>
+          </a:p>
+        </p:txBody>
+      </p:sp>
+      <p:sp>
+        <p:nvSpPr>
+          <p:cNvPr id="93" name="Shape 93"/>
+          <p:cNvSpPr/>
+          <p:nvPr/>
+        </p:nvSpPr>
+        <p:spPr>
+          <a:xfrm>
+            <a:off x="4803300" y="3583955"/>
+            <a:ext cx="1361100" cy="482999"/>
+          </a:xfrm>
+          <a:prstGeom prst="rect">
+            <a:avLst/>
+          </a:prstGeom>
+          <a:solidFill>
+            <a:schemeClr val="dk1"/>
+          </a:solidFill>
+          <a:ln cap="flat" cmpd="sng" w="9525">
+            <a:solidFill>
+              <a:schemeClr val="dk2"/>
+            </a:solidFill>
+            <a:prstDash val="solid"/>
+            <a:round/>
+            <a:headEnd len="med" w="med" type="none"/>
+            <a:tailEnd len="med" w="med" type="none"/>
+          </a:ln>
+        </p:spPr>
+        <p:txBody>
+          <a:bodyPr anchorCtr="0" anchor="ctr" bIns="91425" lIns="91425" rIns="91425" tIns="91425">
+            <a:noAutofit/>
+          </a:bodyPr>
+          <a:lstStyle/>
+          <a:p>
+            <a:pPr lvl="0" rtl="0" algn="ctr">
+              <a:spcBef>
+                <a:spcPts val="0"/>
+              </a:spcBef>
+              <a:buNone/>
+            </a:pPr>
+            <a:r>
+              <a:rPr lang="en" sz="1300">
+                <a:solidFill>
+                  <a:srgbClr val="FFFFFF"/>
+                </a:solidFill>
+              </a:rPr>
+              <a:t>RFEs where I’m a Contact</a:t>
+            </a:r>
+          </a:p>
+        </p:txBody>
+      </p:sp>
+      <p:sp>
+        <p:nvSpPr>
+          <p:cNvPr id="94" name="Shape 94"/>
+          <p:cNvSpPr/>
+          <p:nvPr/>
+        </p:nvSpPr>
+        <p:spPr>
+          <a:xfrm>
+            <a:off x="6263200" y="2617955"/>
+            <a:ext cx="1361100" cy="482999"/>
+          </a:xfrm>
+          <a:prstGeom prst="rect">
+            <a:avLst/>
+          </a:prstGeom>
+          <a:solidFill>
+            <a:schemeClr val="dk1"/>
+          </a:solidFill>
+          <a:ln cap="flat" cmpd="sng" w="9525">
+            <a:solidFill>
+              <a:schemeClr val="dk2"/>
+            </a:solidFill>
+            <a:prstDash val="solid"/>
+            <a:round/>
+            <a:headEnd len="med" w="med" type="none"/>
+            <a:tailEnd len="med" w="med" type="none"/>
+          </a:ln>
+        </p:spPr>
+        <p:txBody>
+          <a:bodyPr anchorCtr="0" anchor="ctr" bIns="91425" lIns="91425" rIns="91425" tIns="91425">
+            <a:noAutofit/>
+          </a:bodyPr>
+          <a:lstStyle/>
+          <a:p>
+            <a:pPr lvl="0" rtl="0" algn="ctr">
+              <a:spcBef>
+                <a:spcPts val="0"/>
+              </a:spcBef>
+              <a:buNone/>
+            </a:pPr>
+            <a:r>
+              <a:rPr lang="en" sz="1300">
+                <a:solidFill>
+                  <a:srgbClr val="FFFFFF"/>
+                </a:solidFill>
+              </a:rPr>
+              <a:t>RFEs needing my approval</a:t>
+            </a:r>
+          </a:p>
+        </p:txBody>
+      </p:sp>
+      <p:sp>
+        <p:nvSpPr>
+          <p:cNvPr id="95" name="Shape 95"/>
+          <p:cNvSpPr/>
+          <p:nvPr/>
+        </p:nvSpPr>
+        <p:spPr>
+          <a:xfrm>
+            <a:off x="6263200" y="2134975"/>
+            <a:ext cx="1361100" cy="482999"/>
+          </a:xfrm>
+          <a:prstGeom prst="rect">
+            <a:avLst/>
+          </a:prstGeom>
+          <a:solidFill>
+            <a:schemeClr val="accent5"/>
+          </a:solidFill>
+          <a:ln cap="flat" cmpd="sng" w="9525">
+            <a:solidFill>
+              <a:schemeClr val="dk2"/>
+            </a:solidFill>
+            <a:prstDash val="solid"/>
+            <a:round/>
+            <a:headEnd len="med" w="med" type="none"/>
+            <a:tailEnd len="med" w="med" type="none"/>
+          </a:ln>
+        </p:spPr>
+        <p:txBody>
+          <a:bodyPr anchorCtr="0" anchor="ctr" bIns="91425" lIns="91425" rIns="91425" tIns="91425">
+            <a:noAutofit/>
+          </a:bodyPr>
+          <a:lstStyle/>
+          <a:p>
+            <a:pPr lvl="0" rtl="0" algn="ctr">
+              <a:spcBef>
+                <a:spcPts val="0"/>
+              </a:spcBef>
+              <a:buNone/>
+            </a:pPr>
+            <a:r>
+              <a:rPr lang="en" sz="1300">
+                <a:solidFill>
+                  <a:srgbClr val="FFFFFF"/>
+                </a:solidFill>
+              </a:rPr>
+              <a:t>Pending</a:t>
+            </a:r>
+          </a:p>
+        </p:txBody>
+      </p:sp>
+      <p:sp>
+        <p:nvSpPr>
+          <p:cNvPr id="96" name="Shape 96"/>
+          <p:cNvSpPr/>
+          <p:nvPr/>
+        </p:nvSpPr>
+        <p:spPr>
+          <a:xfrm>
+            <a:off x="7723100" y="2617968"/>
+            <a:ext cx="1361100" cy="482999"/>
+          </a:xfrm>
+          <a:prstGeom prst="rect">
+            <a:avLst/>
+          </a:prstGeom>
+          <a:solidFill>
+            <a:schemeClr val="dk1"/>
+          </a:solidFill>
+          <a:ln cap="flat" cmpd="sng" w="9525">
+            <a:solidFill>
+              <a:schemeClr val="dk2"/>
+            </a:solidFill>
+            <a:prstDash val="solid"/>
+            <a:round/>
+            <a:headEnd len="med" w="med" type="none"/>
+            <a:tailEnd len="med" w="med" type="none"/>
+          </a:ln>
+        </p:spPr>
+        <p:txBody>
+          <a:bodyPr anchorCtr="0" anchor="ctr" bIns="91425" lIns="91425" rIns="91425" tIns="91425">
+            <a:noAutofit/>
+          </a:bodyPr>
+          <a:lstStyle/>
+          <a:p>
+            <a:pPr lvl="0" rtl="0" algn="ctr">
+              <a:spcBef>
+                <a:spcPts val="0"/>
+              </a:spcBef>
+              <a:buNone/>
+            </a:pPr>
+            <a:r>
+              <a:rPr lang="en" sz="1300">
+                <a:solidFill>
+                  <a:srgbClr val="FFFFFF"/>
+                </a:solidFill>
+              </a:rPr>
+              <a:t>RFEs I Requested </a:t>
+            </a:r>
+          </a:p>
+        </p:txBody>
+      </p:sp>
+      <p:sp>
+        <p:nvSpPr>
+          <p:cNvPr id="97" name="Shape 97"/>
+          <p:cNvSpPr/>
+          <p:nvPr/>
+        </p:nvSpPr>
+        <p:spPr>
+          <a:xfrm>
+            <a:off x="7723100" y="2134987"/>
+            <a:ext cx="1361100" cy="482999"/>
+          </a:xfrm>
+          <a:prstGeom prst="rect">
+            <a:avLst/>
+          </a:prstGeom>
+          <a:solidFill>
+            <a:schemeClr val="accent5"/>
+          </a:solidFill>
+          <a:ln cap="flat" cmpd="sng" w="9525">
+            <a:solidFill>
+              <a:schemeClr val="dk2"/>
+            </a:solidFill>
+            <a:prstDash val="solid"/>
+            <a:round/>
+            <a:headEnd len="med" w="med" type="none"/>
+            <a:tailEnd len="med" w="med" type="none"/>
+          </a:ln>
+        </p:spPr>
+        <p:txBody>
+          <a:bodyPr anchorCtr="0" anchor="ctr" bIns="91425" lIns="91425" rIns="91425" tIns="91425">
+            <a:noAutofit/>
+          </a:bodyPr>
+          <a:lstStyle/>
+          <a:p>
+            <a:pPr lvl="0" rtl="0" algn="ctr">
+              <a:spcBef>
+                <a:spcPts val="0"/>
+              </a:spcBef>
+              <a:buNone/>
+            </a:pPr>
+            <a:r>
+              <a:rPr lang="en" sz="1300">
+                <a:solidFill>
+                  <a:srgbClr val="FFFFFF"/>
+                </a:solidFill>
+              </a:rPr>
+              <a:t>Requested</a:t>
+            </a:r>
+          </a:p>
+        </p:txBody>
+      </p:sp>
+      <p:sp>
+        <p:nvSpPr>
+          <p:cNvPr id="98" name="Shape 98"/>
+          <p:cNvSpPr/>
+          <p:nvPr/>
+        </p:nvSpPr>
+        <p:spPr>
+          <a:xfrm>
+            <a:off x="145650" y="2138275"/>
+            <a:ext cx="935400" cy="482999"/>
+          </a:xfrm>
+          <a:prstGeom prst="rect">
+            <a:avLst/>
+          </a:prstGeom>
+          <a:solidFill>
+            <a:schemeClr val="accent5"/>
+          </a:solidFill>
+          <a:ln cap="flat" cmpd="sng" w="9525">
+            <a:solidFill>
+              <a:schemeClr val="dk2"/>
+            </a:solidFill>
+            <a:prstDash val="solid"/>
+            <a:round/>
+            <a:headEnd len="med" w="med" type="none"/>
+            <a:tailEnd len="med" w="med" type="none"/>
+          </a:ln>
+        </p:spPr>
+        <p:txBody>
+          <a:bodyPr anchorCtr="0" anchor="ctr" bIns="91425" lIns="91425" rIns="91425" tIns="91425">
+            <a:noAutofit/>
+          </a:bodyPr>
+          <a:lstStyle/>
+          <a:p>
+            <a:pPr lvl="0" rtl="0" algn="ctr">
+              <a:spcBef>
+                <a:spcPts val="0"/>
+              </a:spcBef>
+              <a:buNone/>
+            </a:pPr>
+            <a:r>
+              <a:rPr lang="en" sz="1300">
+                <a:solidFill>
+                  <a:srgbClr val="FFFFFF"/>
+                </a:solidFill>
+              </a:rPr>
+              <a:t>Sign in Page</a:t>
+            </a:r>
+          </a:p>
+        </p:txBody>
+      </p:sp>
     </p:spTree>
   </p:cSld>
   <p:clrMapOvr>
@@ -7460,7 +9723,7 @@
   <p:cSld>
     <p:spTree>
       <p:nvGrpSpPr>
-        <p:cNvPr id="85" name="Shape 85"/>
+        <p:cNvPr id="102" name="Shape 102"/>
         <p:cNvGrpSpPr/>
         <p:nvPr/>
       </p:nvGrpSpPr>
@@ -7474,7 +9737,7 @@
       </p:grpSpPr>
       <p:pic>
         <p:nvPicPr>
-          <p:cNvPr id="86" name="Shape 86"/>
+          <p:cNvPr id="103" name="Shape 103"/>
           <p:cNvPicPr preferRelativeResize="0"/>
           <p:nvPr/>
         </p:nvPicPr>
@@ -7488,8 +9751,8 @@
         </p:blipFill>
         <p:spPr>
           <a:xfrm>
-            <a:off x="0" y="393410"/>
-            <a:ext cx="9144001" cy="4356678"/>
+            <a:off x="0" y="371743"/>
+            <a:ext cx="9144001" cy="4400013"/>
           </a:xfrm>
           <a:prstGeom prst="rect">
             <a:avLst/>
@@ -7516,7 +9779,7 @@
   <p:cSld>
     <p:spTree>
       <p:nvGrpSpPr>
-        <p:cNvPr id="90" name="Shape 90"/>
+        <p:cNvPr id="107" name="Shape 107"/>
         <p:cNvGrpSpPr/>
         <p:nvPr/>
       </p:nvGrpSpPr>
@@ -7530,7 +9793,7 @@
       </p:grpSpPr>
       <p:pic>
         <p:nvPicPr>
-          <p:cNvPr id="91" name="Shape 91"/>
+          <p:cNvPr id="108" name="Shape 108"/>
           <p:cNvPicPr preferRelativeResize="0"/>
           <p:nvPr/>
         </p:nvPicPr>
@@ -7544,8 +9807,8 @@
         </p:blipFill>
         <p:spPr>
           <a:xfrm>
-            <a:off x="-43975" y="375326"/>
-            <a:ext cx="9144001" cy="4392847"/>
+            <a:off x="0" y="393410"/>
+            <a:ext cx="9144001" cy="4356678"/>
           </a:xfrm>
           <a:prstGeom prst="rect">
             <a:avLst/>
@@ -7572,7 +9835,7 @@
   <p:cSld>
     <p:spTree>
       <p:nvGrpSpPr>
-        <p:cNvPr id="95" name="Shape 95"/>
+        <p:cNvPr id="112" name="Shape 112"/>
         <p:cNvGrpSpPr/>
         <p:nvPr/>
       </p:nvGrpSpPr>
@@ -7586,7 +9849,7 @@
       </p:grpSpPr>
       <p:pic>
         <p:nvPicPr>
-          <p:cNvPr id="96" name="Shape 96"/>
+          <p:cNvPr id="113" name="Shape 113"/>
           <p:cNvPicPr preferRelativeResize="0"/>
           <p:nvPr/>
         </p:nvPicPr>
@@ -7600,8 +9863,8 @@
         </p:blipFill>
         <p:spPr>
           <a:xfrm>
-            <a:off x="0" y="391533"/>
-            <a:ext cx="9144000" cy="4360433"/>
+            <a:off x="-43975" y="375326"/>
+            <a:ext cx="9144001" cy="4392847"/>
           </a:xfrm>
           <a:prstGeom prst="rect">
             <a:avLst/>
@@ -7624,6 +9887,285 @@
 </file>
 
 <file path=ppt/theme/theme1.xml><?xml version="1.0" encoding="utf-8"?>
+<a:theme xmlns:a="http://schemas.openxmlformats.org/drawingml/2006/main" xmlns:r="http://schemas.openxmlformats.org/officeDocument/2006/relationships" name="Custom Theme">
+  <a:themeElements>
+    <a:clrScheme name="Default">
+      <a:dk1>
+        <a:srgbClr val="000000"/>
+      </a:dk1>
+      <a:lt1>
+        <a:srgbClr val="FFFFFF"/>
+      </a:lt1>
+      <a:dk2>
+        <a:srgbClr val="158158"/>
+      </a:dk2>
+      <a:lt2>
+        <a:srgbClr val="F3F3F3"/>
+      </a:lt2>
+      <a:accent1>
+        <a:srgbClr val="058DC7"/>
+      </a:accent1>
+      <a:accent2>
+        <a:srgbClr val="50B432"/>
+      </a:accent2>
+      <a:accent3>
+        <a:srgbClr val="ED561B"/>
+      </a:accent3>
+      <a:accent4>
+        <a:srgbClr val="EDEF00"/>
+      </a:accent4>
+      <a:accent5>
+        <a:srgbClr val="24CBE5"/>
+      </a:accent5>
+      <a:accent6>
+        <a:srgbClr val="64E572"/>
+      </a:accent6>
+      <a:hlink>
+        <a:srgbClr val="2200CC"/>
+      </a:hlink>
+      <a:folHlink>
+        <a:srgbClr val="551A8B"/>
+      </a:folHlink>
+    </a:clrScheme>
+    <a:fontScheme name="Office">
+      <a:majorFont>
+        <a:latin typeface="Arial"/>
+        <a:ea typeface=""/>
+        <a:cs typeface=""/>
+        <a:font script="Jpan" typeface="ＭＳ Ｐゴシック"/>
+        <a:font script="Hang" typeface="맑은 고딕"/>
+        <a:font script="Hans" typeface="宋体"/>
+        <a:font script="Hant" typeface="新細明體"/>
+        <a:font script="Arab" typeface="Times New Roman"/>
+        <a:font script="Hebr" typeface="Times New Roman"/>
+        <a:font script="Thai" typeface="Angsana New"/>
+        <a:font script="Ethi" typeface="Nyala"/>
+        <a:font script="Beng" typeface="Vrinda"/>
+        <a:font script="Gujr" typeface="Shruti"/>
+        <a:font script="Khmr" typeface="MoolBoran"/>
+        <a:font script="Knda" typeface="Tunga"/>
+        <a:font script="Guru" typeface="Raavi"/>
+        <a:font script="Cans" typeface="Euphemia"/>
+        <a:font script="Cher" typeface="Plantagenet Cherokee"/>
+        <a:font script="Yiii" typeface="Microsoft Yi Baiti"/>
+        <a:font script="Tibt" typeface="Microsoft Himalaya"/>
+        <a:font script="Thaa" typeface="MV Boli"/>
+        <a:font script="Deva" typeface="Mangal"/>
+        <a:font script="Telu" typeface="Gautami"/>
+        <a:font script="Taml" typeface="Latha"/>
+        <a:font script="Syrc" typeface="Estrangelo Edessa"/>
+        <a:font script="Orya" typeface="Kalinga"/>
+        <a:font script="Mlym" typeface="Kartika"/>
+        <a:font script="Laoo" typeface="DokChampa"/>
+        <a:font script="Sinh" typeface="Iskoola Pota"/>
+        <a:font script="Mong" typeface="Mongolian Baiti"/>
+        <a:font script="Viet" typeface="Times New Roman"/>
+        <a:font script="Uigh" typeface="Microsoft Uighur"/>
+        <a:font script="Geor" typeface="Sylfaen"/>
+      </a:majorFont>
+      <a:minorFont>
+        <a:latin typeface="Arial"/>
+        <a:ea typeface=""/>
+        <a:cs typeface=""/>
+        <a:font script="Jpan" typeface="ＭＳ Ｐゴシック"/>
+        <a:font script="Hang" typeface="맑은 고딕"/>
+        <a:font script="Hans" typeface="宋体"/>
+        <a:font script="Hant" typeface="新細明體"/>
+        <a:font script="Arab" typeface="Arial"/>
+        <a:font script="Hebr" typeface="Arial"/>
+        <a:font script="Thai" typeface="Cordia New"/>
+        <a:font script="Ethi" typeface="Nyala"/>
+        <a:font script="Beng" typeface="Vrinda"/>
+        <a:font script="Gujr" typeface="Shruti"/>
+        <a:font script="Khmr" typeface="DaunPenh"/>
+        <a:font script="Knda" typeface="Tunga"/>
+        <a:font script="Guru" typeface="Raavi"/>
+        <a:font script="Cans" typeface="Euphemia"/>
+        <a:font script="Cher" typeface="Plantagenet Cherokee"/>
+        <a:font script="Yiii" typeface="Microsoft Yi Baiti"/>
+        <a:font script="Tibt" typeface="Microsoft Himalaya"/>
+        <a:font script="Thaa" typeface="MV Boli"/>
+        <a:font script="Deva" typeface="Mangal"/>
+        <a:font script="Telu" typeface="Gautami"/>
+        <a:font script="Taml" typeface="Latha"/>
+        <a:font script="Syrc" typeface="Estrangelo Edessa"/>
+        <a:font script="Orya" typeface="Kalinga"/>
+        <a:font script="Mlym" typeface="Kartika"/>
+        <a:font script="Laoo" typeface="DokChampa"/>
+        <a:font script="Sinh" typeface="Iskoola Pota"/>
+        <a:font script="Mong" typeface="Mongolian Baiti"/>
+        <a:font script="Viet" typeface="Arial"/>
+        <a:font script="Uigh" typeface="Microsoft Uighur"/>
+        <a:font script="Geor" typeface="Sylfaen"/>
+      </a:minorFont>
+    </a:fontScheme>
+    <a:fmtScheme name="Office">
+      <a:fillStyleLst>
+        <a:solidFill>
+          <a:schemeClr val="phClr"/>
+        </a:solidFill>
+        <a:gradFill rotWithShape="1">
+          <a:gsLst>
+            <a:gs pos="0">
+              <a:schemeClr val="phClr">
+                <a:tint val="50000"/>
+                <a:satMod val="300000"/>
+              </a:schemeClr>
+            </a:gs>
+            <a:gs pos="35000">
+              <a:schemeClr val="phClr">
+                <a:tint val="37000"/>
+                <a:satMod val="300000"/>
+              </a:schemeClr>
+            </a:gs>
+            <a:gs pos="100000">
+              <a:schemeClr val="phClr">
+                <a:tint val="15000"/>
+                <a:satMod val="350000"/>
+              </a:schemeClr>
+            </a:gs>
+          </a:gsLst>
+          <a:lin ang="16200000" scaled="1"/>
+        </a:gradFill>
+        <a:gradFill rotWithShape="1">
+          <a:gsLst>
+            <a:gs pos="0">
+              <a:schemeClr val="phClr">
+                <a:tint val="100000"/>
+                <a:shade val="100000"/>
+                <a:satMod val="130000"/>
+              </a:schemeClr>
+            </a:gs>
+            <a:gs pos="100000">
+              <a:schemeClr val="phClr">
+                <a:tint val="50000"/>
+                <a:shade val="100000"/>
+                <a:satMod val="350000"/>
+              </a:schemeClr>
+            </a:gs>
+          </a:gsLst>
+          <a:lin ang="16200000" scaled="0"/>
+        </a:gradFill>
+      </a:fillStyleLst>
+      <a:lnStyleLst>
+        <a:ln w="9525" cap="flat" cmpd="sng" algn="ctr">
+          <a:solidFill>
+            <a:schemeClr val="phClr">
+              <a:shade val="95000"/>
+              <a:satMod val="105000"/>
+            </a:schemeClr>
+          </a:solidFill>
+          <a:prstDash val="solid"/>
+        </a:ln>
+        <a:ln w="25400" cap="flat" cmpd="sng" algn="ctr">
+          <a:solidFill>
+            <a:schemeClr val="phClr"/>
+          </a:solidFill>
+          <a:prstDash val="solid"/>
+        </a:ln>
+        <a:ln w="38100" cap="flat" cmpd="sng" algn="ctr">
+          <a:solidFill>
+            <a:schemeClr val="phClr"/>
+          </a:solidFill>
+          <a:prstDash val="solid"/>
+        </a:ln>
+      </a:lnStyleLst>
+      <a:effectStyleLst>
+        <a:effectStyle>
+          <a:effectLst>
+            <a:outerShdw blurRad="40000" dist="20000" dir="5400000" rotWithShape="0">
+              <a:srgbClr val="000000">
+                <a:alpha val="38000"/>
+              </a:srgbClr>
+            </a:outerShdw>
+          </a:effectLst>
+        </a:effectStyle>
+        <a:effectStyle>
+          <a:effectLst>
+            <a:outerShdw blurRad="40000" dist="23000" dir="5400000" rotWithShape="0">
+              <a:srgbClr val="000000">
+                <a:alpha val="35000"/>
+              </a:srgbClr>
+            </a:outerShdw>
+          </a:effectLst>
+        </a:effectStyle>
+        <a:effectStyle>
+          <a:effectLst>
+            <a:outerShdw blurRad="40000" dist="23000" dir="5400000" rotWithShape="0">
+              <a:srgbClr val="000000">
+                <a:alpha val="35000"/>
+              </a:srgbClr>
+            </a:outerShdw>
+          </a:effectLst>
+          <a:scene3d>
+            <a:camera prst="orthographicFront">
+              <a:rot lat="0" lon="0" rev="0"/>
+            </a:camera>
+            <a:lightRig rig="threePt" dir="t">
+              <a:rot lat="0" lon="0" rev="1200000"/>
+            </a:lightRig>
+          </a:scene3d>
+          <a:sp3d>
+            <a:bevelT w="63500" h="25400"/>
+          </a:sp3d>
+        </a:effectStyle>
+      </a:effectStyleLst>
+      <a:bgFillStyleLst>
+        <a:solidFill>
+          <a:schemeClr val="phClr"/>
+        </a:solidFill>
+        <a:gradFill rotWithShape="1">
+          <a:gsLst>
+            <a:gs pos="0">
+              <a:schemeClr val="phClr">
+                <a:tint val="40000"/>
+                <a:satMod val="350000"/>
+              </a:schemeClr>
+            </a:gs>
+            <a:gs pos="40000">
+              <a:schemeClr val="phClr">
+                <a:tint val="45000"/>
+                <a:shade val="99000"/>
+                <a:satMod val="350000"/>
+              </a:schemeClr>
+            </a:gs>
+            <a:gs pos="100000">
+              <a:schemeClr val="phClr">
+                <a:shade val="20000"/>
+                <a:satMod val="255000"/>
+              </a:schemeClr>
+            </a:gs>
+          </a:gsLst>
+          <a:path path="circle">
+            <a:fillToRect l="50000" t="-80000" r="50000" b="180000"/>
+          </a:path>
+        </a:gradFill>
+        <a:gradFill rotWithShape="1">
+          <a:gsLst>
+            <a:gs pos="0">
+              <a:schemeClr val="phClr">
+                <a:tint val="80000"/>
+                <a:satMod val="300000"/>
+              </a:schemeClr>
+            </a:gs>
+            <a:gs pos="100000">
+              <a:schemeClr val="phClr">
+                <a:shade val="30000"/>
+                <a:satMod val="200000"/>
+              </a:schemeClr>
+            </a:gs>
+          </a:gsLst>
+          <a:path path="circle">
+            <a:fillToRect l="50000" t="50000" r="50000" b="50000"/>
+          </a:path>
+        </a:gradFill>
+      </a:bgFillStyleLst>
+    </a:fmtScheme>
+  </a:themeElements>
+</a:theme>
+</file>
+
+<file path=ppt/theme/theme2.xml><?xml version="1.0" encoding="utf-8"?>
 <a:theme xmlns:a="http://schemas.openxmlformats.org/drawingml/2006/main" xmlns:r="http://schemas.openxmlformats.org/officeDocument/2006/relationships" name="coral">
   <a:themeElements>
     <a:clrScheme name="Coral">
@@ -7900,283 +10442,4 @@
     </a:fmtScheme>
   </a:themeElements>
 </a:theme>
-</file>
-
-<file path=ppt/theme/theme2.xml><?xml version="1.0" encoding="utf-8"?>
-<a:theme xmlns:a="http://schemas.openxmlformats.org/drawingml/2006/main" xmlns:r="http://schemas.openxmlformats.org/officeDocument/2006/relationships" name="Custom Theme">
-  <a:themeElements>
-    <a:clrScheme name="Default">
-      <a:dk1>
-        <a:srgbClr val="000000"/>
-      </a:dk1>
-      <a:lt1>
-        <a:srgbClr val="FFFFFF"/>
-      </a:lt1>
-      <a:dk2>
-        <a:srgbClr val="158158"/>
-      </a:dk2>
-      <a:lt2>
-        <a:srgbClr val="F3F3F3"/>
-      </a:lt2>
-      <a:accent1>
-        <a:srgbClr val="058DC7"/>
-      </a:accent1>
-      <a:accent2>
-        <a:srgbClr val="50B432"/>
-      </a:accent2>
-      <a:accent3>
-        <a:srgbClr val="ED561B"/>
-      </a:accent3>
-      <a:accent4>
-        <a:srgbClr val="EDEF00"/>
-      </a:accent4>
-      <a:accent5>
-        <a:srgbClr val="24CBE5"/>
-      </a:accent5>
-      <a:accent6>
-        <a:srgbClr val="64E572"/>
-      </a:accent6>
-      <a:hlink>
-        <a:srgbClr val="2200CC"/>
-      </a:hlink>
-      <a:folHlink>
-        <a:srgbClr val="551A8B"/>
-      </a:folHlink>
-    </a:clrScheme>
-    <a:fontScheme name="Office">
-      <a:majorFont>
-        <a:latin typeface="Arial"/>
-        <a:ea typeface=""/>
-        <a:cs typeface=""/>
-        <a:font script="Jpan" typeface="ＭＳ Ｐゴシック"/>
-        <a:font script="Hang" typeface="맑은 고딕"/>
-        <a:font script="Hans" typeface="宋体"/>
-        <a:font script="Hant" typeface="新細明體"/>
-        <a:font script="Arab" typeface="Times New Roman"/>
-        <a:font script="Hebr" typeface="Times New Roman"/>
-        <a:font script="Thai" typeface="Angsana New"/>
-        <a:font script="Ethi" typeface="Nyala"/>
-        <a:font script="Beng" typeface="Vrinda"/>
-        <a:font script="Gujr" typeface="Shruti"/>
-        <a:font script="Khmr" typeface="MoolBoran"/>
-        <a:font script="Knda" typeface="Tunga"/>
-        <a:font script="Guru" typeface="Raavi"/>
-        <a:font script="Cans" typeface="Euphemia"/>
-        <a:font script="Cher" typeface="Plantagenet Cherokee"/>
-        <a:font script="Yiii" typeface="Microsoft Yi Baiti"/>
-        <a:font script="Tibt" typeface="Microsoft Himalaya"/>
-        <a:font script="Thaa" typeface="MV Boli"/>
-        <a:font script="Deva" typeface="Mangal"/>
-        <a:font script="Telu" typeface="Gautami"/>
-        <a:font script="Taml" typeface="Latha"/>
-        <a:font script="Syrc" typeface="Estrangelo Edessa"/>
-        <a:font script="Orya" typeface="Kalinga"/>
-        <a:font script="Mlym" typeface="Kartika"/>
-        <a:font script="Laoo" typeface="DokChampa"/>
-        <a:font script="Sinh" typeface="Iskoola Pota"/>
-        <a:font script="Mong" typeface="Mongolian Baiti"/>
-        <a:font script="Viet" typeface="Times New Roman"/>
-        <a:font script="Uigh" typeface="Microsoft Uighur"/>
-        <a:font script="Geor" typeface="Sylfaen"/>
-      </a:majorFont>
-      <a:minorFont>
-        <a:latin typeface="Arial"/>
-        <a:ea typeface=""/>
-        <a:cs typeface=""/>
-        <a:font script="Jpan" typeface="ＭＳ Ｐゴシック"/>
-        <a:font script="Hang" typeface="맑은 고딕"/>
-        <a:font script="Hans" typeface="宋体"/>
-        <a:font script="Hant" typeface="新細明體"/>
-        <a:font script="Arab" typeface="Arial"/>
-        <a:font script="Hebr" typeface="Arial"/>
-        <a:font script="Thai" typeface="Cordia New"/>
-        <a:font script="Ethi" typeface="Nyala"/>
-        <a:font script="Beng" typeface="Vrinda"/>
-        <a:font script="Gujr" typeface="Shruti"/>
-        <a:font script="Khmr" typeface="DaunPenh"/>
-        <a:font script="Knda" typeface="Tunga"/>
-        <a:font script="Guru" typeface="Raavi"/>
-        <a:font script="Cans" typeface="Euphemia"/>
-        <a:font script="Cher" typeface="Plantagenet Cherokee"/>
-        <a:font script="Yiii" typeface="Microsoft Yi Baiti"/>
-        <a:font script="Tibt" typeface="Microsoft Himalaya"/>
-        <a:font script="Thaa" typeface="MV Boli"/>
-        <a:font script="Deva" typeface="Mangal"/>
-        <a:font script="Telu" typeface="Gautami"/>
-        <a:font script="Taml" typeface="Latha"/>
-        <a:font script="Syrc" typeface="Estrangelo Edessa"/>
-        <a:font script="Orya" typeface="Kalinga"/>
-        <a:font script="Mlym" typeface="Kartika"/>
-        <a:font script="Laoo" typeface="DokChampa"/>
-        <a:font script="Sinh" typeface="Iskoola Pota"/>
-        <a:font script="Mong" typeface="Mongolian Baiti"/>
-        <a:font script="Viet" typeface="Arial"/>
-        <a:font script="Uigh" typeface="Microsoft Uighur"/>
-        <a:font script="Geor" typeface="Sylfaen"/>
-      </a:minorFont>
-    </a:fontScheme>
-    <a:fmtScheme name="Office">
-      <a:fillStyleLst>
-        <a:solidFill>
-          <a:schemeClr val="phClr"/>
-        </a:solidFill>
-        <a:gradFill rotWithShape="1">
-          <a:gsLst>
-            <a:gs pos="0">
-              <a:schemeClr val="phClr">
-                <a:tint val="50000"/>
-                <a:satMod val="300000"/>
-              </a:schemeClr>
-            </a:gs>
-            <a:gs pos="35000">
-              <a:schemeClr val="phClr">
-                <a:tint val="37000"/>
-                <a:satMod val="300000"/>
-              </a:schemeClr>
-            </a:gs>
-            <a:gs pos="100000">
-              <a:schemeClr val="phClr">
-                <a:tint val="15000"/>
-                <a:satMod val="350000"/>
-              </a:schemeClr>
-            </a:gs>
-          </a:gsLst>
-          <a:lin ang="16200000" scaled="1"/>
-        </a:gradFill>
-        <a:gradFill rotWithShape="1">
-          <a:gsLst>
-            <a:gs pos="0">
-              <a:schemeClr val="phClr">
-                <a:tint val="100000"/>
-                <a:shade val="100000"/>
-                <a:satMod val="130000"/>
-              </a:schemeClr>
-            </a:gs>
-            <a:gs pos="100000">
-              <a:schemeClr val="phClr">
-                <a:tint val="50000"/>
-                <a:shade val="100000"/>
-                <a:satMod val="350000"/>
-              </a:schemeClr>
-            </a:gs>
-          </a:gsLst>
-          <a:lin ang="16200000" scaled="0"/>
-        </a:gradFill>
-      </a:fillStyleLst>
-      <a:lnStyleLst>
-        <a:ln w="9525" cap="flat" cmpd="sng" algn="ctr">
-          <a:solidFill>
-            <a:schemeClr val="phClr">
-              <a:shade val="95000"/>
-              <a:satMod val="105000"/>
-            </a:schemeClr>
-          </a:solidFill>
-          <a:prstDash val="solid"/>
-        </a:ln>
-        <a:ln w="25400" cap="flat" cmpd="sng" algn="ctr">
-          <a:solidFill>
-            <a:schemeClr val="phClr"/>
-          </a:solidFill>
-          <a:prstDash val="solid"/>
-        </a:ln>
-        <a:ln w="38100" cap="flat" cmpd="sng" algn="ctr">
-          <a:solidFill>
-            <a:schemeClr val="phClr"/>
-          </a:solidFill>
-          <a:prstDash val="solid"/>
-        </a:ln>
-      </a:lnStyleLst>
-      <a:effectStyleLst>
-        <a:effectStyle>
-          <a:effectLst>
-            <a:outerShdw blurRad="40000" dist="20000" dir="5400000" rotWithShape="0">
-              <a:srgbClr val="000000">
-                <a:alpha val="38000"/>
-              </a:srgbClr>
-            </a:outerShdw>
-          </a:effectLst>
-        </a:effectStyle>
-        <a:effectStyle>
-          <a:effectLst>
-            <a:outerShdw blurRad="40000" dist="23000" dir="5400000" rotWithShape="0">
-              <a:srgbClr val="000000">
-                <a:alpha val="35000"/>
-              </a:srgbClr>
-            </a:outerShdw>
-          </a:effectLst>
-        </a:effectStyle>
-        <a:effectStyle>
-          <a:effectLst>
-            <a:outerShdw blurRad="40000" dist="23000" dir="5400000" rotWithShape="0">
-              <a:srgbClr val="000000">
-                <a:alpha val="35000"/>
-              </a:srgbClr>
-            </a:outerShdw>
-          </a:effectLst>
-          <a:scene3d>
-            <a:camera prst="orthographicFront">
-              <a:rot lat="0" lon="0" rev="0"/>
-            </a:camera>
-            <a:lightRig rig="threePt" dir="t">
-              <a:rot lat="0" lon="0" rev="1200000"/>
-            </a:lightRig>
-          </a:scene3d>
-          <a:sp3d>
-            <a:bevelT w="63500" h="25400"/>
-          </a:sp3d>
-        </a:effectStyle>
-      </a:effectStyleLst>
-      <a:bgFillStyleLst>
-        <a:solidFill>
-          <a:schemeClr val="phClr"/>
-        </a:solidFill>
-        <a:gradFill rotWithShape="1">
-          <a:gsLst>
-            <a:gs pos="0">
-              <a:schemeClr val="phClr">
-                <a:tint val="40000"/>
-                <a:satMod val="350000"/>
-              </a:schemeClr>
-            </a:gs>
-            <a:gs pos="40000">
-              <a:schemeClr val="phClr">
-                <a:tint val="45000"/>
-                <a:shade val="99000"/>
-                <a:satMod val="350000"/>
-              </a:schemeClr>
-            </a:gs>
-            <a:gs pos="100000">
-              <a:schemeClr val="phClr">
-                <a:shade val="20000"/>
-                <a:satMod val="255000"/>
-              </a:schemeClr>
-            </a:gs>
-          </a:gsLst>
-          <a:path path="circle">
-            <a:fillToRect l="50000" t="-80000" r="50000" b="180000"/>
-          </a:path>
-        </a:gradFill>
-        <a:gradFill rotWithShape="1">
-          <a:gsLst>
-            <a:gs pos="0">
-              <a:schemeClr val="phClr">
-                <a:tint val="80000"/>
-                <a:satMod val="300000"/>
-              </a:schemeClr>
-            </a:gs>
-            <a:gs pos="100000">
-              <a:schemeClr val="phClr">
-                <a:shade val="30000"/>
-                <a:satMod val="200000"/>
-              </a:schemeClr>
-            </a:gs>
-          </a:gsLst>
-          <a:path path="circle">
-            <a:fillToRect l="50000" t="50000" r="50000" b="50000"/>
-          </a:path>
-        </a:gradFill>
-      </a:bgFillStyleLst>
-    </a:fmtScheme>
-  </a:themeElements>
-</a:theme>
 </file>
--- a/CS347 Final Project.pptx
+++ b/CS347 Final Project.pptx
@@ -30,23 +30,24 @@
     <p:sldId id="275" r:id="rId25"/>
     <p:sldId id="276" r:id="rId26"/>
     <p:sldId id="277" r:id="rId27"/>
+    <p:sldId id="278" r:id="rId28"/>
   </p:sldIdLst>
   <p:sldSz cy="5143500" cx="9144000"/>
   <p:notesSz cx="6858000" cy="9144000"/>
   <p:embeddedFontLst>
     <p:embeddedFont>
       <p:font typeface="Playfair Display"/>
-      <p:regular r:id="rId28"/>
-      <p:bold r:id="rId29"/>
-      <p:italic r:id="rId30"/>
-      <p:boldItalic r:id="rId31"/>
+      <p:regular r:id="rId29"/>
+      <p:bold r:id="rId30"/>
+      <p:italic r:id="rId31"/>
+      <p:boldItalic r:id="rId32"/>
     </p:embeddedFont>
     <p:embeddedFont>
       <p:font typeface="Lato"/>
-      <p:regular r:id="rId32"/>
-      <p:bold r:id="rId33"/>
-      <p:italic r:id="rId34"/>
-      <p:boldItalic r:id="rId35"/>
+      <p:regular r:id="rId33"/>
+      <p:bold r:id="rId34"/>
+      <p:italic r:id="rId35"/>
+      <p:boldItalic r:id="rId36"/>
     </p:embeddedFont>
   </p:embeddedFontLst>
   <p:defaultTextStyle>
@@ -1756,7 +1757,7 @@
           </a:bodyPr>
           <a:lstStyle/>
           <a:p>
-            <a:pPr>
+            <a:pPr lvl="0" rtl="0">
               <a:spcBef>
                 <a:spcPts val="0"/>
               </a:spcBef>
@@ -1887,7 +1888,7 @@
   <p:cSld>
     <p:spTree>
       <p:nvGrpSpPr>
-        <p:cNvPr id="196" name="Shape 196"/>
+        <p:cNvPr id="199" name="Shape 199"/>
         <p:cNvGrpSpPr/>
         <p:nvPr/>
       </p:nvGrpSpPr>
@@ -1901,7 +1902,7 @@
       </p:grpSpPr>
       <p:sp>
         <p:nvSpPr>
-          <p:cNvPr id="197" name="Shape 197"/>
+          <p:cNvPr id="200" name="Shape 200"/>
           <p:cNvSpPr/>
           <p:nvPr>
             <p:ph idx="2" type="sldImg"/>
@@ -1945,7 +1946,112 @@
       </p:sp>
       <p:sp>
         <p:nvSpPr>
-          <p:cNvPr id="198" name="Shape 198"/>
+          <p:cNvPr id="201" name="Shape 201"/>
+          <p:cNvSpPr txBox="1"/>
+          <p:nvPr>
+            <p:ph idx="1" type="body"/>
+          </p:nvPr>
+        </p:nvSpPr>
+        <p:spPr>
+          <a:xfrm>
+            <a:off x="685800" y="4343400"/>
+            <a:ext cx="5486399" cy="4114800"/>
+          </a:xfrm>
+          <a:prstGeom prst="rect">
+            <a:avLst/>
+          </a:prstGeom>
+        </p:spPr>
+        <p:txBody>
+          <a:bodyPr anchorCtr="0" anchor="t" bIns="91425" lIns="91425" rIns="91425" tIns="91425">
+            <a:noAutofit/>
+          </a:bodyPr>
+          <a:lstStyle/>
+          <a:p>
+            <a:pPr>
+              <a:spcBef>
+                <a:spcPts val="0"/>
+              </a:spcBef>
+              <a:buNone/>
+            </a:pPr>
+            <a:r>
+              <a:t/>
+            </a:r>
+            <a:endParaRPr/>
+          </a:p>
+        </p:txBody>
+      </p:sp>
+    </p:spTree>
+  </p:cSld>
+  <p:clrMapOvr>
+    <a:masterClrMapping/>
+  </p:clrMapOvr>
+</p:notes>
+</file>
+
+<file path=ppt/notesSlides/notesSlide23.xml><?xml version="1.0" encoding="utf-8"?>
+<p:notes xmlns:a="http://schemas.openxmlformats.org/drawingml/2006/main" xmlns:r="http://schemas.openxmlformats.org/officeDocument/2006/relationships" xmlns:mc="http://schemas.openxmlformats.org/markup-compatibility/2006" xmlns:mv="urn:schemas-microsoft-com:mac:vml" xmlns:p="http://schemas.openxmlformats.org/presentationml/2006/main" xmlns:c="http://schemas.openxmlformats.org/drawingml/2006/chart" xmlns:dgm="http://schemas.openxmlformats.org/drawingml/2006/diagram" xmlns:o="urn:schemas-microsoft-com:office:office" xmlns:v="urn:schemas-microsoft-com:vml" xmlns:pvml="urn:schemas-microsoft-com:office:powerpoint" xmlns:com="http://schemas.openxmlformats.org/drawingml/2006/compatibility" xmlns:p14="http://schemas.microsoft.com/office/powerpoint/2010/main" showMasterPhAnim="0" showMasterSp="0">
+  <p:cSld>
+    <p:spTree>
+      <p:nvGrpSpPr>
+        <p:cNvPr id="204" name="Shape 204"/>
+        <p:cNvGrpSpPr/>
+        <p:nvPr/>
+      </p:nvGrpSpPr>
+      <p:grpSpPr>
+        <a:xfrm>
+          <a:off x="0" y="0"/>
+          <a:ext cx="0" cy="0"/>
+          <a:chOff x="0" y="0"/>
+          <a:chExt cx="0" cy="0"/>
+        </a:xfrm>
+      </p:grpSpPr>
+      <p:sp>
+        <p:nvSpPr>
+          <p:cNvPr id="205" name="Shape 205"/>
+          <p:cNvSpPr/>
+          <p:nvPr>
+            <p:ph idx="2" type="sldImg"/>
+          </p:nvPr>
+        </p:nvSpPr>
+        <p:spPr>
+          <a:xfrm>
+            <a:off x="381300" y="685800"/>
+            <a:ext cx="6096000" cy="3429000"/>
+          </a:xfrm>
+          <a:custGeom>
+            <a:pathLst>
+              <a:path extrusionOk="0" h="120000" w="120000">
+                <a:moveTo>
+                  <a:pt x="0" y="0"/>
+                </a:moveTo>
+                <a:lnTo>
+                  <a:pt x="120000" y="0"/>
+                </a:lnTo>
+                <a:lnTo>
+                  <a:pt x="120000" y="120000"/>
+                </a:lnTo>
+                <a:lnTo>
+                  <a:pt x="0" y="120000"/>
+                </a:lnTo>
+                <a:close/>
+              </a:path>
+            </a:pathLst>
+          </a:custGeom>
+          <a:noFill/>
+          <a:ln cap="flat" cmpd="sng" w="9525">
+            <a:solidFill>
+              <a:srgbClr val="000000"/>
+            </a:solidFill>
+            <a:prstDash val="solid"/>
+            <a:round/>
+            <a:headEnd len="med" w="med" type="none"/>
+            <a:tailEnd len="med" w="med" type="none"/>
+          </a:ln>
+        </p:spPr>
+      </p:sp>
+      <p:sp>
+        <p:nvSpPr>
+          <p:cNvPr id="206" name="Shape 206"/>
           <p:cNvSpPr txBox="1"/>
           <p:nvPr>
             <p:ph idx="1" type="body"/>
@@ -8033,7 +8139,7 @@
             </a:pPr>
             <a:r>
               <a:rPr lang="en"/>
-              <a:t>Drink Menu</a:t>
+              <a:t>Full Menu</a:t>
             </a:r>
           </a:p>
           <a:p>
@@ -8240,8 +8346,8 @@
         </p:nvSpPr>
         <p:spPr>
           <a:xfrm>
-            <a:off x="3651625" y="431175"/>
-            <a:ext cx="4734899" cy="2956799"/>
+            <a:off x="965950" y="1451125"/>
+            <a:ext cx="4528500" cy="2592900"/>
           </a:xfrm>
           <a:prstGeom prst="rect">
             <a:avLst/>
@@ -8253,7 +8359,7 @@
           </a:bodyPr>
           <a:lstStyle/>
           <a:p>
-            <a:pPr rtl="0">
+            <a:pPr lvl="0" rtl="0" algn="r">
               <a:spcBef>
                 <a:spcPts val="0"/>
               </a:spcBef>
@@ -8261,11 +8367,11 @@
             </a:pPr>
             <a:r>
               <a:rPr lang="en"/>
-              <a:t>Seasons</a:t>
+              <a:t>Fall Menu</a:t>
             </a:r>
           </a:p>
           <a:p>
-            <a:pPr rtl="0">
+            <a:pPr lvl="0" rtl="0" algn="r">
               <a:spcBef>
                 <a:spcPts val="0"/>
               </a:spcBef>
@@ -8277,7 +8383,7 @@
             <a:endParaRPr/>
           </a:p>
           <a:p>
-            <a:pPr>
+            <a:pPr rtl="0" algn="r">
               <a:spcBef>
                 <a:spcPts val="0"/>
               </a:spcBef>
@@ -8285,7 +8391,19 @@
             </a:pPr>
             <a:r>
               <a:rPr lang="en" sz="2400"/>
-              <a:t>Table information defining our different seasons</a:t>
+              <a:t>Drink, Lists price, description</a:t>
+            </a:r>
+          </a:p>
+          <a:p>
+            <a:pPr lvl="0" rtl="0" algn="r">
+              <a:spcBef>
+                <a:spcPts val="0"/>
+              </a:spcBef>
+              <a:buNone/>
+            </a:pPr>
+            <a:r>
+              <a:rPr lang="en" sz="2400"/>
+              <a:t>for each season</a:t>
             </a:r>
           </a:p>
         </p:txBody>
@@ -8306,7 +8424,7 @@
         </p:blipFill>
         <p:spPr>
           <a:xfrm>
-            <a:off x="1169450" y="431174"/>
+            <a:off x="6100050" y="350524"/>
             <a:ext cx="2015499" cy="4224101"/>
           </a:xfrm>
           <a:prstGeom prst="rect">
@@ -8334,8 +8452,8 @@
         </p:blipFill>
         <p:spPr>
           <a:xfrm>
-            <a:off x="1305762" y="991125"/>
-            <a:ext cx="1742875" cy="3104200"/>
+            <a:off x="6266022" y="950500"/>
+            <a:ext cx="1697300" cy="3023025"/>
           </a:xfrm>
           <a:prstGeom prst="rect">
             <a:avLst/>
@@ -8362,8 +8480,8 @@
         </p:blipFill>
         <p:spPr>
           <a:xfrm>
-            <a:off x="4114075" y="2388320"/>
-            <a:ext cx="3810000" cy="2378200"/>
+            <a:off x="6266025" y="950500"/>
+            <a:ext cx="1697300" cy="3023025"/>
           </a:xfrm>
           <a:prstGeom prst="rect">
             <a:avLst/>
@@ -8402,9 +8520,69 @@
           <a:chExt cx="0" cy="0"/>
         </a:xfrm>
       </p:grpSpPr>
+      <p:sp>
+        <p:nvSpPr>
+          <p:cNvPr id="187" name="Shape 187"/>
+          <p:cNvSpPr txBox="1"/>
+          <p:nvPr>
+            <p:ph type="title"/>
+          </p:nvPr>
+        </p:nvSpPr>
+        <p:spPr>
+          <a:xfrm>
+            <a:off x="3651625" y="431175"/>
+            <a:ext cx="4734899" cy="2956799"/>
+          </a:xfrm>
+          <a:prstGeom prst="rect">
+            <a:avLst/>
+          </a:prstGeom>
+        </p:spPr>
+        <p:txBody>
+          <a:bodyPr anchorCtr="0" anchor="t" bIns="91425" lIns="91425" rIns="91425" tIns="91425">
+            <a:noAutofit/>
+          </a:bodyPr>
+          <a:lstStyle/>
+          <a:p>
+            <a:pPr rtl="0">
+              <a:spcBef>
+                <a:spcPts val="0"/>
+              </a:spcBef>
+              <a:buNone/>
+            </a:pPr>
+            <a:r>
+              <a:rPr lang="en"/>
+              <a:t>Seasons</a:t>
+            </a:r>
+          </a:p>
+          <a:p>
+            <a:pPr rtl="0">
+              <a:spcBef>
+                <a:spcPts val="0"/>
+              </a:spcBef>
+              <a:buNone/>
+            </a:pPr>
+            <a:r>
+              <a:t/>
+            </a:r>
+            <a:endParaRPr/>
+          </a:p>
+          <a:p>
+            <a:pPr>
+              <a:spcBef>
+                <a:spcPts val="0"/>
+              </a:spcBef>
+              <a:buNone/>
+            </a:pPr>
+            <a:r>
+              <a:rPr lang="en" sz="2400"/>
+              <a:t>Table information defining our different seasons</a:t>
+            </a:r>
+          </a:p>
+        </p:txBody>
+      </p:sp>
       <p:pic>
         <p:nvPicPr>
-          <p:cNvPr id="187" name="Shape 187"/>
+          <p:cNvPr id="188" name="Shape 188"/>
           <p:cNvPicPr preferRelativeResize="0"/>
           <p:nvPr/>
         </p:nvPicPr>
@@ -8418,8 +8596,8 @@
         </p:blipFill>
         <p:spPr>
           <a:xfrm>
-            <a:off x="837375" y="205600"/>
-            <a:ext cx="2257975" cy="4732298"/>
+            <a:off x="1169450" y="431174"/>
+            <a:ext cx="2015499" cy="4224101"/>
           </a:xfrm>
           <a:prstGeom prst="rect">
             <a:avLst/>
@@ -8432,7 +8610,7 @@
       </p:pic>
       <p:pic>
         <p:nvPicPr>
-          <p:cNvPr id="188" name="Shape 188"/>
+          <p:cNvPr id="189" name="Shape 189"/>
           <p:cNvPicPr preferRelativeResize="0"/>
           <p:nvPr/>
         </p:nvPicPr>
@@ -8446,8 +8624,8 @@
         </p:blipFill>
         <p:spPr>
           <a:xfrm>
-            <a:off x="1011125" y="870387"/>
-            <a:ext cx="1910474" cy="3402724"/>
+            <a:off x="1305762" y="991125"/>
+            <a:ext cx="1742875" cy="3104200"/>
           </a:xfrm>
           <a:prstGeom prst="rect">
             <a:avLst/>
@@ -8458,90 +8636,6 @@
           </a:ln>
         </p:spPr>
       </p:pic>
-      <p:sp>
-        <p:nvSpPr>
-          <p:cNvPr id="189" name="Shape 189"/>
-          <p:cNvSpPr txBox="1"/>
-          <p:nvPr>
-            <p:ph type="title"/>
-          </p:nvPr>
-        </p:nvSpPr>
-        <p:spPr>
-          <a:xfrm>
-            <a:off x="3329075" y="600075"/>
-            <a:ext cx="4152599" cy="3503699"/>
-          </a:xfrm>
-          <a:prstGeom prst="rect">
-            <a:avLst/>
-          </a:prstGeom>
-        </p:spPr>
-        <p:txBody>
-          <a:bodyPr anchorCtr="0" anchor="t" bIns="91425" lIns="91425" rIns="91425" tIns="91425">
-            <a:noAutofit/>
-          </a:bodyPr>
-          <a:lstStyle/>
-          <a:p>
-            <a:pPr rtl="0">
-              <a:spcBef>
-                <a:spcPts val="0"/>
-              </a:spcBef>
-              <a:buNone/>
-            </a:pPr>
-            <a:r>
-              <a:rPr lang="en"/>
-              <a:t>Drink Recipes </a:t>
-            </a:r>
-          </a:p>
-          <a:p>
-            <a:pPr rtl="0">
-              <a:spcBef>
-                <a:spcPts val="0"/>
-              </a:spcBef>
-              <a:buNone/>
-            </a:pPr>
-            <a:r>
-              <a:t/>
-            </a:r>
-            <a:endParaRPr/>
-          </a:p>
-          <a:p>
-            <a:pPr rtl="0">
-              <a:spcBef>
-                <a:spcPts val="0"/>
-              </a:spcBef>
-              <a:buNone/>
-            </a:pPr>
-            <a:r>
-              <a:rPr lang="en" sz="2400"/>
-              <a:t>Returns ingredients and directions along with corresponding season.</a:t>
-            </a:r>
-          </a:p>
-          <a:p>
-            <a:pPr rtl="0">
-              <a:spcBef>
-                <a:spcPts val="0"/>
-              </a:spcBef>
-              <a:buNone/>
-            </a:pPr>
-            <a:r>
-              <a:t/>
-            </a:r>
-            <a:endParaRPr sz="2400"/>
-          </a:p>
-          <a:p>
-            <a:pPr>
-              <a:spcBef>
-                <a:spcPts val="0"/>
-              </a:spcBef>
-              <a:buNone/>
-            </a:pPr>
-            <a:r>
-              <a:rPr lang="en" sz="2400"/>
-              <a:t> A join on our two tables. </a:t>
-            </a:r>
-          </a:p>
-        </p:txBody>
-      </p:sp>
       <p:pic>
         <p:nvPicPr>
           <p:cNvPr id="190" name="Shape 190"/>
@@ -8558,8 +8652,8 @@
         </p:blipFill>
         <p:spPr>
           <a:xfrm>
-            <a:off x="7279468" y="2299068"/>
-            <a:ext cx="1754250" cy="2638824"/>
+            <a:off x="4114075" y="2388320"/>
+            <a:ext cx="3810000" cy="2378200"/>
           </a:xfrm>
           <a:prstGeom prst="rect">
             <a:avLst/>
@@ -8598,9 +8692,205 @@
           <a:chExt cx="0" cy="0"/>
         </a:xfrm>
       </p:grpSpPr>
-      <p:sp>
-        <p:nvSpPr>
+      <p:pic>
+        <p:nvPicPr>
           <p:cNvPr id="195" name="Shape 195"/>
+          <p:cNvPicPr preferRelativeResize="0"/>
+          <p:nvPr/>
+        </p:nvPicPr>
+        <p:blipFill>
+          <a:blip r:embed="rId3">
+            <a:alphaModFix/>
+          </a:blip>
+          <a:stretch>
+            <a:fillRect/>
+          </a:stretch>
+        </p:blipFill>
+        <p:spPr>
+          <a:xfrm>
+            <a:off x="837375" y="205600"/>
+            <a:ext cx="2257975" cy="4732298"/>
+          </a:xfrm>
+          <a:prstGeom prst="rect">
+            <a:avLst/>
+          </a:prstGeom>
+          <a:noFill/>
+          <a:ln>
+            <a:noFill/>
+          </a:ln>
+        </p:spPr>
+      </p:pic>
+      <p:pic>
+        <p:nvPicPr>
+          <p:cNvPr id="196" name="Shape 196"/>
+          <p:cNvPicPr preferRelativeResize="0"/>
+          <p:nvPr/>
+        </p:nvPicPr>
+        <p:blipFill>
+          <a:blip r:embed="rId4">
+            <a:alphaModFix/>
+          </a:blip>
+          <a:stretch>
+            <a:fillRect/>
+          </a:stretch>
+        </p:blipFill>
+        <p:spPr>
+          <a:xfrm>
+            <a:off x="1011125" y="870387"/>
+            <a:ext cx="1910474" cy="3402724"/>
+          </a:xfrm>
+          <a:prstGeom prst="rect">
+            <a:avLst/>
+          </a:prstGeom>
+          <a:noFill/>
+          <a:ln>
+            <a:noFill/>
+          </a:ln>
+        </p:spPr>
+      </p:pic>
+      <p:sp>
+        <p:nvSpPr>
+          <p:cNvPr id="197" name="Shape 197"/>
+          <p:cNvSpPr txBox="1"/>
+          <p:nvPr>
+            <p:ph type="title"/>
+          </p:nvPr>
+        </p:nvSpPr>
+        <p:spPr>
+          <a:xfrm>
+            <a:off x="3329075" y="600075"/>
+            <a:ext cx="4152599" cy="3503699"/>
+          </a:xfrm>
+          <a:prstGeom prst="rect">
+            <a:avLst/>
+          </a:prstGeom>
+        </p:spPr>
+        <p:txBody>
+          <a:bodyPr anchorCtr="0" anchor="t" bIns="91425" lIns="91425" rIns="91425" tIns="91425">
+            <a:noAutofit/>
+          </a:bodyPr>
+          <a:lstStyle/>
+          <a:p>
+            <a:pPr rtl="0">
+              <a:spcBef>
+                <a:spcPts val="0"/>
+              </a:spcBef>
+              <a:buNone/>
+            </a:pPr>
+            <a:r>
+              <a:rPr lang="en"/>
+              <a:t>Drink Recipes </a:t>
+            </a:r>
+          </a:p>
+          <a:p>
+            <a:pPr rtl="0">
+              <a:spcBef>
+                <a:spcPts val="0"/>
+              </a:spcBef>
+              <a:buNone/>
+            </a:pPr>
+            <a:r>
+              <a:t/>
+            </a:r>
+            <a:endParaRPr/>
+          </a:p>
+          <a:p>
+            <a:pPr rtl="0">
+              <a:spcBef>
+                <a:spcPts val="0"/>
+              </a:spcBef>
+              <a:buNone/>
+            </a:pPr>
+            <a:r>
+              <a:rPr lang="en" sz="2400"/>
+              <a:t>Returns ingredients and directions along with corresponding season.</a:t>
+            </a:r>
+          </a:p>
+          <a:p>
+            <a:pPr rtl="0">
+              <a:spcBef>
+                <a:spcPts val="0"/>
+              </a:spcBef>
+              <a:buNone/>
+            </a:pPr>
+            <a:r>
+              <a:t/>
+            </a:r>
+            <a:endParaRPr sz="2400"/>
+          </a:p>
+          <a:p>
+            <a:pPr>
+              <a:spcBef>
+                <a:spcPts val="0"/>
+              </a:spcBef>
+              <a:buNone/>
+            </a:pPr>
+            <a:r>
+              <a:rPr lang="en" sz="2400"/>
+              <a:t> A join on our two tables. </a:t>
+            </a:r>
+          </a:p>
+        </p:txBody>
+      </p:sp>
+      <p:pic>
+        <p:nvPicPr>
+          <p:cNvPr id="198" name="Shape 198"/>
+          <p:cNvPicPr preferRelativeResize="0"/>
+          <p:nvPr/>
+        </p:nvPicPr>
+        <p:blipFill>
+          <a:blip r:embed="rId5">
+            <a:alphaModFix/>
+          </a:blip>
+          <a:stretch>
+            <a:fillRect/>
+          </a:stretch>
+        </p:blipFill>
+        <p:spPr>
+          <a:xfrm>
+            <a:off x="7279468" y="2299068"/>
+            <a:ext cx="1754250" cy="2638824"/>
+          </a:xfrm>
+          <a:prstGeom prst="rect">
+            <a:avLst/>
+          </a:prstGeom>
+          <a:noFill/>
+          <a:ln>
+            <a:noFill/>
+          </a:ln>
+        </p:spPr>
+      </p:pic>
+    </p:spTree>
+  </p:cSld>
+  <p:clrMapOvr>
+    <a:masterClrMapping/>
+  </p:clrMapOvr>
+  <p:transition spd="slow">
+    <p:cut/>
+  </p:transition>
+</p:sld>
+</file>
+
+<file path=ppt/slides/slide23.xml><?xml version="1.0" encoding="utf-8"?>
+<p:sld xmlns:a="http://schemas.openxmlformats.org/drawingml/2006/main" xmlns:r="http://schemas.openxmlformats.org/officeDocument/2006/relationships" xmlns:mc="http://schemas.openxmlformats.org/markup-compatibility/2006" xmlns:mv="urn:schemas-microsoft-com:mac:vml" xmlns:p="http://schemas.openxmlformats.org/presentationml/2006/main" xmlns:c="http://schemas.openxmlformats.org/drawingml/2006/chart" xmlns:dgm="http://schemas.openxmlformats.org/drawingml/2006/diagram" xmlns:o="urn:schemas-microsoft-com:office:office" xmlns:v="urn:schemas-microsoft-com:vml" xmlns:pvml="urn:schemas-microsoft-com:office:powerpoint" xmlns:com="http://schemas.openxmlformats.org/drawingml/2006/compatibility" xmlns:p14="http://schemas.microsoft.com/office/powerpoint/2010/main">
+  <p:cSld>
+    <p:spTree>
+      <p:nvGrpSpPr>
+        <p:cNvPr id="202" name="Shape 202"/>
+        <p:cNvGrpSpPr/>
+        <p:nvPr/>
+      </p:nvGrpSpPr>
+      <p:grpSpPr>
+        <a:xfrm>
+          <a:off x="0" y="0"/>
+          <a:ext cx="0" cy="0"/>
+          <a:chOff x="0" y="0"/>
+          <a:chExt cx="0" cy="0"/>
+        </a:xfrm>
+      </p:grpSpPr>
+      <p:sp>
+        <p:nvSpPr>
+          <p:cNvPr id="203" name="Shape 203"/>
           <p:cNvSpPr txBox="1"/>
           <p:nvPr>
             <p:ph type="title"/>
@@ -9887,6 +10177,285 @@
 </file>
 
 <file path=ppt/theme/theme1.xml><?xml version="1.0" encoding="utf-8"?>
+<a:theme xmlns:a="http://schemas.openxmlformats.org/drawingml/2006/main" xmlns:r="http://schemas.openxmlformats.org/officeDocument/2006/relationships" name="coral">
+  <a:themeElements>
+    <a:clrScheme name="Coral">
+      <a:dk1>
+        <a:srgbClr val="F55E61"/>
+      </a:dk1>
+      <a:lt1>
+        <a:srgbClr val="FFFFFF"/>
+      </a:lt1>
+      <a:dk2>
+        <a:srgbClr val="5E696C"/>
+      </a:dk2>
+      <a:lt2>
+        <a:srgbClr val="BFC7CA"/>
+      </a:lt2>
+      <a:accent1>
+        <a:srgbClr val="1E2D31"/>
+      </a:accent1>
+      <a:accent2>
+        <a:srgbClr val="273C42"/>
+      </a:accent2>
+      <a:accent3>
+        <a:srgbClr val="83D061"/>
+      </a:accent3>
+      <a:accent4>
+        <a:srgbClr val="F6CD4C"/>
+      </a:accent4>
+      <a:accent5>
+        <a:srgbClr val="AF4345"/>
+      </a:accent5>
+      <a:accent6>
+        <a:srgbClr val="F58F8F"/>
+      </a:accent6>
+      <a:hlink>
+        <a:srgbClr val="AF4345"/>
+      </a:hlink>
+      <a:folHlink>
+        <a:srgbClr val="AF4345"/>
+      </a:folHlink>
+    </a:clrScheme>
+    <a:fontScheme name="Office">
+      <a:majorFont>
+        <a:latin typeface="Arial"/>
+        <a:ea typeface=""/>
+        <a:cs typeface=""/>
+        <a:font script="Jpan" typeface="ＭＳ Ｐゴシック"/>
+        <a:font script="Hang" typeface="맑은 고딕"/>
+        <a:font script="Hans" typeface="宋体"/>
+        <a:font script="Hant" typeface="新細明體"/>
+        <a:font script="Arab" typeface="Times New Roman"/>
+        <a:font script="Hebr" typeface="Times New Roman"/>
+        <a:font script="Thai" typeface="Angsana New"/>
+        <a:font script="Ethi" typeface="Nyala"/>
+        <a:font script="Beng" typeface="Vrinda"/>
+        <a:font script="Gujr" typeface="Shruti"/>
+        <a:font script="Khmr" typeface="MoolBoran"/>
+        <a:font script="Knda" typeface="Tunga"/>
+        <a:font script="Guru" typeface="Raavi"/>
+        <a:font script="Cans" typeface="Euphemia"/>
+        <a:font script="Cher" typeface="Plantagenet Cherokee"/>
+        <a:font script="Yiii" typeface="Microsoft Yi Baiti"/>
+        <a:font script="Tibt" typeface="Microsoft Himalaya"/>
+        <a:font script="Thaa" typeface="MV Boli"/>
+        <a:font script="Deva" typeface="Mangal"/>
+        <a:font script="Telu" typeface="Gautami"/>
+        <a:font script="Taml" typeface="Latha"/>
+        <a:font script="Syrc" typeface="Estrangelo Edessa"/>
+        <a:font script="Orya" typeface="Kalinga"/>
+        <a:font script="Mlym" typeface="Kartika"/>
+        <a:font script="Laoo" typeface="DokChampa"/>
+        <a:font script="Sinh" typeface="Iskoola Pota"/>
+        <a:font script="Mong" typeface="Mongolian Baiti"/>
+        <a:font script="Viet" typeface="Times New Roman"/>
+        <a:font script="Uigh" typeface="Microsoft Uighur"/>
+        <a:font script="Geor" typeface="Sylfaen"/>
+      </a:majorFont>
+      <a:minorFont>
+        <a:latin typeface="Arial"/>
+        <a:ea typeface=""/>
+        <a:cs typeface=""/>
+        <a:font script="Jpan" typeface="ＭＳ Ｐゴシック"/>
+        <a:font script="Hang" typeface="맑은 고딕"/>
+        <a:font script="Hans" typeface="宋体"/>
+        <a:font script="Hant" typeface="新細明體"/>
+        <a:font script="Arab" typeface="Arial"/>
+        <a:font script="Hebr" typeface="Arial"/>
+        <a:font script="Thai" typeface="Cordia New"/>
+        <a:font script="Ethi" typeface="Nyala"/>
+        <a:font script="Beng" typeface="Vrinda"/>
+        <a:font script="Gujr" typeface="Shruti"/>
+        <a:font script="Khmr" typeface="DaunPenh"/>
+        <a:font script="Knda" typeface="Tunga"/>
+        <a:font script="Guru" typeface="Raavi"/>
+        <a:font script="Cans" typeface="Euphemia"/>
+        <a:font script="Cher" typeface="Plantagenet Cherokee"/>
+        <a:font script="Yiii" typeface="Microsoft Yi Baiti"/>
+        <a:font script="Tibt" typeface="Microsoft Himalaya"/>
+        <a:font script="Thaa" typeface="MV Boli"/>
+        <a:font script="Deva" typeface="Mangal"/>
+        <a:font script="Telu" typeface="Gautami"/>
+        <a:font script="Taml" typeface="Latha"/>
+        <a:font script="Syrc" typeface="Estrangelo Edessa"/>
+        <a:font script="Orya" typeface="Kalinga"/>
+        <a:font script="Mlym" typeface="Kartika"/>
+        <a:font script="Laoo" typeface="DokChampa"/>
+        <a:font script="Sinh" typeface="Iskoola Pota"/>
+        <a:font script="Mong" typeface="Mongolian Baiti"/>
+        <a:font script="Viet" typeface="Arial"/>
+        <a:font script="Uigh" typeface="Microsoft Uighur"/>
+        <a:font script="Geor" typeface="Sylfaen"/>
+      </a:minorFont>
+    </a:fontScheme>
+    <a:fmtScheme name="Office">
+      <a:fillStyleLst>
+        <a:solidFill>
+          <a:schemeClr val="phClr"/>
+        </a:solidFill>
+        <a:gradFill rotWithShape="1">
+          <a:gsLst>
+            <a:gs pos="0">
+              <a:schemeClr val="phClr">
+                <a:tint val="50000"/>
+                <a:satMod val="300000"/>
+              </a:schemeClr>
+            </a:gs>
+            <a:gs pos="35000">
+              <a:schemeClr val="phClr">
+                <a:tint val="37000"/>
+                <a:satMod val="300000"/>
+              </a:schemeClr>
+            </a:gs>
+            <a:gs pos="100000">
+              <a:schemeClr val="phClr">
+                <a:tint val="15000"/>
+                <a:satMod val="350000"/>
+              </a:schemeClr>
+            </a:gs>
+          </a:gsLst>
+          <a:lin ang="16200000" scaled="1"/>
+        </a:gradFill>
+        <a:gradFill rotWithShape="1">
+          <a:gsLst>
+            <a:gs pos="0">
+              <a:schemeClr val="phClr">
+                <a:tint val="100000"/>
+                <a:shade val="100000"/>
+                <a:satMod val="130000"/>
+              </a:schemeClr>
+            </a:gs>
+            <a:gs pos="100000">
+              <a:schemeClr val="phClr">
+                <a:tint val="50000"/>
+                <a:shade val="100000"/>
+                <a:satMod val="350000"/>
+              </a:schemeClr>
+            </a:gs>
+          </a:gsLst>
+          <a:lin ang="16200000" scaled="0"/>
+        </a:gradFill>
+      </a:fillStyleLst>
+      <a:lnStyleLst>
+        <a:ln w="9525" cap="flat" cmpd="sng" algn="ctr">
+          <a:solidFill>
+            <a:schemeClr val="phClr">
+              <a:shade val="95000"/>
+              <a:satMod val="105000"/>
+            </a:schemeClr>
+          </a:solidFill>
+          <a:prstDash val="solid"/>
+        </a:ln>
+        <a:ln w="25400" cap="flat" cmpd="sng" algn="ctr">
+          <a:solidFill>
+            <a:schemeClr val="phClr"/>
+          </a:solidFill>
+          <a:prstDash val="solid"/>
+        </a:ln>
+        <a:ln w="38100" cap="flat" cmpd="sng" algn="ctr">
+          <a:solidFill>
+            <a:schemeClr val="phClr"/>
+          </a:solidFill>
+          <a:prstDash val="solid"/>
+        </a:ln>
+      </a:lnStyleLst>
+      <a:effectStyleLst>
+        <a:effectStyle>
+          <a:effectLst>
+            <a:outerShdw blurRad="40000" dist="20000" dir="5400000" rotWithShape="0">
+              <a:srgbClr val="000000">
+                <a:alpha val="38000"/>
+              </a:srgbClr>
+            </a:outerShdw>
+          </a:effectLst>
+        </a:effectStyle>
+        <a:effectStyle>
+          <a:effectLst>
+            <a:outerShdw blurRad="40000" dist="23000" dir="5400000" rotWithShape="0">
+              <a:srgbClr val="000000">
+                <a:alpha val="35000"/>
+              </a:srgbClr>
+            </a:outerShdw>
+          </a:effectLst>
+        </a:effectStyle>
+        <a:effectStyle>
+          <a:effectLst>
+            <a:outerShdw blurRad="40000" dist="23000" dir="5400000" rotWithShape="0">
+              <a:srgbClr val="000000">
+                <a:alpha val="35000"/>
+              </a:srgbClr>
+            </a:outerShdw>
+          </a:effectLst>
+          <a:scene3d>
+            <a:camera prst="orthographicFront">
+              <a:rot lat="0" lon="0" rev="0"/>
+            </a:camera>
+            <a:lightRig rig="threePt" dir="t">
+              <a:rot lat="0" lon="0" rev="1200000"/>
+            </a:lightRig>
+          </a:scene3d>
+          <a:sp3d>
+            <a:bevelT w="63500" h="25400"/>
+          </a:sp3d>
+        </a:effectStyle>
+      </a:effectStyleLst>
+      <a:bgFillStyleLst>
+        <a:solidFill>
+          <a:schemeClr val="phClr"/>
+        </a:solidFill>
+        <a:gradFill rotWithShape="1">
+          <a:gsLst>
+            <a:gs pos="0">
+              <a:schemeClr val="phClr">
+                <a:tint val="40000"/>
+                <a:satMod val="350000"/>
+              </a:schemeClr>
+            </a:gs>
+            <a:gs pos="40000">
+              <a:schemeClr val="phClr">
+                <a:tint val="45000"/>
+                <a:shade val="99000"/>
+                <a:satMod val="350000"/>
+              </a:schemeClr>
+            </a:gs>
+            <a:gs pos="100000">
+              <a:schemeClr val="phClr">
+                <a:shade val="20000"/>
+                <a:satMod val="255000"/>
+              </a:schemeClr>
+            </a:gs>
+          </a:gsLst>
+          <a:path path="circle">
+            <a:fillToRect l="50000" t="-80000" r="50000" b="180000"/>
+          </a:path>
+        </a:gradFill>
+        <a:gradFill rotWithShape="1">
+          <a:gsLst>
+            <a:gs pos="0">
+              <a:schemeClr val="phClr">
+                <a:tint val="80000"/>
+                <a:satMod val="300000"/>
+              </a:schemeClr>
+            </a:gs>
+            <a:gs pos="100000">
+              <a:schemeClr val="phClr">
+                <a:shade val="30000"/>
+                <a:satMod val="200000"/>
+              </a:schemeClr>
+            </a:gs>
+          </a:gsLst>
+          <a:path path="circle">
+            <a:fillToRect l="50000" t="50000" r="50000" b="50000"/>
+          </a:path>
+        </a:gradFill>
+      </a:bgFillStyleLst>
+    </a:fmtScheme>
+  </a:themeElements>
+</a:theme>
+</file>
+
+<file path=ppt/theme/theme2.xml><?xml version="1.0" encoding="utf-8"?>
 <a:theme xmlns:a="http://schemas.openxmlformats.org/drawingml/2006/main" xmlns:r="http://schemas.openxmlformats.org/officeDocument/2006/relationships" name="Custom Theme">
   <a:themeElements>
     <a:clrScheme name="Default">
@@ -10163,283 +10732,4 @@
     </a:fmtScheme>
   </a:themeElements>
 </a:theme>
-</file>
-
-<file path=ppt/theme/theme2.xml><?xml version="1.0" encoding="utf-8"?>
-<a:theme xmlns:a="http://schemas.openxmlformats.org/drawingml/2006/main" xmlns:r="http://schemas.openxmlformats.org/officeDocument/2006/relationships" name="coral">
-  <a:themeElements>
-    <a:clrScheme name="Coral">
-      <a:dk1>
-        <a:srgbClr val="F55E61"/>
-      </a:dk1>
-      <a:lt1>
-        <a:srgbClr val="FFFFFF"/>
-      </a:lt1>
-      <a:dk2>
-        <a:srgbClr val="5E696C"/>
-      </a:dk2>
-      <a:lt2>
-        <a:srgbClr val="BFC7CA"/>
-      </a:lt2>
-      <a:accent1>
-        <a:srgbClr val="1E2D31"/>
-      </a:accent1>
-      <a:accent2>
-        <a:srgbClr val="273C42"/>
-      </a:accent2>
-      <a:accent3>
-        <a:srgbClr val="83D061"/>
-      </a:accent3>
-      <a:accent4>
-        <a:srgbClr val="F6CD4C"/>
-      </a:accent4>
-      <a:accent5>
-        <a:srgbClr val="AF4345"/>
-      </a:accent5>
-      <a:accent6>
-        <a:srgbClr val="F58F8F"/>
-      </a:accent6>
-      <a:hlink>
-        <a:srgbClr val="AF4345"/>
-      </a:hlink>
-      <a:folHlink>
-        <a:srgbClr val="AF4345"/>
-      </a:folHlink>
-    </a:clrScheme>
-    <a:fontScheme name="Office">
-      <a:majorFont>
-        <a:latin typeface="Arial"/>
-        <a:ea typeface=""/>
-        <a:cs typeface=""/>
-        <a:font script="Jpan" typeface="ＭＳ Ｐゴシック"/>
-        <a:font script="Hang" typeface="맑은 고딕"/>
-        <a:font script="Hans" typeface="宋体"/>
-        <a:font script="Hant" typeface="新細明體"/>
-        <a:font script="Arab" typeface="Times New Roman"/>
-        <a:font script="Hebr" typeface="Times New Roman"/>
-        <a:font script="Thai" typeface="Angsana New"/>
-        <a:font script="Ethi" typeface="Nyala"/>
-        <a:font script="Beng" typeface="Vrinda"/>
-        <a:font script="Gujr" typeface="Shruti"/>
-        <a:font script="Khmr" typeface="MoolBoran"/>
-        <a:font script="Knda" typeface="Tunga"/>
-        <a:font script="Guru" typeface="Raavi"/>
-        <a:font script="Cans" typeface="Euphemia"/>
-        <a:font script="Cher" typeface="Plantagenet Cherokee"/>
-        <a:font script="Yiii" typeface="Microsoft Yi Baiti"/>
-        <a:font script="Tibt" typeface="Microsoft Himalaya"/>
-        <a:font script="Thaa" typeface="MV Boli"/>
-        <a:font script="Deva" typeface="Mangal"/>
-        <a:font script="Telu" typeface="Gautami"/>
-        <a:font script="Taml" typeface="Latha"/>
-        <a:font script="Syrc" typeface="Estrangelo Edessa"/>
-        <a:font script="Orya" typeface="Kalinga"/>
-        <a:font script="Mlym" typeface="Kartika"/>
-        <a:font script="Laoo" typeface="DokChampa"/>
-        <a:font script="Sinh" typeface="Iskoola Pota"/>
-        <a:font script="Mong" typeface="Mongolian Baiti"/>
-        <a:font script="Viet" typeface="Times New Roman"/>
-        <a:font script="Uigh" typeface="Microsoft Uighur"/>
-        <a:font script="Geor" typeface="Sylfaen"/>
-      </a:majorFont>
-      <a:minorFont>
-        <a:latin typeface="Arial"/>
-        <a:ea typeface=""/>
-        <a:cs typeface=""/>
-        <a:font script="Jpan" typeface="ＭＳ Ｐゴシック"/>
-        <a:font script="Hang" typeface="맑은 고딕"/>
-        <a:font script="Hans" typeface="宋体"/>
-        <a:font script="Hant" typeface="新細明體"/>
-        <a:font script="Arab" typeface="Arial"/>
-        <a:font script="Hebr" typeface="Arial"/>
-        <a:font script="Thai" typeface="Cordia New"/>
-        <a:font script="Ethi" typeface="Nyala"/>
-        <a:font script="Beng" typeface="Vrinda"/>
-        <a:font script="Gujr" typeface="Shruti"/>
-        <a:font script="Khmr" typeface="DaunPenh"/>
-        <a:font script="Knda" typeface="Tunga"/>
-        <a:font script="Guru" typeface="Raavi"/>
-        <a:font script="Cans" typeface="Euphemia"/>
-        <a:font script="Cher" typeface="Plantagenet Cherokee"/>
-        <a:font script="Yiii" typeface="Microsoft Yi Baiti"/>
-        <a:font script="Tibt" typeface="Microsoft Himalaya"/>
-        <a:font script="Thaa" typeface="MV Boli"/>
-        <a:font script="Deva" typeface="Mangal"/>
-        <a:font script="Telu" typeface="Gautami"/>
-        <a:font script="Taml" typeface="Latha"/>
-        <a:font script="Syrc" typeface="Estrangelo Edessa"/>
-        <a:font script="Orya" typeface="Kalinga"/>
-        <a:font script="Mlym" typeface="Kartika"/>
-        <a:font script="Laoo" typeface="DokChampa"/>
-        <a:font script="Sinh" typeface="Iskoola Pota"/>
-        <a:font script="Mong" typeface="Mongolian Baiti"/>
-        <a:font script="Viet" typeface="Arial"/>
-        <a:font script="Uigh" typeface="Microsoft Uighur"/>
-        <a:font script="Geor" typeface="Sylfaen"/>
-      </a:minorFont>
-    </a:fontScheme>
-    <a:fmtScheme name="Office">
-      <a:fillStyleLst>
-        <a:solidFill>
-          <a:schemeClr val="phClr"/>
-        </a:solidFill>
-        <a:gradFill rotWithShape="1">
-          <a:gsLst>
-            <a:gs pos="0">
-              <a:schemeClr val="phClr">
-                <a:tint val="50000"/>
-                <a:satMod val="300000"/>
-              </a:schemeClr>
-            </a:gs>
-            <a:gs pos="35000">
-              <a:schemeClr val="phClr">
-                <a:tint val="37000"/>
-                <a:satMod val="300000"/>
-              </a:schemeClr>
-            </a:gs>
-            <a:gs pos="100000">
-              <a:schemeClr val="phClr">
-                <a:tint val="15000"/>
-                <a:satMod val="350000"/>
-              </a:schemeClr>
-            </a:gs>
-          </a:gsLst>
-          <a:lin ang="16200000" scaled="1"/>
-        </a:gradFill>
-        <a:gradFill rotWithShape="1">
-          <a:gsLst>
-            <a:gs pos="0">
-              <a:schemeClr val="phClr">
-                <a:tint val="100000"/>
-                <a:shade val="100000"/>
-                <a:satMod val="130000"/>
-              </a:schemeClr>
-            </a:gs>
-            <a:gs pos="100000">
-              <a:schemeClr val="phClr">
-                <a:tint val="50000"/>
-                <a:shade val="100000"/>
-                <a:satMod val="350000"/>
-              </a:schemeClr>
-            </a:gs>
-          </a:gsLst>
-          <a:lin ang="16200000" scaled="0"/>
-        </a:gradFill>
-      </a:fillStyleLst>
-      <a:lnStyleLst>
-        <a:ln w="9525" cap="flat" cmpd="sng" algn="ctr">
-          <a:solidFill>
-            <a:schemeClr val="phClr">
-              <a:shade val="95000"/>
-              <a:satMod val="105000"/>
-            </a:schemeClr>
-          </a:solidFill>
-          <a:prstDash val="solid"/>
-        </a:ln>
-        <a:ln w="25400" cap="flat" cmpd="sng" algn="ctr">
-          <a:solidFill>
-            <a:schemeClr val="phClr"/>
-          </a:solidFill>
-          <a:prstDash val="solid"/>
-        </a:ln>
-        <a:ln w="38100" cap="flat" cmpd="sng" algn="ctr">
-          <a:solidFill>
-            <a:schemeClr val="phClr"/>
-          </a:solidFill>
-          <a:prstDash val="solid"/>
-        </a:ln>
-      </a:lnStyleLst>
-      <a:effectStyleLst>
-        <a:effectStyle>
-          <a:effectLst>
-            <a:outerShdw blurRad="40000" dist="20000" dir="5400000" rotWithShape="0">
-              <a:srgbClr val="000000">
-                <a:alpha val="38000"/>
-              </a:srgbClr>
-            </a:outerShdw>
-          </a:effectLst>
-        </a:effectStyle>
-        <a:effectStyle>
-          <a:effectLst>
-            <a:outerShdw blurRad="40000" dist="23000" dir="5400000" rotWithShape="0">
-              <a:srgbClr val="000000">
-                <a:alpha val="35000"/>
-              </a:srgbClr>
-            </a:outerShdw>
-          </a:effectLst>
-        </a:effectStyle>
-        <a:effectStyle>
-          <a:effectLst>
-            <a:outerShdw blurRad="40000" dist="23000" dir="5400000" rotWithShape="0">
-              <a:srgbClr val="000000">
-                <a:alpha val="35000"/>
-              </a:srgbClr>
-            </a:outerShdw>
-          </a:effectLst>
-          <a:scene3d>
-            <a:camera prst="orthographicFront">
-              <a:rot lat="0" lon="0" rev="0"/>
-            </a:camera>
-            <a:lightRig rig="threePt" dir="t">
-              <a:rot lat="0" lon="0" rev="1200000"/>
-            </a:lightRig>
-          </a:scene3d>
-          <a:sp3d>
-            <a:bevelT w="63500" h="25400"/>
-          </a:sp3d>
-        </a:effectStyle>
-      </a:effectStyleLst>
-      <a:bgFillStyleLst>
-        <a:solidFill>
-          <a:schemeClr val="phClr"/>
-        </a:solidFill>
-        <a:gradFill rotWithShape="1">
-          <a:gsLst>
-            <a:gs pos="0">
-              <a:schemeClr val="phClr">
-                <a:tint val="40000"/>
-                <a:satMod val="350000"/>
-              </a:schemeClr>
-            </a:gs>
-            <a:gs pos="40000">
-              <a:schemeClr val="phClr">
-                <a:tint val="45000"/>
-                <a:shade val="99000"/>
-                <a:satMod val="350000"/>
-              </a:schemeClr>
-            </a:gs>
-            <a:gs pos="100000">
-              <a:schemeClr val="phClr">
-                <a:shade val="20000"/>
-                <a:satMod val="255000"/>
-              </a:schemeClr>
-            </a:gs>
-          </a:gsLst>
-          <a:path path="circle">
-            <a:fillToRect l="50000" t="-80000" r="50000" b="180000"/>
-          </a:path>
-        </a:gradFill>
-        <a:gradFill rotWithShape="1">
-          <a:gsLst>
-            <a:gs pos="0">
-              <a:schemeClr val="phClr">
-                <a:tint val="80000"/>
-                <a:satMod val="300000"/>
-              </a:schemeClr>
-            </a:gs>
-            <a:gs pos="100000">
-              <a:schemeClr val="phClr">
-                <a:shade val="30000"/>
-                <a:satMod val="200000"/>
-              </a:schemeClr>
-            </a:gs>
-          </a:gsLst>
-          <a:path path="circle">
-            <a:fillToRect l="50000" t="50000" r="50000" b="50000"/>
-          </a:path>
-        </a:gradFill>
-      </a:bgFillStyleLst>
-    </a:fmtScheme>
-  </a:themeElements>
-</a:theme>
 </file>